--- a/help/data-sheets/assets/DMeEnterpriseSupportDatasheet_2022 (1).pptx
+++ b/help/data-sheets/assets/DMeEnterpriseSupportDatasheet_2022 (1).pptx
@@ -441,42 +441,6 @@
 </pc:chgInfo>
 </file>
 
-<file path=ppt/comments/modernComment_105_3E964E31.xml><?xml version="1.0" encoding="utf-8"?>
-<p188:cmLst xmlns:a="http://schemas.openxmlformats.org/drawingml/2006/main" xmlns:r="http://schemas.openxmlformats.org/officeDocument/2006/relationships" xmlns:p188="http://schemas.microsoft.com/office/powerpoint/2018/8/main">
-  <p188:cm id="{01C3F3F0-2814-4D6E-911E-1AA58F4E2B59}" authorId="{DB1A11B9-3973-06DC-DBC2-EFEFEF087FED}" created="2022-02-09T19:17:48.735">
-    <pc:sldMkLst xmlns:pc="http://schemas.microsoft.com/office/powerpoint/2013/main/command">
-      <pc:docMk/>
-      <pc:sldMk cId="1050037809" sldId="261"/>
-    </pc:sldMkLst>
-    <p188:replyLst>
-      <p188:reply id="{43FD53F6-3E2B-4FC3-8555-4F3083F01AB8}" authorId="{D376325D-2BBD-24A3-9FEE-692465B927D5}" created="2022-02-10T15:55:29.062">
-        <p188:txBody>
-          <a:bodyPr/>
-          <a:lstStyle/>
-          <a:p>
-            <a:r>
-              <a:rPr lang="en-US"/>
-              <a:t>Updated.</a:t>
-            </a:r>
-          </a:p>
-        </p188:txBody>
-      </p188:reply>
-    </p188:replyLst>
-    <p188:txBody>
-      <a:bodyPr/>
-      <a:lstStyle/>
-      <a:p>
-        <a:r>
-          <a:rPr lang="en-US"/>
-          <a:t>Change from Experience League to Enterprise Learn &amp; Support - https://helpx.adobe.com/enterprise.html
-[@Jaclyn Zalesky] </a:t>
-        </a:r>
-      </a:p>
-    </p188:txBody>
-  </p188:cm>
-</p188:cmLst>
-</file>
-
 <file path=ppt/notesMasters/notesMaster1.xml><?xml version="1.0" encoding="utf-8"?>
 <p:notesMaster xmlns:a="http://schemas.openxmlformats.org/drawingml/2006/main" xmlns:r="http://schemas.openxmlformats.org/officeDocument/2006/relationships" xmlns:p="http://schemas.openxmlformats.org/presentationml/2006/main">
   <p:cSld>
@@ -559,7 +523,7 @@
           <a:p>
             <a:fld id="{CCB2A597-803A-C244-97E2-A01066125D19}" type="datetimeFigureOut">
               <a:rPr lang="en-US" smtClean="0"/>
-              <a:t>3/3/2022</a:t>
+              <a:t>3/24/2022</a:t>
             </a:fld>
             <a:endParaRPr lang="en-US"/>
           </a:p>
@@ -1256,7 +1220,7 @@
           <a:p>
             <a:fld id="{1D8BD707-D9CF-40AE-B4C6-C98DA3205C09}" type="datetimeFigureOut">
               <a:rPr lang="en-US"/>
-              <a:t>3/3/2022</a:t>
+              <a:t>3/24/2022</a:t>
             </a:fld>
             <a:endParaRPr lang="en-US"/>
           </a:p>
@@ -1496,7 +1460,7 @@
           <a:p>
             <a:fld id="{1D8BD707-D9CF-40AE-B4C6-C98DA3205C09}" type="datetimeFigureOut">
               <a:rPr lang="en-US"/>
-              <a:t>3/3/2022</a:t>
+              <a:t>3/24/2022</a:t>
             </a:fld>
             <a:endParaRPr lang="en-US"/>
           </a:p>
@@ -1749,7 +1713,7 @@
           <a:p>
             <a:fld id="{1D8BD707-D9CF-40AE-B4C6-C98DA3205C09}" type="datetimeFigureOut">
               <a:rPr lang="en-US"/>
-              <a:t>3/3/2022</a:t>
+              <a:t>3/24/2022</a:t>
             </a:fld>
             <a:endParaRPr lang="en-US"/>
           </a:p>
@@ -1936,7 +1900,7 @@
           <a:p>
             <a:fld id="{1D8BD707-D9CF-40AE-B4C6-C98DA3205C09}" type="datetimeFigureOut">
               <a:rPr lang="en-US"/>
-              <a:t>3/3/2022</a:t>
+              <a:t>3/24/2022</a:t>
             </a:fld>
             <a:endParaRPr lang="en-US"/>
           </a:p>
@@ -2094,7 +2058,7 @@
           <a:p>
             <a:fld id="{1D8BD707-D9CF-40AE-B4C6-C98DA3205C09}" type="datetimeFigureOut">
               <a:rPr lang="en-US"/>
-              <a:t>3/3/2022</a:t>
+              <a:t>3/24/2022</a:t>
             </a:fld>
             <a:endParaRPr lang="en-US"/>
           </a:p>
@@ -2352,7 +2316,7 @@
           <a:p>
             <a:fld id="{1D8BD707-D9CF-40AE-B4C6-C98DA3205C09}" type="datetimeFigureOut">
               <a:rPr lang="en-US"/>
-              <a:t>3/3/2022</a:t>
+              <a:t>3/24/2022</a:t>
             </a:fld>
             <a:endParaRPr lang="en-US"/>
           </a:p>
@@ -2605,32 +2569,11 @@
               </a:spcBef>
             </a:pPr>
             <a:r>
-              <a:rPr sz="2300" dirty="0">
+              <a:rPr lang="de-DE" sz="2300" dirty="0">
                 <a:latin typeface="Adobe Clean" panose="020B0503020404020204" pitchFamily="34" charset="0"/>
               </a:rPr>
-              <a:t>ADOBE</a:t>
+              <a:t>SUPPORT-PAKETE VON ADOBE</a:t>
             </a:r>
-            <a:r>
-              <a:rPr lang="en-US" sz="2300" dirty="0">
-                <a:latin typeface="Adobe Clean" panose="020B0503020404020204" pitchFamily="34" charset="0"/>
-              </a:rPr>
-              <a:t> </a:t>
-            </a:r>
-            <a:r>
-              <a:rPr sz="2300" dirty="0">
-                <a:latin typeface="Adobe Clean" panose="020B0503020404020204" pitchFamily="34" charset="0"/>
-              </a:rPr>
-              <a:t>SUPPORT</a:t>
-            </a:r>
-            <a:r>
-              <a:rPr lang="en-US" sz="2300" dirty="0">
-                <a:latin typeface="Adobe Clean" panose="020B0503020404020204" pitchFamily="34" charset="0"/>
-              </a:rPr>
-              <a:t> PLANS</a:t>
-            </a:r>
-            <a:endParaRPr sz="2300" dirty="0">
-              <a:latin typeface="Adobe Clean" panose="020B0503020404020204" pitchFamily="34" charset="0"/>
-            </a:endParaRPr>
           </a:p>
         </p:txBody>
       </p:sp>
@@ -2642,7 +2585,7 @@
         </p:nvSpPr>
         <p:spPr>
           <a:xfrm>
-            <a:off x="121146" y="7134585"/>
+            <a:off x="121146" y="7104105"/>
             <a:ext cx="2785110" cy="228268"/>
           </a:xfrm>
           <a:prstGeom prst="rect">
@@ -2664,7 +2607,7 @@
               </a:spcBef>
             </a:pPr>
             <a:r>
-              <a:rPr sz="1400" b="1" u="sng" spc="15" dirty="0">
+              <a:rPr lang="de-DE" sz="1400" b="1" u="sng" dirty="0">
                 <a:solidFill>
                   <a:srgbClr val="020302"/>
                 </a:solidFill>
@@ -2676,477 +2619,8 @@
                 <a:latin typeface="Adobe Clean"/>
                 <a:cs typeface="Adobe Clean"/>
               </a:rPr>
-              <a:t>S</a:t>
+              <a:t>Service-Level-Ziele: Erste Reaktion</a:t>
             </a:r>
-            <a:r>
-              <a:rPr sz="1400" b="1" u="sng" spc="5" dirty="0">
-                <a:solidFill>
-                  <a:srgbClr val="020302"/>
-                </a:solidFill>
-                <a:uFill>
-                  <a:solidFill>
-                    <a:srgbClr val="020302"/>
-                  </a:solidFill>
-                </a:uFill>
-                <a:latin typeface="Adobe Clean"/>
-                <a:cs typeface="Adobe Clean"/>
-              </a:rPr>
-              <a:t>er</a:t>
-            </a:r>
-            <a:r>
-              <a:rPr sz="1400" b="1" u="sng" spc="10" dirty="0">
-                <a:solidFill>
-                  <a:srgbClr val="020302"/>
-                </a:solidFill>
-                <a:uFill>
-                  <a:solidFill>
-                    <a:srgbClr val="020302"/>
-                  </a:solidFill>
-                </a:uFill>
-                <a:latin typeface="Adobe Clean"/>
-                <a:cs typeface="Adobe Clean"/>
-              </a:rPr>
-              <a:t>vi</a:t>
-            </a:r>
-            <a:r>
-              <a:rPr sz="1400" b="1" u="sng" spc="5" dirty="0">
-                <a:solidFill>
-                  <a:srgbClr val="020302"/>
-                </a:solidFill>
-                <a:uFill>
-                  <a:solidFill>
-                    <a:srgbClr val="020302"/>
-                  </a:solidFill>
-                </a:uFill>
-                <a:latin typeface="Adobe Clean"/>
-                <a:cs typeface="Adobe Clean"/>
-              </a:rPr>
-              <a:t>c</a:t>
-            </a:r>
-            <a:r>
-              <a:rPr sz="1400" b="1" u="sng" dirty="0">
-                <a:solidFill>
-                  <a:srgbClr val="020302"/>
-                </a:solidFill>
-                <a:uFill>
-                  <a:solidFill>
-                    <a:srgbClr val="020302"/>
-                  </a:solidFill>
-                </a:uFill>
-                <a:latin typeface="Adobe Clean"/>
-                <a:cs typeface="Adobe Clean"/>
-              </a:rPr>
-              <a:t>e</a:t>
-            </a:r>
-            <a:r>
-              <a:rPr sz="1400" b="1" u="sng" spc="20" dirty="0">
-                <a:solidFill>
-                  <a:srgbClr val="020302"/>
-                </a:solidFill>
-                <a:uFill>
-                  <a:solidFill>
-                    <a:srgbClr val="020302"/>
-                  </a:solidFill>
-                </a:uFill>
-                <a:latin typeface="Adobe Clean"/>
-                <a:cs typeface="Adobe Clean"/>
-              </a:rPr>
-              <a:t> </a:t>
-            </a:r>
-            <a:r>
-              <a:rPr sz="1400" b="1" u="sng" spc="-15" dirty="0">
-                <a:solidFill>
-                  <a:srgbClr val="020302"/>
-                </a:solidFill>
-                <a:uFill>
-                  <a:solidFill>
-                    <a:srgbClr val="020302"/>
-                  </a:solidFill>
-                </a:uFill>
-                <a:latin typeface="Adobe Clean"/>
-                <a:cs typeface="Adobe Clean"/>
-              </a:rPr>
-              <a:t>Le</a:t>
-            </a:r>
-            <a:r>
-              <a:rPr sz="1400" b="1" u="sng" spc="-10" dirty="0">
-                <a:solidFill>
-                  <a:srgbClr val="020302"/>
-                </a:solidFill>
-                <a:uFill>
-                  <a:solidFill>
-                    <a:srgbClr val="020302"/>
-                  </a:solidFill>
-                </a:uFill>
-                <a:latin typeface="Adobe Clean"/>
-                <a:cs typeface="Adobe Clean"/>
-              </a:rPr>
-              <a:t>v</a:t>
-            </a:r>
-            <a:r>
-              <a:rPr sz="1400" b="1" u="sng" spc="-15" dirty="0">
-                <a:solidFill>
-                  <a:srgbClr val="020302"/>
-                </a:solidFill>
-                <a:uFill>
-                  <a:solidFill>
-                    <a:srgbClr val="020302"/>
-                  </a:solidFill>
-                </a:uFill>
-                <a:latin typeface="Adobe Clean"/>
-                <a:cs typeface="Adobe Clean"/>
-              </a:rPr>
-              <a:t>e</a:t>
-            </a:r>
-            <a:r>
-              <a:rPr sz="1400" b="1" u="sng" dirty="0">
-                <a:solidFill>
-                  <a:srgbClr val="020302"/>
-                </a:solidFill>
-                <a:uFill>
-                  <a:solidFill>
-                    <a:srgbClr val="020302"/>
-                  </a:solidFill>
-                </a:uFill>
-                <a:latin typeface="Adobe Clean"/>
-                <a:cs typeface="Adobe Clean"/>
-              </a:rPr>
-              <a:t>l</a:t>
-            </a:r>
-            <a:r>
-              <a:rPr sz="1400" b="1" u="sng" spc="-15" dirty="0">
-                <a:solidFill>
-                  <a:srgbClr val="020302"/>
-                </a:solidFill>
-                <a:uFill>
-                  <a:solidFill>
-                    <a:srgbClr val="020302"/>
-                  </a:solidFill>
-                </a:uFill>
-                <a:latin typeface="Adobe Clean"/>
-                <a:cs typeface="Adobe Clean"/>
-              </a:rPr>
-              <a:t> </a:t>
-            </a:r>
-            <a:r>
-              <a:rPr sz="1400" b="1" u="sng" spc="-55" dirty="0">
-                <a:solidFill>
-                  <a:srgbClr val="020302"/>
-                </a:solidFill>
-                <a:uFill>
-                  <a:solidFill>
-                    <a:srgbClr val="020302"/>
-                  </a:solidFill>
-                </a:uFill>
-                <a:latin typeface="Adobe Clean"/>
-                <a:cs typeface="Adobe Clean"/>
-              </a:rPr>
-              <a:t>T</a:t>
-            </a:r>
-            <a:r>
-              <a:rPr sz="1400" b="1" u="sng" spc="-40" dirty="0">
-                <a:solidFill>
-                  <a:srgbClr val="020302"/>
-                </a:solidFill>
-                <a:uFill>
-                  <a:solidFill>
-                    <a:srgbClr val="020302"/>
-                  </a:solidFill>
-                </a:uFill>
-                <a:latin typeface="Adobe Clean"/>
-                <a:cs typeface="Adobe Clean"/>
-              </a:rPr>
-              <a:t>a</a:t>
-            </a:r>
-            <a:r>
-              <a:rPr sz="1400" b="1" u="sng" spc="-45" dirty="0">
-                <a:solidFill>
-                  <a:srgbClr val="020302"/>
-                </a:solidFill>
-                <a:uFill>
-                  <a:solidFill>
-                    <a:srgbClr val="020302"/>
-                  </a:solidFill>
-                </a:uFill>
-                <a:latin typeface="Adobe Clean"/>
-                <a:cs typeface="Adobe Clean"/>
-              </a:rPr>
-              <a:t>r</a:t>
-            </a:r>
-            <a:r>
-              <a:rPr sz="1400" b="1" u="sng" spc="-40" dirty="0">
-                <a:solidFill>
-                  <a:srgbClr val="020302"/>
-                </a:solidFill>
-                <a:uFill>
-                  <a:solidFill>
-                    <a:srgbClr val="020302"/>
-                  </a:solidFill>
-                </a:uFill>
-                <a:latin typeface="Adobe Clean"/>
-                <a:cs typeface="Adobe Clean"/>
-              </a:rPr>
-              <a:t>g</a:t>
-            </a:r>
-            <a:r>
-              <a:rPr sz="1400" b="1" u="sng" spc="-50" dirty="0">
-                <a:solidFill>
-                  <a:srgbClr val="020302"/>
-                </a:solidFill>
-                <a:uFill>
-                  <a:solidFill>
-                    <a:srgbClr val="020302"/>
-                  </a:solidFill>
-                </a:uFill>
-                <a:latin typeface="Adobe Clean"/>
-                <a:cs typeface="Adobe Clean"/>
-              </a:rPr>
-              <a:t>et</a:t>
-            </a:r>
-            <a:r>
-              <a:rPr sz="1400" b="1" u="sng" spc="-45" dirty="0">
-                <a:solidFill>
-                  <a:srgbClr val="020302"/>
-                </a:solidFill>
-                <a:uFill>
-                  <a:solidFill>
-                    <a:srgbClr val="020302"/>
-                  </a:solidFill>
-                </a:uFill>
-                <a:latin typeface="Adobe Clean"/>
-                <a:cs typeface="Adobe Clean"/>
-              </a:rPr>
-              <a:t>s</a:t>
-            </a:r>
-            <a:r>
-              <a:rPr sz="1400" b="1" u="sng" dirty="0">
-                <a:solidFill>
-                  <a:srgbClr val="020302"/>
-                </a:solidFill>
-                <a:uFill>
-                  <a:solidFill>
-                    <a:srgbClr val="020302"/>
-                  </a:solidFill>
-                </a:uFill>
-                <a:latin typeface="Adobe Clean"/>
-                <a:cs typeface="Adobe Clean"/>
-              </a:rPr>
-              <a:t>:</a:t>
-            </a:r>
-            <a:r>
-              <a:rPr sz="1400" b="1" u="sng" spc="-85" dirty="0">
-                <a:solidFill>
-                  <a:srgbClr val="020302"/>
-                </a:solidFill>
-                <a:uFill>
-                  <a:solidFill>
-                    <a:srgbClr val="020302"/>
-                  </a:solidFill>
-                </a:uFill>
-                <a:latin typeface="Adobe Clean"/>
-                <a:cs typeface="Adobe Clean"/>
-              </a:rPr>
-              <a:t> </a:t>
-            </a:r>
-            <a:r>
-              <a:rPr sz="1400" b="1" u="sng" spc="-15" dirty="0">
-                <a:solidFill>
-                  <a:srgbClr val="020302"/>
-                </a:solidFill>
-                <a:uFill>
-                  <a:solidFill>
-                    <a:srgbClr val="020302"/>
-                  </a:solidFill>
-                </a:uFill>
-                <a:latin typeface="Adobe Clean"/>
-                <a:cs typeface="Adobe Clean"/>
-              </a:rPr>
-              <a:t>I</a:t>
-            </a:r>
-            <a:r>
-              <a:rPr sz="1400" b="1" u="sng" spc="-10" dirty="0">
-                <a:solidFill>
-                  <a:srgbClr val="020302"/>
-                </a:solidFill>
-                <a:uFill>
-                  <a:solidFill>
-                    <a:srgbClr val="020302"/>
-                  </a:solidFill>
-                </a:uFill>
-                <a:latin typeface="Adobe Clean"/>
-                <a:cs typeface="Adobe Clean"/>
-              </a:rPr>
-              <a:t>ni</a:t>
-            </a:r>
-            <a:r>
-              <a:rPr sz="1400" b="1" u="sng" spc="-15" dirty="0">
-                <a:solidFill>
-                  <a:srgbClr val="020302"/>
-                </a:solidFill>
-                <a:uFill>
-                  <a:solidFill>
-                    <a:srgbClr val="020302"/>
-                  </a:solidFill>
-                </a:uFill>
-                <a:latin typeface="Adobe Clean"/>
-                <a:cs typeface="Adobe Clean"/>
-              </a:rPr>
-              <a:t>t</a:t>
-            </a:r>
-            <a:r>
-              <a:rPr sz="1400" b="1" u="sng" spc="-10" dirty="0">
-                <a:solidFill>
-                  <a:srgbClr val="020302"/>
-                </a:solidFill>
-                <a:uFill>
-                  <a:solidFill>
-                    <a:srgbClr val="020302"/>
-                  </a:solidFill>
-                </a:uFill>
-                <a:latin typeface="Adobe Clean"/>
-                <a:cs typeface="Adobe Clean"/>
-              </a:rPr>
-              <a:t>i</a:t>
-            </a:r>
-            <a:r>
-              <a:rPr sz="1400" b="1" u="sng" spc="-5" dirty="0">
-                <a:solidFill>
-                  <a:srgbClr val="020302"/>
-                </a:solidFill>
-                <a:uFill>
-                  <a:solidFill>
-                    <a:srgbClr val="020302"/>
-                  </a:solidFill>
-                </a:uFill>
-                <a:latin typeface="Adobe Clean"/>
-                <a:cs typeface="Adobe Clean"/>
-              </a:rPr>
-              <a:t>a</a:t>
-            </a:r>
-            <a:r>
-              <a:rPr sz="1400" b="1" u="sng" dirty="0">
-                <a:solidFill>
-                  <a:srgbClr val="020302"/>
-                </a:solidFill>
-                <a:uFill>
-                  <a:solidFill>
-                    <a:srgbClr val="020302"/>
-                  </a:solidFill>
-                </a:uFill>
-                <a:latin typeface="Adobe Clean"/>
-                <a:cs typeface="Adobe Clean"/>
-              </a:rPr>
-              <a:t>l</a:t>
-            </a:r>
-            <a:r>
-              <a:rPr sz="1400" b="1" u="sng" spc="-145" dirty="0">
-                <a:solidFill>
-                  <a:srgbClr val="020302"/>
-                </a:solidFill>
-                <a:uFill>
-                  <a:solidFill>
-                    <a:srgbClr val="020302"/>
-                  </a:solidFill>
-                </a:uFill>
-                <a:latin typeface="Adobe Clean"/>
-                <a:cs typeface="Adobe Clean"/>
-              </a:rPr>
-              <a:t> </a:t>
-            </a:r>
-            <a:r>
-              <a:rPr sz="1400" b="1" u="sng" spc="-15" dirty="0">
-                <a:solidFill>
-                  <a:srgbClr val="020302"/>
-                </a:solidFill>
-                <a:uFill>
-                  <a:solidFill>
-                    <a:srgbClr val="020302"/>
-                  </a:solidFill>
-                </a:uFill>
-                <a:latin typeface="Adobe Clean"/>
-                <a:cs typeface="Adobe Clean"/>
-              </a:rPr>
-              <a:t>R</a:t>
-            </a:r>
-            <a:r>
-              <a:rPr sz="1400" b="1" u="sng" spc="-20" dirty="0">
-                <a:solidFill>
-                  <a:srgbClr val="020302"/>
-                </a:solidFill>
-                <a:uFill>
-                  <a:solidFill>
-                    <a:srgbClr val="020302"/>
-                  </a:solidFill>
-                </a:uFill>
-                <a:latin typeface="Adobe Clean"/>
-                <a:cs typeface="Adobe Clean"/>
-              </a:rPr>
-              <a:t>e</a:t>
-            </a:r>
-            <a:r>
-              <a:rPr sz="1400" b="1" u="sng" spc="-15" dirty="0">
-                <a:solidFill>
-                  <a:srgbClr val="020302"/>
-                </a:solidFill>
-                <a:uFill>
-                  <a:solidFill>
-                    <a:srgbClr val="020302"/>
-                  </a:solidFill>
-                </a:uFill>
-                <a:latin typeface="Adobe Clean"/>
-                <a:cs typeface="Adobe Clean"/>
-              </a:rPr>
-              <a:t>s</a:t>
-            </a:r>
-            <a:r>
-              <a:rPr sz="1400" b="1" u="sng" spc="-20" dirty="0">
-                <a:solidFill>
-                  <a:srgbClr val="020302"/>
-                </a:solidFill>
-                <a:uFill>
-                  <a:solidFill>
-                    <a:srgbClr val="020302"/>
-                  </a:solidFill>
-                </a:uFill>
-                <a:latin typeface="Adobe Clean"/>
-                <a:cs typeface="Adobe Clean"/>
-              </a:rPr>
-              <a:t>p</a:t>
-            </a:r>
-            <a:r>
-              <a:rPr sz="1400" b="1" u="sng" spc="-15" dirty="0">
-                <a:solidFill>
-                  <a:srgbClr val="020302"/>
-                </a:solidFill>
-                <a:uFill>
-                  <a:solidFill>
-                    <a:srgbClr val="020302"/>
-                  </a:solidFill>
-                </a:uFill>
-                <a:latin typeface="Adobe Clean"/>
-                <a:cs typeface="Adobe Clean"/>
-              </a:rPr>
-              <a:t>ons</a:t>
-            </a:r>
-            <a:r>
-              <a:rPr sz="1400" b="1" u="sng" dirty="0">
-                <a:solidFill>
-                  <a:srgbClr val="020302"/>
-                </a:solidFill>
-                <a:uFill>
-                  <a:solidFill>
-                    <a:srgbClr val="020302"/>
-                  </a:solidFill>
-                </a:uFill>
-                <a:latin typeface="Adobe Clean"/>
-                <a:cs typeface="Adobe Clean"/>
-              </a:rPr>
-              <a:t>e</a:t>
-            </a:r>
-            <a:endParaRPr sz="1400" u="sng" dirty="0">
-              <a:latin typeface="Adobe Clean"/>
-              <a:cs typeface="Adobe Clean"/>
-            </a:endParaRPr>
           </a:p>
         </p:txBody>
       </p:sp>
@@ -3185,7 +2659,7 @@
         <p:spPr>
           <a:xfrm>
             <a:off x="121146" y="9839613"/>
-            <a:ext cx="2245360" cy="133370"/>
+            <a:ext cx="2377440" cy="133370"/>
           </a:xfrm>
           <a:prstGeom prst="rect">
             <a:avLst/>
@@ -3206,40 +2680,8 @@
               </a:spcBef>
             </a:pPr>
             <a:r>
-              <a:rPr spc="-10" dirty="0"/>
-              <a:t>©202</a:t>
-            </a:r>
-            <a:r>
-              <a:rPr lang="en-US" spc="-10" dirty="0"/>
-              <a:t>2 </a:t>
-            </a:r>
-            <a:r>
-              <a:rPr spc="-5" dirty="0"/>
-              <a:t>Adobe. All</a:t>
-            </a:r>
-            <a:r>
-              <a:rPr spc="-10" dirty="0"/>
-              <a:t> Rights</a:t>
-            </a:r>
-            <a:r>
-              <a:rPr spc="-5" dirty="0"/>
-              <a:t> </a:t>
-            </a:r>
-            <a:r>
-              <a:rPr spc="-10" dirty="0"/>
-              <a:t>Reserved.</a:t>
-            </a:r>
-            <a:r>
-              <a:rPr spc="-5" dirty="0"/>
-              <a:t> Adobe</a:t>
-            </a:r>
-            <a:r>
-              <a:rPr spc="60" dirty="0"/>
-              <a:t> </a:t>
-            </a:r>
-            <a:r>
-              <a:rPr spc="-10" dirty="0"/>
-              <a:t>Confidential.</a:t>
+              <a:rPr lang="de-DE" dirty="0"/>
+              <a:t>©2022 Adobe. All Rights Reserved. Adobe Confidential.</a:t>
             </a:r>
           </a:p>
         </p:txBody>
@@ -3273,13 +2715,13 @@
           <a:lstStyle/>
           <a:p>
             <a:r>
-              <a:rPr lang="en-US" sz="700" i="1" dirty="0">
+              <a:rPr lang="de-DE" sz="700" i="1" dirty="0">
                 <a:solidFill>
                   <a:schemeClr val="bg1"/>
                 </a:solidFill>
                 <a:latin typeface="Adobe Clean" panose="020B0503020404020204" pitchFamily="34" charset="0"/>
               </a:rPr>
-              <a:t>Adobe Creative Cloud / Adobe Document Cloud (including Adobe Sign)</a:t>
+              <a:t>Adobe Creative Cloud / Adobe Document Cloud (einschließlich Adobe Sign)</a:t>
             </a:r>
           </a:p>
         </p:txBody>
@@ -3299,7 +2741,7 @@
         <p:spPr>
           <a:xfrm>
             <a:off x="122477" y="593716"/>
-            <a:ext cx="6035427" cy="1255472"/>
+            <a:ext cx="5973523" cy="1399999"/>
           </a:xfrm>
           <a:prstGeom prst="rect">
             <a:avLst/>
@@ -3320,7 +2762,7 @@
               </a:spcBef>
             </a:pPr>
             <a:r>
-              <a:rPr lang="en-US" sz="1200" dirty="0">
+              <a:rPr lang="de-DE" sz="900" dirty="0">
                 <a:solidFill>
                   <a:schemeClr val="bg1"/>
                 </a:solidFill>
@@ -3329,7 +2771,7 @@
               <a:t>Standard | Business |</a:t>
             </a:r>
             <a:r>
-              <a:rPr lang="en-US" sz="1200" b="1" dirty="0">
+              <a:rPr lang="de-DE" sz="900" b="1" dirty="0">
                 <a:solidFill>
                   <a:schemeClr val="bg1"/>
                 </a:solidFill>
@@ -3338,7 +2780,7 @@
               <a:t> </a:t>
             </a:r>
             <a:r>
-              <a:rPr lang="en-US" sz="1200" b="1" dirty="0">
+              <a:rPr lang="de-DE" sz="900" b="1" dirty="0">
                 <a:solidFill>
                   <a:schemeClr val="bg1"/>
                 </a:solidFill>
@@ -3346,7 +2788,7 @@
               <a:t>Enterprise</a:t>
             </a:r>
             <a:r>
-              <a:rPr lang="en-US" sz="1200" b="1" dirty="0">
+              <a:rPr lang="de-DE" sz="900" b="1" dirty="0">
                 <a:solidFill>
                   <a:schemeClr val="bg1"/>
                 </a:solidFill>
@@ -3355,7 +2797,7 @@
               <a:t> </a:t>
             </a:r>
             <a:r>
-              <a:rPr lang="en-US" sz="1200" dirty="0">
+              <a:rPr lang="de-DE" sz="900" dirty="0">
                 <a:solidFill>
                   <a:schemeClr val="bg1"/>
                 </a:solidFill>
@@ -3364,26 +2806,19 @@
               <a:t>| Elite</a:t>
             </a:r>
             <a:br>
-              <a:rPr lang="en-US" sz="900" dirty="0">
+              <a:rPr lang="de-DE" sz="900" dirty="0">
                 <a:latin typeface="Adobe Clean Light" panose="020B0303020404020204" pitchFamily="34" charset="0"/>
               </a:rPr>
             </a:br>
             <a:r>
-              <a:rPr lang="en-US" sz="1000" dirty="0">
+              <a:rPr lang="de-DE" sz="900" dirty="0">
                 <a:solidFill>
                   <a:schemeClr val="bg1"/>
                 </a:solidFill>
                 <a:latin typeface="Adobe Clean SemiLight"/>
               </a:rPr>
-              <a:t>Adobe provides a comprehensive range of technical resources to help support your business included as part of your Adobe enterprise subscription. This is enhanced with the ENTERPRISE support plan. ENTERPRISE customers will benefit from our Named Support Engineer service, where a designated technical contact in the Adobe Support Team with deep experience in your solution will work in partnership with you and your technical teams to ensure timely resolution of all support requests. Your support team can also help coordinate and arrange delivery of the additional ENTERPRISE benefits ensuring minimal disruption to your business at the most critical times.  ENTERPRISE support plan customers can also take advantage of our detailed and in-depth technical product documentation and current release notes. </a:t>
+              <a:t>Adobe bietet eine umfangreiche Palette an technischen Ressourcen zur Unterstützung Ihres Unternehmens. Diese sind Teil Ihres Adobe Enterprise-Abonnements. Dies wird durch den ENTERPRISE Support Plan ergänzt. ENTERPRISE-Kunden erhalten Kontakt zu einem spezifischen Support-Mitarbeiter, der als Ihr Ansprechpartner für technische Fragen im Adobe-Supportteam fungiert. Er verfügt über umfassende Erfahrung mit Ihrer Lösung und gewährleistet durch die Zusammenarbeit mit Ihnen und Ihren technischen Teams eine zeitnahe Lösung aller Support-Anfragen. Das Support-Team kann auch bei der Koordination und Bereitstellung zusätzlicher ENTERPRISE-Vorteile helfen und so minimale Unterbrechungen Ihres Geschäfts zu den wichtigsten Zeiten sicherstellen.  Kunden des ENTERPRISE-Support-Plans stehen außerdem unsere umfangreiche technische Produktdokumentation sowie aktuelle Versionshinweise zur Verfügung. </a:t>
             </a:r>
-            <a:endParaRPr lang="en-US" sz="900" dirty="0">
-              <a:solidFill>
-                <a:schemeClr val="bg1"/>
-              </a:solidFill>
-              <a:latin typeface="Adobe Clean Light" panose="020B0303020404020204" pitchFamily="34" charset="0"/>
-              <a:cs typeface="AdobeClean-Light"/>
-            </a:endParaRPr>
           </a:p>
         </p:txBody>
       </p:sp>
@@ -3402,7 +2837,7 @@
           <p:nvPr>
             <p:extLst>
               <p:ext uri="{D42A27DB-BD31-4B8C-83A1-F6EECF244321}">
-                <p14:modId xmlns:p14="http://schemas.microsoft.com/office/powerpoint/2010/main" val="2367685746"/>
+                <p14:modId xmlns:p14="http://schemas.microsoft.com/office/powerpoint/2010/main" val="2076549732"/>
               </p:ext>
             </p:extLst>
           </p:nvPr>
@@ -3425,21 +2860,21 @@
                     </a:ext>
                   </a:extLst>
                 </a:gridCol>
-                <a:gridCol w="2315736">
+                <a:gridCol w="2502527">
                   <a:extLst>
                     <a:ext uri="{9D8B030D-6E8A-4147-A177-3AD203B41FA5}">
                       <a16:colId xmlns:a16="http://schemas.microsoft.com/office/drawing/2014/main" val="20001"/>
                     </a:ext>
                   </a:extLst>
                 </a:gridCol>
-                <a:gridCol w="1923823">
+                <a:gridCol w="1358900">
                   <a:extLst>
                     <a:ext uri="{9D8B030D-6E8A-4147-A177-3AD203B41FA5}">
                       <a16:colId xmlns:a16="http://schemas.microsoft.com/office/drawing/2014/main" val="2563521174"/>
                     </a:ext>
                   </a:extLst>
                 </a:gridCol>
-                <a:gridCol w="1745693">
+                <a:gridCol w="2123825">
                   <a:extLst>
                     <a:ext uri="{9D8B030D-6E8A-4147-A177-3AD203B41FA5}">
                       <a16:colId xmlns:a16="http://schemas.microsoft.com/office/drawing/2014/main" val="20003"/>
@@ -3447,7 +2882,7 @@
                   </a:extLst>
                 </a:gridCol>
               </a:tblGrid>
-              <a:tr h="280044">
+              <a:tr h="0">
                 <a:tc gridSpan="2">
                   <a:txBody>
                     <a:bodyPr/>
@@ -3491,19 +2926,15 @@
                         <a:defRPr/>
                       </a:pPr>
                       <a:r>
-                        <a:rPr lang="en-US" sz="1200" spc="0" dirty="0">
+                        <a:rPr lang="de-DE" sz="1200" dirty="0">
                           <a:solidFill>
                             <a:srgbClr val="404040"/>
                           </a:solidFill>
                           <a:latin typeface="Adobe Clean"/>
                           <a:cs typeface="Adobe Clean"/>
                         </a:rPr>
-                        <a:t>Standard  Support</a:t>
+                        <a:t>Standard Support</a:t>
                       </a:r>
-                      <a:endParaRPr lang="en-US" sz="1200" spc="0" dirty="0">
-                        <a:latin typeface="Adobe Clean"/>
-                        <a:cs typeface="Adobe Clean"/>
-                      </a:endParaRPr>
                     </a:p>
                   </a:txBody>
                   <a:tcPr marL="0" marR="0" marT="7620" marB="0" anchor="ctr">
@@ -3544,29 +2975,15 @@
                         </a:spcBef>
                       </a:pPr>
                       <a:r>
-                        <a:rPr lang="en-US" sz="1200" spc="0" dirty="0">
+                        <a:rPr lang="de-DE" sz="1200" dirty="0">
                           <a:solidFill>
                             <a:srgbClr val="FFFFFF"/>
                           </a:solidFill>
                           <a:latin typeface="Adobe Clean"/>
                           <a:cs typeface="Adobe Clean"/>
                         </a:rPr>
-                        <a:t>Enterprise </a:t>
+                        <a:t>Enterprise Support</a:t>
                       </a:r>
-                      <a:r>
-                        <a:rPr sz="1200" spc="0" dirty="0">
-                          <a:solidFill>
-                            <a:srgbClr val="FFFFFF"/>
-                          </a:solidFill>
-                          <a:latin typeface="Adobe Clean"/>
-                          <a:cs typeface="Adobe Clean"/>
-                        </a:rPr>
-                        <a:t>Support</a:t>
-                      </a:r>
-                      <a:endParaRPr sz="1200" spc="0" dirty="0">
-                        <a:latin typeface="Adobe Clean"/>
-                        <a:cs typeface="Adobe Clean"/>
-                      </a:endParaRPr>
                     </a:p>
                   </a:txBody>
                   <a:tcPr marL="0" marR="0" marT="7620" marB="0" anchor="ctr">
@@ -3634,7 +3051,7 @@
                     <a:bodyPr/>
                     <a:lstStyle/>
                     <a:p>
-                      <a:pPr marL="0" marR="0" lvl="0" indent="0" algn="ctr" defTabSz="914400" eaLnBrk="1" fontAlgn="auto" latinLnBrk="0" hangingPunct="1">
+                      <a:pPr marL="0" marR="0" lvl="0" indent="0" algn="l" defTabSz="914400" rtl="0" eaLnBrk="1" fontAlgn="auto" latinLnBrk="0" hangingPunct="1">
                         <a:lnSpc>
                           <a:spcPct val="100000"/>
                         </a:lnSpc>
@@ -3715,13 +3132,13 @@
                         <a:defRPr/>
                       </a:pPr>
                       <a:r>
-                        <a:rPr lang="en-US" sz="1200" b="1" i="1" dirty="0">
+                        <a:rPr lang="de-DE" sz="1200" b="1" i="1">
                           <a:solidFill>
                             <a:schemeClr val="bg1"/>
                           </a:solidFill>
                           <a:latin typeface="Adobe Clean" panose="020B0503020404020204" pitchFamily="34" charset="0"/>
                         </a:rPr>
-                        <a:t>Paid Support ($)</a:t>
+                        <a:t>Kostenpflichtiger Support (€)</a:t>
                       </a:r>
                     </a:p>
                   </a:txBody>
@@ -3785,22 +3202,15 @@
                         </a:spcBef>
                       </a:pPr>
                       <a:r>
-                        <a:rPr lang="en-US" sz="1200" b="1" i="0" spc="0" dirty="0">
+                        <a:rPr lang="de-DE" sz="1200" b="1" i="0">
                           <a:solidFill>
                             <a:schemeClr val="bg1"/>
                           </a:solidFill>
                           <a:latin typeface="Adobe Clean" panose="020B0503020404020204" pitchFamily="34" charset="0"/>
                           <a:cs typeface="AdobeClean-Light"/>
                         </a:rPr>
-                        <a:t>Assigned Experts</a:t>
+                        <a:t>Zugewiesene Experten</a:t>
                       </a:r>
-                      <a:endParaRPr sz="1200" b="1" i="0" spc="0" dirty="0">
-                        <a:solidFill>
-                          <a:schemeClr val="bg1"/>
-                        </a:solidFill>
-                        <a:latin typeface="Adobe Clean" panose="020B0503020404020204" pitchFamily="34" charset="0"/>
-                        <a:cs typeface="AdobeClean-Light"/>
-                      </a:endParaRPr>
                     </a:p>
                   </a:txBody>
                   <a:tcPr marL="0" marR="0" marT="58419" marB="0" anchor="ctr">
@@ -3847,7 +3257,7 @@
                         </a:spcBef>
                       </a:pPr>
                       <a:r>
-                        <a:rPr sz="1100" spc="0" dirty="0">
+                        <a:rPr lang="de-DE" sz="1100">
                           <a:solidFill>
                             <a:srgbClr val="020302"/>
                           </a:solidFill>
@@ -3856,10 +3266,6 @@
                         </a:rPr>
                         <a:t>Account Support Lead</a:t>
                       </a:r>
-                      <a:endParaRPr sz="1100" spc="0" dirty="0">
-                        <a:latin typeface="AdobeClean-Light"/>
-                        <a:cs typeface="AdobeClean-Light"/>
-                      </a:endParaRPr>
                     </a:p>
                   </a:txBody>
                   <a:tcPr marL="0" marR="0" marT="58419" marB="0">
@@ -3894,7 +3300,7 @@
                     <a:bodyPr/>
                     <a:lstStyle/>
                     <a:p>
-                      <a:pPr algn="ctr">
+                      <a:pPr algn="l" rtl="0">
                         <a:lnSpc>
                           <a:spcPct val="100000"/>
                         </a:lnSpc>
@@ -3935,7 +3341,7 @@
                     <a:bodyPr/>
                     <a:lstStyle/>
                     <a:p>
-                      <a:pPr>
+                      <a:pPr algn="l" rtl="0">
                         <a:lnSpc>
                           <a:spcPct val="100000"/>
                         </a:lnSpc>
@@ -3975,7 +3381,7 @@
                     <a:bodyPr/>
                     <a:lstStyle/>
                     <a:p>
-                      <a:pPr marL="50800">
+                      <a:pPr marL="50800" algn="l" rtl="0">
                         <a:lnSpc>
                           <a:spcPct val="100000"/>
                         </a:lnSpc>
@@ -4021,19 +3427,15 @@
                         </a:spcBef>
                       </a:pPr>
                       <a:r>
-                        <a:rPr sz="1100" spc="0" dirty="0">
+                        <a:rPr lang="de-DE" sz="1100">
                           <a:solidFill>
                             <a:srgbClr val="020302"/>
                           </a:solidFill>
                           <a:latin typeface="AdobeClean-Light"/>
                           <a:cs typeface="AdobeClean-Light"/>
                         </a:rPr>
-                        <a:t>Named Support Engineer</a:t>
+                        <a:t>Spezifischer Support-Mitarbeiter</a:t>
                       </a:r>
-                      <a:endParaRPr sz="1100" spc="0" dirty="0">
-                        <a:latin typeface="AdobeClean-Light"/>
-                        <a:cs typeface="AdobeClean-Light"/>
-                      </a:endParaRPr>
                     </a:p>
                   </a:txBody>
                   <a:tcPr marL="0" marR="0" marT="58419" marB="0">
@@ -4056,7 +3458,7 @@
                     <a:bodyPr/>
                     <a:lstStyle/>
                     <a:p>
-                      <a:pPr algn="ctr">
+                      <a:pPr algn="l" rtl="0">
                         <a:lnSpc>
                           <a:spcPct val="100000"/>
                         </a:lnSpc>
@@ -4094,7 +3496,7 @@
                         </a:spcBef>
                       </a:pPr>
                       <a:r>
-                        <a:rPr sz="900" spc="0" dirty="0">
+                        <a:rPr lang="de-DE" sz="900">
                           <a:solidFill>
                             <a:srgbClr val="020302"/>
                           </a:solidFill>
@@ -4103,10 +3505,6 @@
                         </a:rPr>
                         <a:t></a:t>
                       </a:r>
-                      <a:endParaRPr sz="900" spc="0" dirty="0">
-                        <a:latin typeface="Wingdings"/>
-                        <a:cs typeface="Wingdings"/>
-                      </a:endParaRPr>
                     </a:p>
                   </a:txBody>
                   <a:tcPr marL="0" marR="0" marT="59055" marB="0">
@@ -4129,7 +3527,7 @@
                     <a:bodyPr/>
                     <a:lstStyle/>
                     <a:p>
-                      <a:pPr marL="50800">
+                      <a:pPr marL="50800" algn="l" rtl="0">
                         <a:lnSpc>
                           <a:spcPct val="100000"/>
                         </a:lnSpc>
@@ -4187,7 +3585,7 @@
                         </a:spcBef>
                       </a:pPr>
                       <a:r>
-                        <a:rPr sz="1100" spc="0" dirty="0">
+                        <a:rPr lang="de-DE" sz="1100">
                           <a:solidFill>
                             <a:srgbClr val="020302"/>
                           </a:solidFill>
@@ -4196,10 +3594,6 @@
                         </a:rPr>
                         <a:t>Technical Account Manager</a:t>
                       </a:r>
-                      <a:endParaRPr sz="1100" spc="0" dirty="0">
-                        <a:latin typeface="AdobeClean-Light"/>
-                        <a:cs typeface="AdobeClean-Light"/>
-                      </a:endParaRPr>
                     </a:p>
                   </a:txBody>
                   <a:tcPr marL="0" marR="0" marT="63500" marB="0">
@@ -4228,7 +3622,7 @@
                     <a:bodyPr/>
                     <a:lstStyle/>
                     <a:p>
-                      <a:pPr algn="ctr">
+                      <a:pPr algn="l" rtl="0">
                         <a:lnSpc>
                           <a:spcPct val="100000"/>
                         </a:lnSpc>
@@ -4266,7 +3660,7 @@
                     <a:bodyPr/>
                     <a:lstStyle/>
                     <a:p>
-                      <a:pPr>
+                      <a:pPr algn="l" rtl="0">
                         <a:lnSpc>
                           <a:spcPct val="100000"/>
                         </a:lnSpc>
@@ -4317,22 +3711,15 @@
                         </a:spcBef>
                       </a:pPr>
                       <a:r>
-                        <a:rPr lang="en-US" sz="1200" b="1" i="0" spc="0" dirty="0">
+                        <a:rPr lang="de-DE" sz="1200" b="1" i="0">
                           <a:solidFill>
                             <a:schemeClr val="bg1"/>
                           </a:solidFill>
                           <a:latin typeface="Adobe Clean" panose="020B0503020404020204" pitchFamily="34" charset="0"/>
                           <a:cs typeface="AdobeClean-Light"/>
                         </a:rPr>
-                        <a:t>Support Services</a:t>
+                        <a:t>Support-Services</a:t>
                       </a:r>
-                      <a:endParaRPr sz="1200" b="1" i="0" spc="0" dirty="0">
-                        <a:solidFill>
-                          <a:schemeClr val="bg1"/>
-                        </a:solidFill>
-                        <a:latin typeface="Adobe Clean" panose="020B0503020404020204" pitchFamily="34" charset="0"/>
-                        <a:cs typeface="AdobeClean-Light"/>
-                      </a:endParaRPr>
                     </a:p>
                   </a:txBody>
                   <a:tcPr marL="0" marR="0" marT="57150" marB="0" anchor="ctr">
@@ -4379,19 +3766,15 @@
                         </a:spcBef>
                       </a:pPr>
                       <a:r>
-                        <a:rPr lang="en-US" sz="1100" spc="0" dirty="0">
+                        <a:rPr lang="de-DE" sz="1100">
                           <a:solidFill>
                             <a:srgbClr val="020302"/>
                           </a:solidFill>
                           <a:latin typeface="AdobeClean-Light"/>
                           <a:cs typeface="AdobeClean-Light"/>
                         </a:rPr>
-                        <a:t>24x7 Self-Help Support </a:t>
+                        <a:t>24x7 Selbsthilfe-Support </a:t>
                       </a:r>
-                      <a:endParaRPr lang="en-US" sz="1100" spc="0" dirty="0">
-                        <a:latin typeface="AdobeClean-Light"/>
-                        <a:cs typeface="AdobeClean-Light"/>
-                      </a:endParaRPr>
                     </a:p>
                   </a:txBody>
                   <a:tcPr marL="0" marR="0" marT="57150" marB="0">
@@ -4429,7 +3812,7 @@
                         </a:spcBef>
                       </a:pPr>
                       <a:r>
-                        <a:rPr sz="900" dirty="0">
+                        <a:rPr lang="de-DE" sz="900">
                           <a:solidFill>
                             <a:srgbClr val="020302"/>
                           </a:solidFill>
@@ -4438,10 +3821,6 @@
                         </a:rPr>
                         <a:t></a:t>
                       </a:r>
-                      <a:endParaRPr sz="900" dirty="0">
-                        <a:latin typeface="Wingdings"/>
-                        <a:cs typeface="Wingdings"/>
-                      </a:endParaRPr>
                     </a:p>
                   </a:txBody>
                   <a:tcPr marL="0" marR="0" marT="58419" marB="0">
@@ -4489,14 +3868,13 @@
                         <a:defRPr/>
                       </a:pPr>
                       <a:r>
-                        <a:rPr kumimoji="0" lang="en-US" sz="900" b="0" i="0" u="none" strike="noStrike" kern="0" cap="none" spc="0" normalizeH="0" baseline="0" noProof="0" dirty="0">
+                        <a:rPr kumimoji="0" lang="de-DE" sz="900" b="0" i="0" u="none" strike="noStrike" cap="none" normalizeH="0" baseline="0" noProof="0">
                           <a:ln>
                             <a:noFill/>
                           </a:ln>
                           <a:solidFill>
                             <a:srgbClr val="020302"/>
                           </a:solidFill>
-                          <a:effectLst/>
                           <a:uLnTx/>
                           <a:uFillTx/>
                           <a:latin typeface="Wingdings"/>
@@ -4505,20 +3883,6 @@
                         </a:rPr>
                         <a:t></a:t>
                       </a:r>
-                      <a:endParaRPr kumimoji="0" lang="en-US" sz="900" b="0" i="0" u="none" strike="noStrike" kern="0" cap="none" spc="0" normalizeH="0" baseline="0" noProof="0" dirty="0">
-                        <a:ln>
-                          <a:noFill/>
-                        </a:ln>
-                        <a:solidFill>
-                          <a:prstClr val="black"/>
-                        </a:solidFill>
-                        <a:effectLst/>
-                        <a:uLnTx/>
-                        <a:uFillTx/>
-                        <a:latin typeface="Wingdings"/>
-                        <a:ea typeface="+mn-ea"/>
-                        <a:cs typeface="Wingdings"/>
-                      </a:endParaRPr>
                     </a:p>
                   </a:txBody>
                   <a:tcPr marL="0" marR="0" marT="58419" marB="0">
@@ -4552,7 +3916,7 @@
                     <a:bodyPr/>
                     <a:lstStyle/>
                     <a:p>
-                      <a:pPr marL="50800">
+                      <a:pPr marL="50800" algn="l" rtl="0">
                         <a:lnSpc>
                           <a:spcPct val="100000"/>
                         </a:lnSpc>
@@ -4601,19 +3965,15 @@
                         </a:spcBef>
                       </a:pPr>
                       <a:r>
-                        <a:rPr lang="en-US" sz="1100" b="0" i="0" spc="0" dirty="0">
+                        <a:rPr lang="de-DE" sz="1100" b="0" i="0">
                           <a:solidFill>
                             <a:srgbClr val="020302"/>
                           </a:solidFill>
                           <a:latin typeface="Adobe Clean Light" panose="020B0303020404020204" pitchFamily="34" charset="0"/>
                           <a:cs typeface="AdobeClean-Light"/>
                         </a:rPr>
-                        <a:t>24x7 Support via Chat / Phone</a:t>
+                        <a:t>24x7 Support per Chat/Telefon</a:t>
                       </a:r>
-                      <a:endParaRPr sz="1100" b="0" i="0" spc="0" dirty="0">
-                        <a:latin typeface="Adobe Clean Light" panose="020B0303020404020204" pitchFamily="34" charset="0"/>
-                        <a:cs typeface="AdobeClean-Light"/>
-                      </a:endParaRPr>
                     </a:p>
                   </a:txBody>
                   <a:tcPr marL="0" marR="0" marT="57785" marB="0">
@@ -4645,7 +4005,7 @@
                         </a:spcBef>
                       </a:pPr>
                       <a:r>
-                        <a:rPr sz="900" dirty="0">
+                        <a:rPr lang="de-DE" sz="900">
                           <a:solidFill>
                             <a:srgbClr val="020302"/>
                           </a:solidFill>
@@ -4654,10 +4014,6 @@
                         </a:rPr>
                         <a:t></a:t>
                       </a:r>
-                      <a:endParaRPr sz="900" dirty="0">
-                        <a:latin typeface="Wingdings"/>
-                        <a:cs typeface="Wingdings"/>
-                      </a:endParaRPr>
                     </a:p>
                   </a:txBody>
                   <a:tcPr marL="0" marR="0" marT="58419" marB="0">
@@ -4687,7 +4043,7 @@
                         </a:spcBef>
                       </a:pPr>
                       <a:r>
-                        <a:rPr sz="900" spc="0" dirty="0">
+                        <a:rPr lang="de-DE" sz="900">
                           <a:solidFill>
                             <a:srgbClr val="020302"/>
                           </a:solidFill>
@@ -4696,10 +4052,6 @@
                         </a:rPr>
                         <a:t></a:t>
                       </a:r>
-                      <a:endParaRPr sz="900" spc="0" dirty="0">
-                        <a:latin typeface="Wingdings"/>
-                        <a:cs typeface="Wingdings"/>
-                      </a:endParaRPr>
                     </a:p>
                   </a:txBody>
                   <a:tcPr marL="0" marR="0" marT="58419" marB="0">
@@ -4722,7 +4074,7 @@
                     <a:bodyPr/>
                     <a:lstStyle/>
                     <a:p>
-                      <a:pPr marL="50800">
+                      <a:pPr marL="50800" algn="l" rtl="0">
                         <a:lnSpc>
                           <a:spcPct val="100000"/>
                         </a:lnSpc>
@@ -4780,16 +4132,12 @@
                         </a:spcBef>
                       </a:pPr>
                       <a:r>
-                        <a:rPr lang="en-US" sz="1100" spc="0" dirty="0">
+                        <a:rPr lang="de-DE" sz="1100">
                           <a:latin typeface="AdobeClean-Light"/>
                           <a:cs typeface="AdobeClean-Light"/>
                         </a:rPr>
-                        <a:t>Web Case Submissions </a:t>
+                        <a:t>Fallübermittlung über das Web </a:t>
                       </a:r>
-                      <a:endParaRPr sz="1100" spc="0" dirty="0">
-                        <a:latin typeface="AdobeClean-Light"/>
-                        <a:cs typeface="AdobeClean-Light"/>
-                      </a:endParaRPr>
                     </a:p>
                   </a:txBody>
                   <a:tcPr marL="0" marR="0" marT="57785" marB="0">
@@ -4827,7 +4175,7 @@
                         </a:spcBef>
                       </a:pPr>
                       <a:r>
-                        <a:rPr sz="900" dirty="0">
+                        <a:rPr lang="de-DE" sz="900">
                           <a:solidFill>
                             <a:srgbClr val="020302"/>
                           </a:solidFill>
@@ -4836,10 +4184,6 @@
                         </a:rPr>
                         <a:t></a:t>
                       </a:r>
-                      <a:endParaRPr sz="900" dirty="0">
-                        <a:latin typeface="Wingdings"/>
-                        <a:cs typeface="Wingdings"/>
-                      </a:endParaRPr>
                     </a:p>
                   </a:txBody>
                   <a:tcPr marL="0" marR="0" marT="58419" marB="0">
@@ -4869,7 +4213,7 @@
                         </a:spcBef>
                       </a:pPr>
                       <a:r>
-                        <a:rPr sz="900" spc="0" dirty="0">
+                        <a:rPr lang="de-DE" sz="900">
                           <a:solidFill>
                             <a:srgbClr val="020302"/>
                           </a:solidFill>
@@ -4878,10 +4222,6 @@
                         </a:rPr>
                         <a:t></a:t>
                       </a:r>
-                      <a:endParaRPr sz="900" spc="0" dirty="0">
-                        <a:latin typeface="Wingdings"/>
-                        <a:cs typeface="Wingdings"/>
-                      </a:endParaRPr>
                     </a:p>
                   </a:txBody>
                   <a:tcPr marL="0" marR="0" marT="58419" marB="0">
@@ -4904,7 +4244,7 @@
                     <a:bodyPr/>
                     <a:lstStyle/>
                     <a:p>
-                      <a:pPr marL="50800">
+                      <a:pPr marL="50800" algn="l" rtl="0">
                         <a:lnSpc>
                           <a:spcPct val="100000"/>
                         </a:lnSpc>
@@ -4953,19 +4293,15 @@
                         </a:spcBef>
                       </a:pPr>
                       <a:r>
-                        <a:rPr lang="en-US" sz="1100" spc="0" dirty="0">
+                        <a:rPr lang="de-DE" sz="1100">
                           <a:solidFill>
                             <a:srgbClr val="020302"/>
                           </a:solidFill>
                           <a:latin typeface="AdobeClean-Light"/>
                           <a:cs typeface="AdobeClean-Light"/>
                         </a:rPr>
-                        <a:t>Priority Case Routing</a:t>
+                        <a:t>Vorrangige Weiterleitung von Fällen</a:t>
                       </a:r>
-                      <a:endParaRPr sz="1100" spc="0" dirty="0">
-                        <a:latin typeface="AdobeClean-Light"/>
-                        <a:cs typeface="AdobeClean-Light"/>
-                      </a:endParaRPr>
                     </a:p>
                   </a:txBody>
                   <a:tcPr marL="0" marR="0" marT="58419" marB="0">
@@ -4988,7 +4324,7 @@
                     <a:bodyPr/>
                     <a:lstStyle/>
                     <a:p>
-                      <a:pPr algn="ctr">
+                      <a:pPr algn="l" rtl="0">
                         <a:lnSpc>
                           <a:spcPct val="100000"/>
                         </a:lnSpc>
@@ -5029,7 +4365,7 @@
                         </a:spcBef>
                       </a:pPr>
                       <a:r>
-                        <a:rPr sz="900" spc="0" dirty="0">
+                        <a:rPr lang="de-DE" sz="900">
                           <a:solidFill>
                             <a:srgbClr val="020302"/>
                           </a:solidFill>
@@ -5038,10 +4374,6 @@
                         </a:rPr>
                         <a:t></a:t>
                       </a:r>
-                      <a:endParaRPr sz="900" spc="0" dirty="0">
-                        <a:latin typeface="Wingdings"/>
-                        <a:cs typeface="Wingdings"/>
-                      </a:endParaRPr>
                     </a:p>
                   </a:txBody>
                   <a:tcPr marL="0" marR="0" marT="59690" marB="0">
@@ -5064,7 +4396,7 @@
                     <a:bodyPr/>
                     <a:lstStyle/>
                     <a:p>
-                      <a:pPr marL="50800">
+                      <a:pPr marL="50800" algn="l" rtl="0">
                         <a:lnSpc>
                           <a:spcPct val="100000"/>
                         </a:lnSpc>
@@ -5122,11 +4454,11 @@
                         <a:defRPr/>
                       </a:pPr>
                       <a:r>
-                        <a:rPr lang="en-US" sz="1100" spc="0" dirty="0">
+                        <a:rPr lang="de-DE" sz="1100" dirty="0">
                           <a:latin typeface="AdobeClean-Light"/>
                           <a:cs typeface="AdobeClean-Light"/>
                         </a:rPr>
-                        <a:t>Accelerated Issue Prioritization</a:t>
+                        <a:t>Beschleunigte Priorisierung von Problemen</a:t>
                       </a:r>
                     </a:p>
                   </a:txBody>
@@ -5150,7 +4482,7 @@
                     <a:bodyPr/>
                     <a:lstStyle/>
                     <a:p>
-                      <a:pPr algn="ctr">
+                      <a:pPr algn="l" rtl="0">
                         <a:lnSpc>
                           <a:spcPct val="100000"/>
                         </a:lnSpc>
@@ -5200,7 +4532,7 @@
                         <a:defRPr/>
                       </a:pPr>
                       <a:r>
-                        <a:rPr lang="en-US" sz="900" spc="0" dirty="0">
+                        <a:rPr lang="de-DE" sz="900">
                           <a:solidFill>
                             <a:srgbClr val="020302"/>
                           </a:solidFill>
@@ -5209,10 +4541,6 @@
                         </a:rPr>
                         <a:t></a:t>
                       </a:r>
-                      <a:endParaRPr lang="en-US" sz="900" spc="0" dirty="0">
-                        <a:latin typeface="Wingdings"/>
-                        <a:cs typeface="Wingdings"/>
-                      </a:endParaRPr>
                     </a:p>
                   </a:txBody>
                   <a:tcPr marL="0" marR="0" marT="57785" marB="0">
@@ -5273,16 +4601,12 @@
                         </a:spcBef>
                       </a:pPr>
                       <a:r>
-                        <a:rPr lang="en-US" sz="1100" spc="0" dirty="0">
+                        <a:rPr lang="de-DE" sz="1100">
                           <a:latin typeface="AdobeClean-Light"/>
                           <a:cs typeface="AdobeClean-Light"/>
                         </a:rPr>
-                        <a:t>Escalation Management</a:t>
+                        <a:t>Eskalations-Management</a:t>
                       </a:r>
-                      <a:endParaRPr sz="1100" spc="0" dirty="0">
-                        <a:latin typeface="AdobeClean-Light"/>
-                        <a:cs typeface="AdobeClean-Light"/>
-                      </a:endParaRPr>
                     </a:p>
                   </a:txBody>
                   <a:tcPr marL="0" marR="0" marT="57150" marB="0">
@@ -5305,7 +4629,7 @@
                     <a:bodyPr/>
                     <a:lstStyle/>
                     <a:p>
-                      <a:pPr>
+                      <a:pPr algn="l" rtl="0">
                         <a:lnSpc>
                           <a:spcPct val="100000"/>
                         </a:lnSpc>
@@ -5343,7 +4667,7 @@
                         </a:spcBef>
                       </a:pPr>
                       <a:r>
-                        <a:rPr sz="900" spc="0" dirty="0">
+                        <a:rPr lang="de-DE" sz="900">
                           <a:solidFill>
                             <a:srgbClr val="020302"/>
                           </a:solidFill>
@@ -5352,10 +4676,6 @@
                         </a:rPr>
                         <a:t></a:t>
                       </a:r>
-                      <a:endParaRPr sz="900" spc="0" dirty="0">
-                        <a:latin typeface="Wingdings"/>
-                        <a:cs typeface="Wingdings"/>
-                      </a:endParaRPr>
                     </a:p>
                   </a:txBody>
                   <a:tcPr marL="0" marR="0" marT="59690" marB="0">
@@ -5397,16 +4717,12 @@
                         </a:spcBef>
                       </a:pPr>
                       <a:r>
-                        <a:rPr lang="en-US" sz="1100" spc="0" dirty="0">
+                        <a:rPr lang="de-DE" sz="1100">
                           <a:latin typeface="AdobeClean-Light"/>
                           <a:cs typeface="AdobeClean-Light"/>
                         </a:rPr>
-                        <a:t>Proactive Case Monitoring</a:t>
+                        <a:t>Proaktive Überwachung von Fällen</a:t>
                       </a:r>
-                      <a:endParaRPr sz="1100" spc="0" dirty="0">
-                        <a:latin typeface="AdobeClean-Light"/>
-                        <a:cs typeface="AdobeClean-Light"/>
-                      </a:endParaRPr>
                     </a:p>
                   </a:txBody>
                   <a:tcPr marL="0" marR="0" marT="57150" marB="0">
@@ -5435,7 +4751,7 @@
                     <a:bodyPr/>
                     <a:lstStyle/>
                     <a:p>
-                      <a:pPr>
+                      <a:pPr algn="l" rtl="0">
                         <a:lnSpc>
                           <a:spcPct val="100000"/>
                         </a:lnSpc>
@@ -5473,7 +4789,7 @@
                         </a:spcBef>
                       </a:pPr>
                       <a:r>
-                        <a:rPr sz="900" spc="0" dirty="0">
+                        <a:rPr lang="de-DE" sz="900">
                           <a:solidFill>
                             <a:srgbClr val="020302"/>
                           </a:solidFill>
@@ -5482,10 +4798,6 @@
                         </a:rPr>
                         <a:t></a:t>
                       </a:r>
-                      <a:endParaRPr sz="900" spc="0" dirty="0">
-                        <a:latin typeface="Wingdings"/>
-                        <a:cs typeface="Wingdings"/>
-                      </a:endParaRPr>
                     </a:p>
                   </a:txBody>
                   <a:tcPr marL="0" marR="0" marT="59690" marB="0">
@@ -5508,7 +4820,7 @@
                     <a:bodyPr/>
                     <a:lstStyle/>
                     <a:p>
-                      <a:pPr marL="48895">
+                      <a:pPr marL="48895" algn="l" rtl="0">
                         <a:lnSpc>
                           <a:spcPct val="100000"/>
                         </a:lnSpc>
@@ -5539,15 +4851,14 @@
                         <a:buNone/>
                       </a:pPr>
                       <a:r>
-                        <a:rPr lang="en-US" sz="1100" b="0" i="0" u="none" strike="noStrike" spc="0" noProof="0" dirty="0">
+                        <a:rPr lang="de-DE" sz="1100" b="0" i="0" u="none" strike="noStrike" noProof="0">
                           <a:solidFill>
                             <a:srgbClr val="020302"/>
                           </a:solidFill>
                           <a:latin typeface="Adobe Clean Light"/>
                         </a:rPr>
-                        <a:t>In-Region Support Option</a:t>
+                        <a:t>Option zum Support innerhalb der Region</a:t>
                       </a:r>
-                      <a:endParaRPr dirty="0"/>
                     </a:p>
                   </a:txBody>
                   <a:tcPr marL="0" marR="0" marT="58419" marB="0">
@@ -5576,7 +4887,7 @@
                     <a:bodyPr/>
                     <a:lstStyle/>
                     <a:p>
-                      <a:pPr>
+                      <a:pPr algn="l" rtl="0">
                         <a:lnSpc>
                           <a:spcPct val="100000"/>
                         </a:lnSpc>
@@ -5623,7 +4934,7 @@
                         <a:defRPr/>
                       </a:pPr>
                       <a:r>
-                        <a:rPr lang="en-US" sz="900" spc="0" dirty="0">
+                        <a:rPr lang="de-DE" sz="900">
                           <a:solidFill>
                             <a:srgbClr val="020302"/>
                           </a:solidFill>
@@ -5632,10 +4943,6 @@
                         </a:rPr>
                         <a:t></a:t>
                       </a:r>
-                      <a:endParaRPr lang="en-US" sz="900" spc="0" dirty="0">
-                        <a:latin typeface="Wingdings"/>
-                        <a:cs typeface="Wingdings"/>
-                      </a:endParaRPr>
                     </a:p>
                   </a:txBody>
                   <a:tcPr marL="0" marR="0" marT="57150" marB="0">
@@ -5658,7 +4965,7 @@
                     <a:bodyPr/>
                     <a:lstStyle/>
                     <a:p>
-                      <a:pPr marL="48895">
+                      <a:pPr marL="48895" algn="l" rtl="0">
                         <a:lnSpc>
                           <a:spcPct val="100000"/>
                         </a:lnSpc>
@@ -5716,19 +5023,15 @@
                         </a:spcBef>
                       </a:pPr>
                       <a:r>
-                        <a:rPr lang="en-US" sz="1100" spc="0" dirty="0">
+                        <a:rPr lang="de-DE" sz="1100">
                           <a:solidFill>
                             <a:srgbClr val="020302"/>
                           </a:solidFill>
                           <a:latin typeface="AdobeClean-Light"/>
                           <a:cs typeface="AdobeClean-Light"/>
                         </a:rPr>
-                        <a:t>Service Reviews</a:t>
+                        <a:t>Service-Prüfungen</a:t>
                       </a:r>
-                      <a:endParaRPr sz="1100" spc="0" dirty="0">
-                        <a:latin typeface="AdobeClean-Light"/>
-                        <a:cs typeface="AdobeClean-Light"/>
-                      </a:endParaRPr>
                     </a:p>
                   </a:txBody>
                   <a:tcPr marL="0" marR="0" marT="59055" marB="0">
@@ -5757,7 +5060,7 @@
                     <a:bodyPr/>
                     <a:lstStyle/>
                     <a:p>
-                      <a:pPr>
+                      <a:pPr algn="l" rtl="0">
                         <a:lnSpc>
                           <a:spcPct val="100000"/>
                         </a:lnSpc>
@@ -5795,29 +5098,15 @@
                         </a:spcBef>
                       </a:pPr>
                       <a:r>
-                        <a:rPr sz="900" spc="0" dirty="0">
+                        <a:rPr lang="de-DE" sz="900">
                           <a:solidFill>
                             <a:srgbClr val="020302"/>
                           </a:solidFill>
                           <a:latin typeface="AdobeClean-Light"/>
                           <a:cs typeface="AdobeClean-Light"/>
                         </a:rPr>
-                        <a:t>2</a:t>
+                        <a:t>2 Jahre</a:t>
                       </a:r>
-                      <a:r>
-                        <a:rPr lang="en-US" sz="900" spc="0" dirty="0">
-                          <a:solidFill>
-                            <a:srgbClr val="020302"/>
-                          </a:solidFill>
-                          <a:latin typeface="AdobeClean-Light"/>
-                          <a:cs typeface="AdobeClean-Light"/>
-                        </a:rPr>
-                        <a:t>/year</a:t>
-                      </a:r>
-                      <a:endParaRPr sz="900" spc="0" dirty="0">
-                        <a:latin typeface="AdobeClean-Light"/>
-                        <a:cs typeface="AdobeClean-Light"/>
-                      </a:endParaRPr>
                     </a:p>
                   </a:txBody>
                   <a:tcPr marL="0" marR="0" marT="57150" marB="0">
@@ -5840,7 +5129,7 @@
                     <a:bodyPr/>
                     <a:lstStyle/>
                     <a:p>
-                      <a:pPr marL="49530">
+                      <a:pPr marL="49530" algn="l" rtl="0">
                         <a:lnSpc>
                           <a:spcPct val="100000"/>
                         </a:lnSpc>
@@ -5889,16 +5178,12 @@
                         </a:spcBef>
                       </a:pPr>
                       <a:r>
-                        <a:rPr lang="en-US" sz="1100" spc="0" dirty="0">
+                        <a:rPr lang="de-DE" sz="1100">
                           <a:latin typeface="AdobeClean-Light"/>
                           <a:cs typeface="AdobeClean-Light"/>
                         </a:rPr>
-                        <a:t>Case Reviews</a:t>
+                        <a:t>Fallprüfungen</a:t>
                       </a:r>
-                      <a:endParaRPr sz="1100" spc="0" dirty="0">
-                        <a:latin typeface="AdobeClean-Light"/>
-                        <a:cs typeface="AdobeClean-Light"/>
-                      </a:endParaRPr>
                     </a:p>
                   </a:txBody>
                   <a:tcPr marL="0" marR="0" marT="63500" marB="0">
@@ -5921,7 +5206,7 @@
                     <a:bodyPr/>
                     <a:lstStyle/>
                     <a:p>
-                      <a:pPr>
+                      <a:pPr algn="l" rtl="0">
                         <a:lnSpc>
                           <a:spcPct val="100000"/>
                         </a:lnSpc>
@@ -5959,16 +5244,12 @@
                         </a:spcBef>
                       </a:pPr>
                       <a:r>
-                        <a:rPr lang="en-US" sz="900" spc="0" dirty="0">
+                        <a:rPr lang="de-DE" sz="900">
                           <a:latin typeface="AdobeClean-Light"/>
                           <a:cs typeface="AdobeClean-Light"/>
                         </a:rPr>
-                        <a:t>1/month</a:t>
+                        <a:t>1 Monate</a:t>
                       </a:r>
-                      <a:endParaRPr sz="900" spc="0" dirty="0">
-                        <a:latin typeface="AdobeClean-Light"/>
-                        <a:cs typeface="AdobeClean-Light"/>
-                      </a:endParaRPr>
                     </a:p>
                   </a:txBody>
                   <a:tcPr marL="0" marR="0" marT="57150" marB="0">
@@ -6038,11 +5319,11 @@
                         <a:defRPr/>
                       </a:pPr>
                       <a:r>
-                        <a:rPr lang="en-US" sz="1100" spc="0" dirty="0">
+                        <a:rPr lang="de-DE" sz="1100">
                           <a:latin typeface="AdobeClean-Light"/>
                           <a:cs typeface="AdobeClean-Light"/>
                         </a:rPr>
-                        <a:t>Solution Review</a:t>
+                        <a:t>Lösungsprüfung</a:t>
                       </a:r>
                     </a:p>
                   </a:txBody>
@@ -6066,7 +5347,7 @@
                     <a:bodyPr/>
                     <a:lstStyle/>
                     <a:p>
-                      <a:pPr>
+                      <a:pPr algn="l" rtl="0">
                         <a:lnSpc>
                           <a:spcPct val="100000"/>
                         </a:lnSpc>
@@ -6095,7 +5376,7 @@
                     <a:bodyPr/>
                     <a:lstStyle/>
                     <a:p>
-                      <a:pPr algn="ctr">
+                      <a:pPr algn="l" rtl="0">
                         <a:lnSpc>
                           <a:spcPct val="100000"/>
                         </a:lnSpc>
@@ -6185,11 +5466,11 @@
                         <a:defRPr/>
                       </a:pPr>
                       <a:r>
-                        <a:rPr lang="en-US" sz="1100" spc="0" dirty="0">
+                        <a:rPr lang="de-DE" sz="1100">
                           <a:latin typeface="AdobeClean-Light"/>
                           <a:cs typeface="AdobeClean-Light"/>
                         </a:rPr>
-                        <a:t>Roadmap Review </a:t>
+                        <a:t>Roadmap-Prüfung </a:t>
                       </a:r>
                     </a:p>
                   </a:txBody>
@@ -6223,7 +5504,7 @@
                     <a:bodyPr/>
                     <a:lstStyle/>
                     <a:p>
-                      <a:pPr>
+                      <a:pPr algn="l" rtl="0">
                         <a:lnSpc>
                           <a:spcPct val="100000"/>
                         </a:lnSpc>
@@ -6261,7 +5542,7 @@
                     <a:bodyPr/>
                     <a:lstStyle/>
                     <a:p>
-                      <a:pPr>
+                      <a:pPr algn="l" rtl="0">
                         <a:lnSpc>
                           <a:spcPct val="100000"/>
                         </a:lnSpc>
@@ -6363,19 +5644,15 @@
                         <a:defRPr/>
                       </a:pPr>
                       <a:r>
-                        <a:rPr lang="en-US" sz="1100" spc="0" dirty="0">
+                        <a:rPr lang="de-DE" sz="1100">
                           <a:solidFill>
                             <a:srgbClr val="020302"/>
                           </a:solidFill>
                           <a:latin typeface="AdobeClean-Light"/>
                           <a:cs typeface="AdobeClean-Light"/>
                         </a:rPr>
-                        <a:t>Additional Named Support Contacts</a:t>
+                        <a:t>Zusätzliche ernannte Support-Kontakte</a:t>
                       </a:r>
-                      <a:endParaRPr lang="en-US" sz="1100" spc="0" dirty="0">
-                        <a:latin typeface="AdobeClean-Light"/>
-                        <a:cs typeface="AdobeClean-Light"/>
-                      </a:endParaRPr>
                     </a:p>
                   </a:txBody>
                   <a:tcPr marL="0" marR="0" marT="63500" marB="0">
@@ -6415,7 +5692,7 @@
                     <a:bodyPr/>
                     <a:lstStyle/>
                     <a:p>
-                      <a:pPr>
+                      <a:pPr algn="l" rtl="0">
                         <a:lnSpc>
                           <a:spcPct val="100000"/>
                         </a:lnSpc>
@@ -6462,7 +5739,7 @@
                     <a:bodyPr/>
                     <a:lstStyle/>
                     <a:p>
-                      <a:pPr algn="ctr">
+                      <a:pPr algn="l" rtl="0">
                         <a:lnSpc>
                           <a:spcPct val="100000"/>
                         </a:lnSpc>
@@ -6570,16 +5847,12 @@
                         </a:spcBef>
                       </a:pPr>
                       <a:r>
-                        <a:rPr lang="en-US" sz="1100" spc="0" dirty="0">
+                        <a:rPr lang="de-DE" sz="1100">
                           <a:latin typeface="AdobeClean-Light"/>
                           <a:cs typeface="AdobeClean-Light"/>
                         </a:rPr>
-                        <a:t>Upgrade/Migration Planning</a:t>
+                        <a:t>Planung für Upgrades/Migration</a:t>
                       </a:r>
-                      <a:endParaRPr sz="1100" spc="0" dirty="0">
-                        <a:latin typeface="AdobeClean-Light"/>
-                        <a:cs typeface="AdobeClean-Light"/>
-                      </a:endParaRPr>
                     </a:p>
                   </a:txBody>
                   <a:tcPr marL="0" marR="0" marT="63500" marB="0">
@@ -6622,7 +5895,7 @@
                     <a:bodyPr/>
                     <a:lstStyle/>
                     <a:p>
-                      <a:pPr>
+                      <a:pPr algn="l" rtl="0">
                         <a:lnSpc>
                           <a:spcPct val="100000"/>
                         </a:lnSpc>
@@ -6669,7 +5942,7 @@
                     <a:bodyPr/>
                     <a:lstStyle/>
                     <a:p>
-                      <a:pPr algn="ctr">
+                      <a:pPr algn="l" rtl="0">
                         <a:lnSpc>
                           <a:spcPct val="100000"/>
                         </a:lnSpc>
@@ -6749,11 +6022,11 @@
                         <a:defRPr/>
                       </a:pPr>
                       <a:r>
-                        <a:rPr lang="en-US" sz="1100" b="0" i="0" spc="0" dirty="0">
+                        <a:rPr lang="de-DE" sz="1100" b="0" i="0">
                           <a:latin typeface="Adobe Clean Light" panose="020B0303020404020204" pitchFamily="34" charset="0"/>
                           <a:cs typeface="AdobeClean-Light"/>
                         </a:rPr>
-                        <a:t>Release Preparation and Planning</a:t>
+                        <a:t>Versionsvorbereitung und -planung</a:t>
                       </a:r>
                     </a:p>
                   </a:txBody>
@@ -6797,7 +6070,7 @@
                     <a:bodyPr/>
                     <a:lstStyle/>
                     <a:p>
-                      <a:pPr>
+                      <a:pPr algn="l" rtl="0">
                         <a:lnSpc>
                           <a:spcPct val="100000"/>
                         </a:lnSpc>
@@ -6844,7 +6117,7 @@
                     <a:bodyPr/>
                     <a:lstStyle/>
                     <a:p>
-                      <a:pPr algn="ctr">
+                      <a:pPr algn="l" rtl="0">
                         <a:lnSpc>
                           <a:spcPct val="100000"/>
                         </a:lnSpc>
@@ -6896,7 +6169,7 @@
                     <a:bodyPr/>
                     <a:lstStyle/>
                     <a:p>
-                      <a:pPr marL="49530">
+                      <a:pPr marL="49530" algn="l" rtl="0">
                         <a:lnSpc>
                           <a:spcPct val="100000"/>
                         </a:lnSpc>
@@ -6954,16 +6227,12 @@
                         </a:spcBef>
                       </a:pPr>
                       <a:r>
-                        <a:rPr lang="en-US" sz="1100" spc="0" dirty="0">
+                        <a:rPr lang="de-DE" sz="1100">
                           <a:latin typeface="AdobeClean-Light"/>
                           <a:cs typeface="AdobeClean-Light"/>
                         </a:rPr>
                         <a:t>Executive Sponsor</a:t>
                       </a:r>
-                      <a:endParaRPr sz="1100" spc="0" dirty="0">
-                        <a:latin typeface="AdobeClean-Light"/>
-                        <a:cs typeface="AdobeClean-Light"/>
-                      </a:endParaRPr>
                     </a:p>
                   </a:txBody>
                   <a:tcPr marL="0" marR="0" marT="67310" marB="0">
@@ -7008,7 +6277,7 @@
                     <a:bodyPr/>
                     <a:lstStyle/>
                     <a:p>
-                      <a:pPr>
+                      <a:pPr algn="l" rtl="0">
                         <a:lnSpc>
                           <a:spcPct val="100000"/>
                         </a:lnSpc>
@@ -7055,7 +6324,7 @@
                     <a:bodyPr/>
                     <a:lstStyle/>
                     <a:p>
-                      <a:pPr>
+                      <a:pPr algn="l" rtl="0">
                         <a:lnSpc>
                           <a:spcPct val="100000"/>
                         </a:lnSpc>
@@ -7117,14 +6386,14 @@
           <p:nvPr>
             <p:extLst>
               <p:ext uri="{D42A27DB-BD31-4B8C-83A1-F6EECF244321}">
-                <p14:modId xmlns:p14="http://schemas.microsoft.com/office/powerpoint/2010/main" val="1204616534"/>
+                <p14:modId xmlns:p14="http://schemas.microsoft.com/office/powerpoint/2010/main" val="2048199737"/>
               </p:ext>
             </p:extLst>
           </p:nvPr>
         </p:nvGraphicFramePr>
         <p:xfrm>
-          <a:off x="121146" y="7483227"/>
-          <a:ext cx="7498851" cy="2361428"/>
+          <a:off x="121146" y="7384167"/>
+          <a:ext cx="7498851" cy="2353126"/>
         </p:xfrm>
         <a:graphic>
           <a:graphicData uri="http://schemas.openxmlformats.org/drawingml/2006/table">
@@ -7133,35 +6402,35 @@
                 <a:tableStyleId>{2D5ABB26-0587-4C30-8999-92F81FD0307C}</a:tableStyleId>
               </a:tblPr>
               <a:tblGrid>
-                <a:gridCol w="3749427">
+                <a:gridCol w="3947934">
                   <a:extLst>
                     <a:ext uri="{9D8B030D-6E8A-4147-A177-3AD203B41FA5}">
                       <a16:colId xmlns:a16="http://schemas.microsoft.com/office/drawing/2014/main" val="20000"/>
                     </a:ext>
                   </a:extLst>
                 </a:gridCol>
-                <a:gridCol w="940418">
+                <a:gridCol w="876300">
                   <a:extLst>
                     <a:ext uri="{9D8B030D-6E8A-4147-A177-3AD203B41FA5}">
                       <a16:colId xmlns:a16="http://schemas.microsoft.com/office/drawing/2014/main" val="20001"/>
                     </a:ext>
                   </a:extLst>
                 </a:gridCol>
-                <a:gridCol w="980208">
+                <a:gridCol w="922020">
                   <a:extLst>
                     <a:ext uri="{9D8B030D-6E8A-4147-A177-3AD203B41FA5}">
                       <a16:colId xmlns:a16="http://schemas.microsoft.com/office/drawing/2014/main" val="20002"/>
                     </a:ext>
                   </a:extLst>
                 </a:gridCol>
-                <a:gridCol w="914399">
+                <a:gridCol w="960120">
                   <a:extLst>
                     <a:ext uri="{9D8B030D-6E8A-4147-A177-3AD203B41FA5}">
                       <a16:colId xmlns:a16="http://schemas.microsoft.com/office/drawing/2014/main" val="20003"/>
                     </a:ext>
                   </a:extLst>
                 </a:gridCol>
-                <a:gridCol w="914399">
+                <a:gridCol w="792477">
                   <a:extLst>
                     <a:ext uri="{9D8B030D-6E8A-4147-A177-3AD203B41FA5}">
                       <a16:colId xmlns:a16="http://schemas.microsoft.com/office/drawing/2014/main" val="20004"/>
@@ -7169,7 +6438,7 @@
                   </a:extLst>
                 </a:gridCol>
               </a:tblGrid>
-              <a:tr h="289173">
+              <a:tr h="243453">
                 <a:tc>
                   <a:txBody>
                     <a:bodyPr/>
@@ -7184,19 +6453,15 @@
                         </a:spcBef>
                       </a:pPr>
                       <a:r>
-                        <a:rPr sz="1000" spc="0" dirty="0">
+                        <a:rPr lang="de-DE" sz="1000" dirty="0">
                           <a:solidFill>
                             <a:srgbClr val="020302"/>
                           </a:solidFill>
                           <a:latin typeface="Adobe Clean"/>
                           <a:cs typeface="Adobe Clean"/>
                         </a:rPr>
-                        <a:t>Priority</a:t>
+                        <a:t>Priorität</a:t>
                       </a:r>
-                      <a:endParaRPr sz="1000" spc="0" dirty="0">
-                        <a:latin typeface="Adobe Clean"/>
-                        <a:cs typeface="Adobe Clean"/>
-                      </a:endParaRPr>
                     </a:p>
                   </a:txBody>
                   <a:tcPr marL="0" marR="0" marT="7620" marB="0" anchor="ctr">
@@ -7243,49 +6508,15 @@
                         </a:spcBef>
                       </a:pPr>
                       <a:r>
-                        <a:rPr lang="en-US" sz="900" spc="0" dirty="0">
+                        <a:rPr lang="de-DE" sz="900">
                           <a:solidFill>
                             <a:srgbClr val="020302"/>
                           </a:solidFill>
                           <a:latin typeface="Adobe Clean"/>
                           <a:cs typeface="Adobe Clean"/>
                         </a:rPr>
-                        <a:t>Standard</a:t>
+                        <a:t>Standard Support</a:t>
                       </a:r>
-                      <a:r>
-                        <a:rPr sz="900" spc="0" dirty="0">
-                          <a:solidFill>
-                            <a:srgbClr val="020302"/>
-                          </a:solidFill>
-                          <a:latin typeface="Adobe Clean"/>
-                          <a:cs typeface="Adobe Clean"/>
-                        </a:rPr>
-                        <a:t> </a:t>
-                      </a:r>
-                      <a:r>
-                        <a:rPr lang="en-US" sz="900" spc="0" dirty="0">
-                          <a:solidFill>
-                            <a:srgbClr val="020302"/>
-                          </a:solidFill>
-                          <a:latin typeface="Adobe Clean"/>
-                          <a:cs typeface="Adobe Clean"/>
-                        </a:rPr>
-                        <a:t> </a:t>
-                      </a:r>
-                      <a:r>
-                        <a:rPr sz="900" spc="0" dirty="0">
-                          <a:solidFill>
-                            <a:srgbClr val="020302"/>
-                          </a:solidFill>
-                          <a:latin typeface="Adobe Clean"/>
-                          <a:cs typeface="Adobe Clean"/>
-                        </a:rPr>
-                        <a:t>Support</a:t>
-                      </a:r>
-                      <a:endParaRPr sz="900" spc="0" dirty="0">
-                        <a:latin typeface="Adobe Clean"/>
-                        <a:cs typeface="Adobe Clean"/>
-                      </a:endParaRPr>
                     </a:p>
                   </a:txBody>
                   <a:tcPr marL="0" marR="0" marT="0" marB="0" anchor="ctr">
@@ -7335,39 +6566,15 @@
                         </a:spcBef>
                       </a:pPr>
                       <a:r>
-                        <a:rPr sz="900" spc="0" dirty="0">
+                        <a:rPr lang="de-DE" sz="900">
                           <a:solidFill>
                             <a:srgbClr val="FFFFFF"/>
                           </a:solidFill>
                           <a:latin typeface="Adobe Clean"/>
                           <a:cs typeface="Adobe Clean"/>
                         </a:rPr>
-                        <a:t>Business</a:t>
+                        <a:t>Business Support</a:t>
                       </a:r>
-                      <a:r>
-                        <a:rPr lang="en-US" sz="900" spc="0" dirty="0">
-                          <a:solidFill>
-                            <a:srgbClr val="FFFFFF"/>
-                          </a:solidFill>
-                          <a:latin typeface="Adobe Clean"/>
-                          <a:cs typeface="Adobe Clean"/>
-                        </a:rPr>
-                        <a:t> </a:t>
-                      </a:r>
-                      <a:r>
-                        <a:rPr sz="900" spc="0" dirty="0">
-                          <a:solidFill>
-                            <a:srgbClr val="FFFFFF"/>
-                          </a:solidFill>
-                          <a:latin typeface="Adobe Clean"/>
-                          <a:cs typeface="Adobe Clean"/>
-                        </a:rPr>
-                        <a:t>Support</a:t>
-                      </a:r>
-                      <a:endParaRPr sz="900" spc="0" dirty="0">
-                        <a:latin typeface="Adobe Clean"/>
-                        <a:cs typeface="Adobe Clean"/>
-                      </a:endParaRPr>
                     </a:p>
                   </a:txBody>
                   <a:tcPr marL="0" marR="0" marT="0" marB="0" anchor="ctr">
@@ -7414,39 +6621,15 @@
                         </a:spcBef>
                       </a:pPr>
                       <a:r>
-                        <a:rPr sz="900" spc="0" dirty="0">
+                        <a:rPr lang="de-DE" sz="900">
                           <a:solidFill>
                             <a:srgbClr val="FFFFFF"/>
                           </a:solidFill>
                           <a:latin typeface="Adobe Clean"/>
                           <a:cs typeface="Adobe Clean"/>
                         </a:rPr>
-                        <a:t>Enterprise </a:t>
+                        <a:t>Enterprise Support</a:t>
                       </a:r>
-                      <a:r>
-                        <a:rPr lang="en-US" sz="900" spc="0" dirty="0">
-                          <a:solidFill>
-                            <a:srgbClr val="FFFFFF"/>
-                          </a:solidFill>
-                          <a:latin typeface="Adobe Clean"/>
-                          <a:cs typeface="Adobe Clean"/>
-                        </a:rPr>
-                        <a:t> </a:t>
-                      </a:r>
-                      <a:r>
-                        <a:rPr sz="900" spc="0" dirty="0">
-                          <a:solidFill>
-                            <a:srgbClr val="FFFFFF"/>
-                          </a:solidFill>
-                          <a:latin typeface="Adobe Clean"/>
-                          <a:cs typeface="Adobe Clean"/>
-                        </a:rPr>
-                        <a:t>Support</a:t>
-                      </a:r>
-                      <a:endParaRPr sz="900" spc="0" dirty="0">
-                        <a:latin typeface="Adobe Clean"/>
-                        <a:cs typeface="Adobe Clean"/>
-                      </a:endParaRPr>
                     </a:p>
                   </a:txBody>
                   <a:tcPr marL="0" marR="0" marT="0" marB="0" anchor="ctr">
@@ -7493,39 +6676,15 @@
                         </a:spcBef>
                       </a:pPr>
                       <a:r>
-                        <a:rPr sz="900" spc="0" dirty="0">
+                        <a:rPr lang="de-DE" sz="900" dirty="0">
                           <a:solidFill>
                             <a:srgbClr val="FFFFFF"/>
                           </a:solidFill>
                           <a:latin typeface="Adobe Clean"/>
                           <a:cs typeface="Adobe Clean"/>
                         </a:rPr>
-                        <a:t>Elite</a:t>
+                        <a:t>Elite Support</a:t>
                       </a:r>
-                      <a:r>
-                        <a:rPr lang="en-US" sz="900" spc="0" dirty="0">
-                          <a:solidFill>
-                            <a:srgbClr val="FFFFFF"/>
-                          </a:solidFill>
-                          <a:latin typeface="Adobe Clean"/>
-                          <a:cs typeface="Adobe Clean"/>
-                        </a:rPr>
-                        <a:t> </a:t>
-                      </a:r>
-                      <a:r>
-                        <a:rPr sz="900" spc="0" dirty="0">
-                          <a:solidFill>
-                            <a:srgbClr val="FFFFFF"/>
-                          </a:solidFill>
-                          <a:latin typeface="Adobe Clean"/>
-                          <a:cs typeface="Adobe Clean"/>
-                        </a:rPr>
-                        <a:t>Support</a:t>
-                      </a:r>
-                      <a:endParaRPr sz="900" spc="0" dirty="0">
-                        <a:latin typeface="Adobe Clean"/>
-                        <a:cs typeface="Adobe Clean"/>
-                      </a:endParaRPr>
                     </a:p>
                   </a:txBody>
                   <a:tcPr marL="0" marR="0" marT="0" marB="0" anchor="ctr">
@@ -7579,22 +6738,18 @@
                         </a:spcBef>
                       </a:pPr>
                       <a:r>
-                        <a:rPr sz="900" b="1" spc="0" dirty="0">
+                        <a:rPr lang="de-DE" sz="900" b="1" dirty="0">
                           <a:solidFill>
                             <a:srgbClr val="020302"/>
                           </a:solidFill>
                           <a:latin typeface="Adobe Clean"/>
                           <a:cs typeface="Adobe Clean"/>
                         </a:rPr>
-                        <a:t>PRIORITY 1</a:t>
+                        <a:t>PRIORITÄT 1</a:t>
                       </a:r>
-                      <a:endParaRPr sz="900" spc="0" dirty="0">
-                        <a:latin typeface="Adobe Clean"/>
-                        <a:cs typeface="Adobe Clean"/>
-                      </a:endParaRPr>
                     </a:p>
                     <a:p>
-                      <a:pPr marL="50800" marR="387985">
+                      <a:pPr marL="50800" marR="387985" defTabSz="942975">
                         <a:lnSpc>
                           <a:spcPts val="1000"/>
                         </a:lnSpc>
@@ -7603,19 +6758,14 @@
                         </a:spcBef>
                       </a:pPr>
                       <a:r>
-                        <a:rPr lang="en-US" sz="900" b="0" i="0" spc="0" dirty="0">
+                        <a:rPr lang="de-DE" sz="875" b="0" i="0" dirty="0">
                           <a:solidFill>
                             <a:srgbClr val="000000"/>
                           </a:solidFill>
-                          <a:effectLst/>
                           <a:latin typeface="Adobe Clean Light" panose="020B0303020404020204" pitchFamily="34" charset="0"/>
                         </a:rPr>
-                        <a:t>Customer's production business functions are down or have significant data loss or service degradation and immediate attention is required to restore functionality and usability. </a:t>
+                        <a:t>Die Produktionsfunktionen im Unternehmen des Kunden sind ausgefallen oder weisen einen erheblichen Datenverlust oder eine Beeinträchtigung des Service auf und ein sofortiges Eingreifen ist nötig, um Funktionalität und Nutzbarkeit wiederherzustellen. </a:t>
                       </a:r>
-                      <a:endParaRPr sz="900" spc="0" dirty="0">
-                        <a:latin typeface="AdobeClean-Light"/>
-                        <a:cs typeface="AdobeClean-Light"/>
-                      </a:endParaRPr>
                     </a:p>
                   </a:txBody>
                   <a:tcPr marL="0" marR="0" marT="0" marB="0" anchor="ctr">
@@ -7653,7 +6803,7 @@
                     <a:bodyPr/>
                     <a:lstStyle/>
                     <a:p>
-                      <a:pPr marL="0" marR="258445" indent="115570" algn="ctr">
+                      <a:pPr marL="60325" marR="258445" indent="0" algn="ctr">
                         <a:lnSpc>
                           <a:spcPct val="100000"/>
                         </a:lnSpc>
@@ -7662,39 +6812,15 @@
                         </a:spcBef>
                       </a:pPr>
                       <a:r>
-                        <a:rPr lang="en-US" sz="900" spc="0" dirty="0">
+                        <a:rPr lang="de-DE" sz="900" dirty="0">
                           <a:solidFill>
                             <a:srgbClr val="020302"/>
                           </a:solidFill>
                           <a:latin typeface="AdobeClean-Light"/>
                           <a:cs typeface="AdobeClean-Light"/>
                         </a:rPr>
-                        <a:t>24x7 /</a:t>
+                        <a:t>24x7 / 30 Minuten</a:t>
                       </a:r>
-                    </a:p>
-                    <a:p>
-                      <a:pPr marL="0" marR="258445" indent="115570" algn="ctr">
-                        <a:lnSpc>
-                          <a:spcPct val="100000"/>
-                        </a:lnSpc>
-                        <a:spcBef>
-                          <a:spcPts val="0"/>
-                        </a:spcBef>
-                      </a:pPr>
-                      <a:r>
-                        <a:rPr lang="en-US" sz="900" spc="0" dirty="0">
-                          <a:solidFill>
-                            <a:srgbClr val="020302"/>
-                          </a:solidFill>
-                          <a:latin typeface="AdobeClean-Light"/>
-                          <a:cs typeface="AdobeClean-Light"/>
-                        </a:rPr>
-                        <a:t> 30 minutes</a:t>
-                      </a:r>
-                      <a:endParaRPr lang="en-US" sz="900" spc="0" dirty="0">
-                        <a:latin typeface="AdobeClean-Light"/>
-                        <a:cs typeface="AdobeClean-Light"/>
-                      </a:endParaRPr>
                     </a:p>
                   </a:txBody>
                   <a:tcPr marL="0" marR="0" marT="0" marB="0" anchor="ctr">
@@ -7739,10 +6865,10 @@
                         <a:tabLst/>
                       </a:pPr>
                       <a:r>
-                        <a:rPr lang="en-US" sz="1000" i="0" spc="0" dirty="0">
+                        <a:rPr lang="de-DE" sz="1000" i="0" dirty="0">
                           <a:latin typeface="AdobeClean-Light"/>
                         </a:rPr>
-                        <a:t>Customers who purchase a Support Plan for applicable Adobe Products and Services receive priority case routing that fast-tracks cases to Adobe’s Support Engineers. </a:t>
+                        <a:t>Kunden, die einen Support-Plan für die entsprechenden Adobe-Produkte und -Services erwerben, erhalten eine bevorzugte Weiterleitung von Fällen an die Support-Techniker von Adobe. </a:t>
                       </a:r>
                     </a:p>
                   </a:txBody>
@@ -7790,7 +6916,7 @@
                         </a:spcBef>
                       </a:pPr>
                       <a:r>
-                        <a:rPr sz="900" spc="0" dirty="0">
+                        <a:rPr lang="de-DE" sz="900">
                           <a:solidFill>
                             <a:srgbClr val="020302"/>
                           </a:solidFill>
@@ -7800,67 +6926,8 @@
                           <a:latin typeface="AdobeClean-Light"/>
                           <a:cs typeface="AdobeClean-Light"/>
                         </a:rPr>
-                        <a:t>24x7 /  </a:t>
+                        <a:t>24x7/30 Minuten</a:t>
                       </a:r>
-                      <a:r>
-                        <a:rPr lang="en-US" sz="900" spc="0" dirty="0">
-                          <a:solidFill>
-                            <a:srgbClr val="020302"/>
-                          </a:solidFill>
-                          <a:highlight>
-                            <a:srgbClr val="FFFF00"/>
-                          </a:highlight>
-                          <a:latin typeface="AdobeClean-Light"/>
-                          <a:cs typeface="AdobeClean-Light"/>
-                        </a:rPr>
-                        <a:t>         </a:t>
-                      </a:r>
-                      <a:r>
-                        <a:rPr sz="900" spc="0" dirty="0">
-                          <a:solidFill>
-                            <a:srgbClr val="020302"/>
-                          </a:solidFill>
-                          <a:highlight>
-                            <a:srgbClr val="FFFF00"/>
-                          </a:highlight>
-                          <a:latin typeface="AdobeClean-Light"/>
-                          <a:cs typeface="AdobeClean-Light"/>
-                        </a:rPr>
-                        <a:t>30</a:t>
-                      </a:r>
-                      <a:r>
-                        <a:rPr lang="en-US" sz="900" spc="0" dirty="0">
-                          <a:solidFill>
-                            <a:srgbClr val="020302"/>
-                          </a:solidFill>
-                          <a:highlight>
-                            <a:srgbClr val="FFFF00"/>
-                          </a:highlight>
-                          <a:latin typeface="AdobeClean-Light"/>
-                          <a:cs typeface="AdobeClean-Light"/>
-                        </a:rPr>
-                        <a:t> </a:t>
-                      </a:r>
-                      <a:r>
-                        <a:rPr sz="900" spc="0" dirty="0">
-                          <a:solidFill>
-                            <a:srgbClr val="020302"/>
-                          </a:solidFill>
-                          <a:highlight>
-                            <a:srgbClr val="FFFF00"/>
-                          </a:highlight>
-                          <a:latin typeface="AdobeClean-Light"/>
-                          <a:cs typeface="AdobeClean-Light"/>
-                        </a:rPr>
-                        <a:t>minutes</a:t>
-                      </a:r>
-                      <a:endParaRPr sz="900" spc="0" dirty="0">
-                        <a:highlight>
-                          <a:srgbClr val="FFFF00"/>
-                        </a:highlight>
-                        <a:latin typeface="AdobeClean-Light"/>
-                        <a:cs typeface="AdobeClean-Light"/>
-                      </a:endParaRPr>
                     </a:p>
                   </a:txBody>
                   <a:tcPr marL="0" marR="0" marT="0" marB="0" anchor="ctr">
@@ -7904,7 +6971,7 @@
                         </a:spcBef>
                       </a:pPr>
                       <a:r>
-                        <a:rPr sz="900" spc="0" dirty="0">
+                        <a:rPr lang="de-DE" sz="900">
                           <a:solidFill>
                             <a:srgbClr val="020302"/>
                           </a:solidFill>
@@ -7914,67 +6981,8 @@
                           <a:latin typeface="AdobeClean-Light"/>
                           <a:cs typeface="AdobeClean-Light"/>
                         </a:rPr>
-                        <a:t>24x7 / </a:t>
+                        <a:t>24x7/15 Minuten</a:t>
                       </a:r>
-                      <a:r>
-                        <a:rPr lang="en-US" sz="900" spc="0" dirty="0">
-                          <a:solidFill>
-                            <a:srgbClr val="020302"/>
-                          </a:solidFill>
-                          <a:highlight>
-                            <a:srgbClr val="FFFF00"/>
-                          </a:highlight>
-                          <a:latin typeface="AdobeClean-Light"/>
-                          <a:cs typeface="AdobeClean-Light"/>
-                        </a:rPr>
-                        <a:t>       </a:t>
-                      </a:r>
-                      <a:r>
-                        <a:rPr sz="900" spc="0" dirty="0">
-                          <a:solidFill>
-                            <a:srgbClr val="020302"/>
-                          </a:solidFill>
-                          <a:highlight>
-                            <a:srgbClr val="FFFF00"/>
-                          </a:highlight>
-                          <a:latin typeface="AdobeClean-Light"/>
-                          <a:cs typeface="AdobeClean-Light"/>
-                        </a:rPr>
-                        <a:t> 15</a:t>
-                      </a:r>
-                      <a:r>
-                        <a:rPr lang="en-US" sz="900" spc="0" dirty="0">
-                          <a:solidFill>
-                            <a:srgbClr val="020302"/>
-                          </a:solidFill>
-                          <a:highlight>
-                            <a:srgbClr val="FFFF00"/>
-                          </a:highlight>
-                          <a:latin typeface="AdobeClean-Light"/>
-                          <a:cs typeface="AdobeClean-Light"/>
-                        </a:rPr>
-                        <a:t> </a:t>
-                      </a:r>
-                      <a:r>
-                        <a:rPr sz="900" spc="0" dirty="0">
-                          <a:solidFill>
-                            <a:srgbClr val="020302"/>
-                          </a:solidFill>
-                          <a:highlight>
-                            <a:srgbClr val="FFFF00"/>
-                          </a:highlight>
-                          <a:latin typeface="AdobeClean-Light"/>
-                          <a:cs typeface="AdobeClean-Light"/>
-                        </a:rPr>
-                        <a:t>minutes</a:t>
-                      </a:r>
-                      <a:endParaRPr sz="900" spc="0" dirty="0">
-                        <a:highlight>
-                          <a:srgbClr val="FFFF00"/>
-                        </a:highlight>
-                        <a:latin typeface="AdobeClean-Light"/>
-                        <a:cs typeface="AdobeClean-Light"/>
-                      </a:endParaRPr>
                     </a:p>
                   </a:txBody>
                   <a:tcPr marL="0" marR="0" marT="0" marB="0" anchor="ctr">
@@ -8025,19 +7033,15 @@
                         </a:spcBef>
                       </a:pPr>
                       <a:r>
-                        <a:rPr sz="900" b="1" spc="0" dirty="0">
+                        <a:rPr lang="de-DE" sz="900" b="1" dirty="0">
                           <a:solidFill>
                             <a:srgbClr val="020302"/>
                           </a:solidFill>
                           <a:latin typeface="Adobe Clean"/>
                           <a:cs typeface="Adobe Clean"/>
                         </a:rPr>
-                        <a:t>PRIORITY 2</a:t>
+                        <a:t>PRIORITÄT 2</a:t>
                       </a:r>
-                      <a:endParaRPr sz="900" spc="0" dirty="0">
-                        <a:latin typeface="Adobe Clean"/>
-                        <a:cs typeface="Adobe Clean"/>
-                      </a:endParaRPr>
                     </a:p>
                     <a:p>
                       <a:pPr marL="50165" marR="203200" indent="0" defTabSz="914400" eaLnBrk="1" fontAlgn="auto" latinLnBrk="0" hangingPunct="1">
@@ -8058,19 +7062,14 @@
                         <a:defRPr/>
                       </a:pPr>
                       <a:r>
-                        <a:rPr lang="en-US" sz="900" b="0" i="0" spc="0" dirty="0">
+                        <a:rPr lang="de-DE" sz="875" b="0" i="0" spc="-10" baseline="0" dirty="0">
                           <a:solidFill>
                             <a:srgbClr val="000000"/>
                           </a:solidFill>
-                          <a:effectLst/>
                           <a:latin typeface="Adobe Clean Light" panose="020B0303020404020204" pitchFamily="34" charset="0"/>
                         </a:rPr>
-                        <a:t>Customer's business functions have major service degradation or potential data loss, or a major feature is impacted.  </a:t>
+                        <a:t>Die Unternehmensfunktionen des Kunden weisen erhebliche Beeinträchtigungen des Service oder möglichen Datenverlust auf oder eine zentrale Funktion ist betroffen.  </a:t>
                       </a:r>
-                      <a:endParaRPr sz="900" b="0" i="0" spc="0" dirty="0">
-                        <a:latin typeface="Adobe Clean Light" panose="020B0303020404020204" pitchFamily="34" charset="0"/>
-                        <a:cs typeface="AdobeClean-Light"/>
-                      </a:endParaRPr>
                     </a:p>
                   </a:txBody>
                   <a:tcPr marL="0" marR="0" marT="0" marB="0" anchor="ctr">
@@ -8108,7 +7107,7 @@
                     <a:bodyPr/>
                     <a:lstStyle/>
                     <a:p>
-                      <a:pPr marL="0" marR="325755" indent="-5715" algn="ctr">
+                      <a:pPr marL="114300" marR="325755" indent="0" algn="ctr">
                         <a:lnSpc>
                           <a:spcPct val="100000"/>
                         </a:lnSpc>
@@ -8117,18 +7116,18 @@
                         </a:spcBef>
                       </a:pPr>
                       <a:r>
-                        <a:rPr lang="en-US" sz="900" spc="0" dirty="0">
+                        <a:rPr lang="de-DE" sz="900" dirty="0">
                           <a:solidFill>
                             <a:srgbClr val="020302"/>
                           </a:solidFill>
                           <a:latin typeface="AdobeClean-Light"/>
                           <a:cs typeface="AdobeClean-Light"/>
                         </a:rPr>
-                        <a:t>      24x7 /</a:t>
+                        <a:t>      24x7/</a:t>
                       </a:r>
                     </a:p>
                     <a:p>
-                      <a:pPr marL="0" marR="325755" indent="-5715" algn="ctr">
+                      <a:pPr marL="114300" marR="325755" indent="0" algn="ctr">
                         <a:lnSpc>
                           <a:spcPct val="100000"/>
                         </a:lnSpc>
@@ -8137,19 +7136,15 @@
                         </a:spcBef>
                       </a:pPr>
                       <a:r>
-                        <a:rPr lang="en-US" sz="900" spc="0" dirty="0">
+                        <a:rPr lang="de-DE" sz="900" dirty="0">
                           <a:solidFill>
                             <a:srgbClr val="020302"/>
                           </a:solidFill>
                           <a:latin typeface="AdobeClean-Light"/>
                           <a:cs typeface="AdobeClean-Light"/>
                         </a:rPr>
-                        <a:t>     1 hour</a:t>
+                        <a:t>1 Stunde</a:t>
                       </a:r>
-                      <a:endParaRPr lang="en-US" sz="900" spc="0" dirty="0">
-                        <a:latin typeface="AdobeClean-Light"/>
-                        <a:cs typeface="AdobeClean-Light"/>
-                      </a:endParaRPr>
                     </a:p>
                   </a:txBody>
                   <a:tcPr marL="0" marR="0" marT="0" marB="0" anchor="ctr">
@@ -8184,7 +7179,7 @@
                     <a:bodyPr/>
                     <a:lstStyle/>
                     <a:p>
-                      <a:pPr marL="0" marR="184785" indent="-194310" algn="ctr">
+                      <a:pPr marL="0" marR="184785" indent="-194310" algn="l" rtl="0">
                         <a:lnSpc>
                           <a:spcPct val="100000"/>
                         </a:lnSpc>
@@ -8236,7 +7231,7 @@
                     <a:bodyPr/>
                     <a:lstStyle/>
                     <a:p>
-                      <a:pPr marL="0" marR="325755" indent="-5715" algn="ctr">
+                      <a:pPr marL="0" marR="325755" indent="-5715" algn="l" rtl="0">
                         <a:lnSpc>
                           <a:spcPct val="100000"/>
                         </a:lnSpc>
@@ -8285,7 +7280,7 @@
                     <a:bodyPr/>
                     <a:lstStyle/>
                     <a:p>
-                      <a:pPr marL="0" marR="259079" indent="111760" algn="ctr">
+                      <a:pPr marL="0" marR="259079" indent="111760" algn="l" rtl="0">
                         <a:lnSpc>
                           <a:spcPct val="100000"/>
                         </a:lnSpc>
@@ -8350,29 +7345,15 @@
                         </a:spcBef>
                       </a:pPr>
                       <a:r>
-                        <a:rPr sz="900" b="1" spc="0" dirty="0">
+                        <a:rPr lang="de-DE" sz="900" b="1" dirty="0">
                           <a:solidFill>
                             <a:srgbClr val="020302"/>
                           </a:solidFill>
                           <a:latin typeface="Adobe Clean"/>
                           <a:cs typeface="Adobe Clean"/>
                         </a:rPr>
-                        <a:t>PRIORITY</a:t>
+                        <a:t>PRIORITÄT 3</a:t>
                       </a:r>
-                      <a:r>
-                        <a:rPr lang="en-US" sz="900" b="1" spc="0" dirty="0">
-                          <a:solidFill>
-                            <a:srgbClr val="020302"/>
-                          </a:solidFill>
-                          <a:latin typeface="Adobe Clean"/>
-                          <a:cs typeface="Adobe Clean"/>
-                        </a:rPr>
-                        <a:t> 3</a:t>
-                      </a:r>
-                      <a:endParaRPr lang="en-US" sz="900" spc="0" dirty="0">
-                        <a:latin typeface="Adobe Clean"/>
-                        <a:cs typeface="Adobe Clean"/>
-                      </a:endParaRPr>
                     </a:p>
                     <a:p>
                       <a:pPr marL="49530" marR="212090" indent="-2540" defTabSz="914400" eaLnBrk="1" fontAlgn="auto" latinLnBrk="0" hangingPunct="1">
@@ -8393,26 +7374,21 @@
                         <a:defRPr/>
                       </a:pPr>
                       <a:r>
-                        <a:rPr kumimoji="0" lang="en-US" sz="900" b="0" i="0" u="none" strike="noStrike" kern="1200" cap="none" spc="0" normalizeH="0" baseline="0" noProof="0" dirty="0">
+                        <a:rPr kumimoji="0" lang="de-DE" sz="875" b="0" i="0" u="none" strike="noStrike" cap="none" normalizeH="0" baseline="0" noProof="0" dirty="0">
                           <a:ln>
                             <a:noFill/>
                           </a:ln>
                           <a:solidFill>
                             <a:srgbClr val="000000"/>
                           </a:solidFill>
-                          <a:effectLst/>
                           <a:uLnTx/>
                           <a:uFillTx/>
                           <a:latin typeface="Adobe Clean Light" panose="020B0303020404020204" pitchFamily="34" charset="0"/>
                           <a:ea typeface="+mn-ea"/>
                           <a:cs typeface="+mn-cs"/>
                         </a:rPr>
-                        <a:t>Customer's business functions have minor service degradation but there exists a solution/workaround allowing business functions to continue normally. </a:t>
+                        <a:t>Die Unternehmensfunktionen des Kunden weisen eine geringfügige Beeinträchtigung des Service auf, es gibt jedoch eine Lösung/Problemumgehung, mit der die Unternehmensfunktionen weiterhin normal genutzt werden können </a:t>
                       </a:r>
-                      <a:endParaRPr lang="en-US" sz="900" b="0" i="0" spc="0" dirty="0">
-                        <a:latin typeface="Adobe Clean Light" panose="020B0303020404020204" pitchFamily="34" charset="0"/>
-                        <a:cs typeface="AdobeClean-Light"/>
-                      </a:endParaRPr>
                     </a:p>
                   </a:txBody>
                   <a:tcPr marL="0" marR="0" marT="0" marB="0" anchor="ctr">
@@ -8462,14 +7438,14 @@
                         </a:tabLst>
                       </a:pPr>
                       <a:r>
-                        <a:rPr lang="en-US" sz="900" spc="0" dirty="0">
+                        <a:rPr lang="de-DE" sz="900" dirty="0">
                           <a:solidFill>
                             <a:srgbClr val="020302"/>
                           </a:solidFill>
                           <a:latin typeface="AdobeClean-Light"/>
                           <a:cs typeface="AdobeClean-Light"/>
                         </a:rPr>
-                        <a:t>Business day /   </a:t>
+                        <a:t>Geschäftstag /   </a:t>
                       </a:r>
                     </a:p>
                     <a:p>
@@ -8482,19 +7458,15 @@
                         </a:spcBef>
                       </a:pPr>
                       <a:r>
-                        <a:rPr lang="en-US" sz="900" spc="0" dirty="0">
+                        <a:rPr lang="de-DE" sz="900" dirty="0">
                           <a:solidFill>
                             <a:srgbClr val="020302"/>
                           </a:solidFill>
                           <a:latin typeface="AdobeClean-Light"/>
                           <a:cs typeface="AdobeClean-Light"/>
                         </a:rPr>
-                        <a:t>4 hours</a:t>
+                        <a:t>4 Stunden</a:t>
                       </a:r>
-                      <a:endParaRPr lang="en-US" sz="900" spc="0" dirty="0">
-                        <a:latin typeface="AdobeClean-Light"/>
-                        <a:cs typeface="AdobeClean-Light"/>
-                      </a:endParaRPr>
                     </a:p>
                   </a:txBody>
                   <a:tcPr marL="0" marR="0" marT="0" marB="0" anchor="ctr">
@@ -8529,7 +7501,7 @@
                     <a:bodyPr/>
                     <a:lstStyle/>
                     <a:p>
-                      <a:pPr marL="0" marR="185420" indent="-193675" algn="ctr">
+                      <a:pPr marL="0" marR="185420" indent="-193675" algn="l" rtl="0">
                         <a:lnSpc>
                           <a:spcPct val="100000"/>
                         </a:lnSpc>
@@ -8581,7 +7553,7 @@
                     <a:bodyPr/>
                     <a:lstStyle/>
                     <a:p>
-                      <a:pPr marL="0" marR="184785" indent="-194310" algn="ctr">
+                      <a:pPr marL="0" marR="184785" indent="-194310" algn="l" rtl="0">
                         <a:lnSpc>
                           <a:spcPct val="100000"/>
                         </a:lnSpc>
@@ -8630,7 +7602,7 @@
                     <a:bodyPr/>
                     <a:lstStyle/>
                     <a:p>
-                      <a:pPr marL="0" marR="326390" indent="-5715" algn="ctr">
+                      <a:pPr marL="0" marR="326390" indent="-5715" algn="l" rtl="0">
                         <a:lnSpc>
                           <a:spcPct val="100000"/>
                         </a:lnSpc>
@@ -8695,19 +7667,15 @@
                         </a:spcBef>
                       </a:pPr>
                       <a:r>
-                        <a:rPr sz="900" b="1" spc="0" dirty="0">
+                        <a:rPr lang="de-DE" sz="900" b="1" dirty="0">
                           <a:solidFill>
                             <a:srgbClr val="020302"/>
                           </a:solidFill>
                           <a:latin typeface="Adobe Clean"/>
                           <a:cs typeface="Adobe Clean"/>
                         </a:rPr>
-                        <a:t>PRIORITY 4</a:t>
+                        <a:t>PRIORITÄT 4</a:t>
                       </a:r>
-                      <a:endParaRPr sz="900" spc="0" dirty="0">
-                        <a:latin typeface="Adobe Clean"/>
-                        <a:cs typeface="Adobe Clean"/>
-                      </a:endParaRPr>
                     </a:p>
                     <a:p>
                       <a:pPr marL="48895" marR="0" indent="0" defTabSz="914400" eaLnBrk="1" fontAlgn="auto" latinLnBrk="0" hangingPunct="1">
@@ -8728,19 +7696,14 @@
                         <a:defRPr/>
                       </a:pPr>
                       <a:r>
-                        <a:rPr lang="en-US" sz="900" b="0" i="0" spc="0" dirty="0">
+                        <a:rPr lang="de-DE" sz="875" b="0" i="0" dirty="0">
                           <a:solidFill>
                             <a:srgbClr val="000000"/>
                           </a:solidFill>
-                          <a:effectLst/>
                           <a:latin typeface="Adobe Clean Light" panose="020B0303020404020204" pitchFamily="34" charset="0"/>
                         </a:rPr>
-                        <a:t>General question regarding current product functionality or an enhancement request.</a:t>
+                        <a:t>Allgemeine Frage zur aktuellen Produktfunktionalität oder Anfrage zu einer Erweiterung.</a:t>
                       </a:r>
-                      <a:endParaRPr sz="900" b="0" i="0" spc="0" dirty="0">
-                        <a:latin typeface="Adobe Clean Light" panose="020B0303020404020204" pitchFamily="34" charset="0"/>
-                        <a:cs typeface="AdobeClean-Light"/>
-                      </a:endParaRPr>
                     </a:p>
                   </a:txBody>
                   <a:tcPr marL="0" marR="0" marT="0" marB="0" anchor="ctr">
@@ -8790,14 +7753,14 @@
                         </a:tabLst>
                       </a:pPr>
                       <a:r>
-                        <a:rPr lang="en-US" sz="900" spc="0" dirty="0">
+                        <a:rPr lang="de-DE" sz="900" dirty="0">
                           <a:solidFill>
                             <a:srgbClr val="020302"/>
                           </a:solidFill>
                           <a:latin typeface="AdobeClean-Light"/>
                           <a:cs typeface="AdobeClean-Light"/>
                         </a:rPr>
-                        <a:t>  Business day /   </a:t>
+                        <a:t>  Geschäftstag/  </a:t>
                       </a:r>
                     </a:p>
                     <a:p>
@@ -8810,19 +7773,15 @@
                         </a:spcBef>
                       </a:pPr>
                       <a:r>
-                        <a:rPr lang="en-US" sz="900" spc="0" dirty="0">
+                        <a:rPr lang="de-DE" sz="900" dirty="0">
                           <a:solidFill>
                             <a:srgbClr val="020302"/>
                           </a:solidFill>
                           <a:latin typeface="AdobeClean-Light"/>
                           <a:cs typeface="AdobeClean-Light"/>
                         </a:rPr>
-                        <a:t>1 day </a:t>
+                        <a:t>1 Tag </a:t>
                       </a:r>
-                      <a:endParaRPr lang="en-US" sz="900" spc="0" dirty="0">
-                        <a:latin typeface="AdobeClean-Light"/>
-                        <a:cs typeface="AdobeClean-Light"/>
-                      </a:endParaRPr>
                     </a:p>
                   </a:txBody>
                   <a:tcPr marL="0" marR="0" marT="0" marB="0" anchor="ctr">
@@ -8857,7 +7816,7 @@
                     <a:bodyPr/>
                     <a:lstStyle/>
                     <a:p>
-                      <a:pPr marL="0" marR="223520" indent="-202565" algn="ctr">
+                      <a:pPr marL="0" marR="223520" indent="-202565" algn="l" rtl="0">
                         <a:lnSpc>
                           <a:spcPct val="100000"/>
                         </a:lnSpc>
@@ -8909,7 +7868,7 @@
                     <a:bodyPr/>
                     <a:lstStyle/>
                     <a:p>
-                      <a:pPr marL="0" marR="223520" indent="-202565" algn="ctr">
+                      <a:pPr marL="0" marR="223520" indent="-202565" algn="l" rtl="0">
                         <a:lnSpc>
                           <a:spcPct val="100000"/>
                         </a:lnSpc>
@@ -8958,7 +7917,7 @@
                     <a:bodyPr/>
                     <a:lstStyle/>
                     <a:p>
-                      <a:pPr marL="0" marR="223520" indent="-202565" algn="ctr">
+                      <a:pPr marL="0" marR="223520" indent="-202565" algn="l" rtl="0">
                         <a:lnSpc>
                           <a:spcPct val="100000"/>
                         </a:lnSpc>
@@ -9100,19 +8059,15 @@
               </a:spcBef>
             </a:pPr>
             <a:r>
-              <a:rPr lang="en-US" sz="1400" b="1" spc="-10" dirty="0">
+              <a:rPr lang="de-DE" sz="1400" b="1">
                 <a:solidFill>
                   <a:srgbClr val="020302"/>
                 </a:solidFill>
                 <a:latin typeface="Adobe Clean"/>
                 <a:cs typeface="Adobe Clean"/>
               </a:rPr>
-              <a:t>Enterprise Support Features</a:t>
+              <a:t>Umfang von Enterprise Support</a:t>
             </a:r>
-            <a:endParaRPr lang="en-US" sz="1400" dirty="0">
-              <a:latin typeface="Adobe Clean"/>
-              <a:cs typeface="Adobe Clean"/>
-            </a:endParaRPr>
           </a:p>
         </p:txBody>
       </p:sp>
@@ -9130,8 +8085,8 @@
         </p:nvSpPr>
         <p:spPr>
           <a:xfrm>
-            <a:off x="2176351" y="4316581"/>
-            <a:ext cx="1036205" cy="197490"/>
+            <a:off x="1068276" y="4468981"/>
+            <a:ext cx="1545078" cy="182101"/>
           </a:xfrm>
           <a:prstGeom prst="rect">
             <a:avLst/>
@@ -9152,149 +8107,15 @@
               </a:spcBef>
             </a:pPr>
             <a:r>
-              <a:rPr sz="1200" b="1" spc="-20" dirty="0">
+              <a:rPr lang="de-DE" sz="1100" b="1" dirty="0">
                 <a:solidFill>
                   <a:srgbClr val="020302"/>
                 </a:solidFill>
                 <a:latin typeface="Adobe Clean"/>
                 <a:cs typeface="Adobe Clean"/>
               </a:rPr>
-              <a:t>S</a:t>
+              <a:t>Service-Prüfungen</a:t>
             </a:r>
-            <a:r>
-              <a:rPr sz="1200" b="1" spc="-25" dirty="0">
-                <a:solidFill>
-                  <a:srgbClr val="020302"/>
-                </a:solidFill>
-                <a:latin typeface="Adobe Clean"/>
-                <a:cs typeface="Adobe Clean"/>
-              </a:rPr>
-              <a:t>e</a:t>
-            </a:r>
-            <a:r>
-              <a:rPr sz="1200" b="1" spc="-20" dirty="0">
-                <a:solidFill>
-                  <a:srgbClr val="020302"/>
-                </a:solidFill>
-                <a:latin typeface="Adobe Clean"/>
-                <a:cs typeface="Adobe Clean"/>
-              </a:rPr>
-              <a:t>r</a:t>
-            </a:r>
-            <a:r>
-              <a:rPr sz="1200" b="1" spc="-25" dirty="0">
-                <a:solidFill>
-                  <a:srgbClr val="020302"/>
-                </a:solidFill>
-                <a:latin typeface="Adobe Clean"/>
-                <a:cs typeface="Adobe Clean"/>
-              </a:rPr>
-              <a:t>v</a:t>
-            </a:r>
-            <a:r>
-              <a:rPr sz="1200" b="1" spc="-20" dirty="0">
-                <a:solidFill>
-                  <a:srgbClr val="020302"/>
-                </a:solidFill>
-                <a:latin typeface="Adobe Clean"/>
-                <a:cs typeface="Adobe Clean"/>
-              </a:rPr>
-              <a:t>i</a:t>
-            </a:r>
-            <a:r>
-              <a:rPr sz="1200" b="1" spc="-30" dirty="0">
-                <a:solidFill>
-                  <a:srgbClr val="020302"/>
-                </a:solidFill>
-                <a:latin typeface="Adobe Clean"/>
-                <a:cs typeface="Adobe Clean"/>
-              </a:rPr>
-              <a:t>c</a:t>
-            </a:r>
-            <a:r>
-              <a:rPr sz="1200" b="1" dirty="0">
-                <a:solidFill>
-                  <a:srgbClr val="020302"/>
-                </a:solidFill>
-                <a:latin typeface="Adobe Clean"/>
-                <a:cs typeface="Adobe Clean"/>
-              </a:rPr>
-              <a:t>e</a:t>
-            </a:r>
-            <a:r>
-              <a:rPr sz="1200" b="1" spc="-80" dirty="0">
-                <a:solidFill>
-                  <a:srgbClr val="020302"/>
-                </a:solidFill>
-                <a:latin typeface="Adobe Clean"/>
-                <a:cs typeface="Adobe Clean"/>
-              </a:rPr>
-              <a:t> </a:t>
-            </a:r>
-            <a:r>
-              <a:rPr sz="1200" b="1" spc="-20" dirty="0">
-                <a:solidFill>
-                  <a:srgbClr val="020302"/>
-                </a:solidFill>
-                <a:latin typeface="Adobe Clean"/>
-                <a:cs typeface="Adobe Clean"/>
-              </a:rPr>
-              <a:t>R</a:t>
-            </a:r>
-            <a:r>
-              <a:rPr sz="1200" b="1" spc="-25" dirty="0">
-                <a:solidFill>
-                  <a:srgbClr val="020302"/>
-                </a:solidFill>
-                <a:latin typeface="Adobe Clean"/>
-                <a:cs typeface="Adobe Clean"/>
-              </a:rPr>
-              <a:t>e</a:t>
-            </a:r>
-            <a:r>
-              <a:rPr sz="1200" b="1" spc="-30" dirty="0">
-                <a:solidFill>
-                  <a:srgbClr val="020302"/>
-                </a:solidFill>
-                <a:latin typeface="Adobe Clean"/>
-                <a:cs typeface="Adobe Clean"/>
-              </a:rPr>
-              <a:t>v</a:t>
-            </a:r>
-            <a:r>
-              <a:rPr sz="1200" b="1" spc="-20" dirty="0">
-                <a:solidFill>
-                  <a:srgbClr val="020302"/>
-                </a:solidFill>
-                <a:latin typeface="Adobe Clean"/>
-                <a:cs typeface="Adobe Clean"/>
-              </a:rPr>
-              <a:t>i</a:t>
-            </a:r>
-            <a:r>
-              <a:rPr sz="1200" b="1" spc="-25" dirty="0">
-                <a:solidFill>
-                  <a:srgbClr val="020302"/>
-                </a:solidFill>
-                <a:latin typeface="Adobe Clean"/>
-                <a:cs typeface="Adobe Clean"/>
-              </a:rPr>
-              <a:t>ew</a:t>
-            </a:r>
-            <a:r>
-              <a:rPr sz="1200" b="1" dirty="0">
-                <a:solidFill>
-                  <a:srgbClr val="020302"/>
-                </a:solidFill>
-                <a:latin typeface="Adobe Clean"/>
-                <a:cs typeface="Adobe Clean"/>
-              </a:rPr>
-              <a:t>s</a:t>
-            </a:r>
-            <a:endParaRPr sz="1200" dirty="0">
-              <a:latin typeface="Adobe Clean"/>
-              <a:cs typeface="Adobe Clean"/>
-            </a:endParaRPr>
           </a:p>
         </p:txBody>
       </p:sp>
@@ -9312,8 +8133,8 @@
         </p:nvSpPr>
         <p:spPr>
           <a:xfrm>
-            <a:off x="1735472" y="4623962"/>
-            <a:ext cx="1985957" cy="782265"/>
+            <a:off x="572477" y="4776362"/>
+            <a:ext cx="3272777" cy="628377"/>
           </a:xfrm>
           <a:prstGeom prst="rect">
             <a:avLst/>
@@ -9334,15 +8155,11 @@
               </a:spcBef>
             </a:pPr>
             <a:r>
-              <a:rPr lang="en-US" sz="1000" dirty="0">
+              <a:rPr lang="de-DE" sz="1000" dirty="0">
                 <a:latin typeface="Adobe Clean Light" panose="020B0303020404020204" pitchFamily="34" charset="0"/>
               </a:rPr>
-              <a:t>Comprehensive bi-annual review of Enterprise program services, benefits and support performance. May be combined with other strategic business reviews held with Adobe.</a:t>
+              <a:t>Eine halbjährliche umfassende Prüfung der Services, Vorteile und Support-Leistungen des Enterprise-Programms. Kann mit anderen in Zusammenarbeit mit Adobe durchgeführten strategischen Unternehmensüberprüfungen kombiniert werden.</a:t>
             </a:r>
-            <a:endParaRPr lang="en-US" sz="1000" dirty="0">
-              <a:latin typeface="Adobe Clean Light" panose="020B0303020404020204" pitchFamily="34" charset="0"/>
-              <a:cs typeface="AdobeClean-Light"/>
-            </a:endParaRPr>
           </a:p>
         </p:txBody>
       </p:sp>
@@ -9361,7 +8178,7 @@
         <p:spPr>
           <a:xfrm>
             <a:off x="5784382" y="2687853"/>
-            <a:ext cx="1036205" cy="197490"/>
+            <a:ext cx="1036205" cy="182101"/>
           </a:xfrm>
           <a:prstGeom prst="rect">
             <a:avLst/>
@@ -9382,99 +8199,15 @@
               </a:spcBef>
             </a:pPr>
             <a:r>
-              <a:rPr lang="en-US" sz="1200" b="1" spc="-20" dirty="0">
+              <a:rPr lang="de-DE" sz="1100" b="1">
                 <a:solidFill>
                   <a:srgbClr val="020302"/>
                 </a:solidFill>
                 <a:latin typeface="Adobe Clean"/>
                 <a:cs typeface="Adobe Clean"/>
               </a:rPr>
-              <a:t>Cas</a:t>
+              <a:t>Fallprüfungen</a:t>
             </a:r>
-            <a:r>
-              <a:rPr sz="1200" b="1" dirty="0">
-                <a:solidFill>
-                  <a:srgbClr val="020302"/>
-                </a:solidFill>
-                <a:latin typeface="Adobe Clean"/>
-                <a:cs typeface="Adobe Clean"/>
-              </a:rPr>
-              <a:t>e</a:t>
-            </a:r>
-            <a:r>
-              <a:rPr sz="1200" b="1" spc="-80" dirty="0">
-                <a:solidFill>
-                  <a:srgbClr val="020302"/>
-                </a:solidFill>
-                <a:latin typeface="Adobe Clean"/>
-                <a:cs typeface="Adobe Clean"/>
-              </a:rPr>
-              <a:t> </a:t>
-            </a:r>
-            <a:r>
-              <a:rPr sz="1200" b="1" spc="-20" dirty="0">
-                <a:solidFill>
-                  <a:srgbClr val="020302"/>
-                </a:solidFill>
-                <a:latin typeface="Adobe Clean"/>
-                <a:cs typeface="Adobe Clean"/>
-              </a:rPr>
-              <a:t>R</a:t>
-            </a:r>
-            <a:r>
-              <a:rPr sz="1200" b="1" spc="-25" dirty="0">
-                <a:solidFill>
-                  <a:srgbClr val="020302"/>
-                </a:solidFill>
-                <a:latin typeface="Adobe Clean"/>
-                <a:cs typeface="Adobe Clean"/>
-              </a:rPr>
-              <a:t>e</a:t>
-            </a:r>
-            <a:r>
-              <a:rPr sz="1200" b="1" spc="-30" dirty="0">
-                <a:solidFill>
-                  <a:srgbClr val="020302"/>
-                </a:solidFill>
-                <a:latin typeface="Adobe Clean"/>
-                <a:cs typeface="Adobe Clean"/>
-              </a:rPr>
-              <a:t>v</a:t>
-            </a:r>
-            <a:r>
-              <a:rPr sz="1200" b="1" spc="-20" dirty="0">
-                <a:solidFill>
-                  <a:srgbClr val="020302"/>
-                </a:solidFill>
-                <a:latin typeface="Adobe Clean"/>
-                <a:cs typeface="Adobe Clean"/>
-              </a:rPr>
-              <a:t>i</a:t>
-            </a:r>
-            <a:r>
-              <a:rPr sz="1200" b="1" spc="-25" dirty="0">
-                <a:solidFill>
-                  <a:srgbClr val="020302"/>
-                </a:solidFill>
-                <a:latin typeface="Adobe Clean"/>
-                <a:cs typeface="Adobe Clean"/>
-              </a:rPr>
-              <a:t>ew</a:t>
-            </a:r>
-            <a:r>
-              <a:rPr sz="1200" b="1" dirty="0">
-                <a:solidFill>
-                  <a:srgbClr val="020302"/>
-                </a:solidFill>
-                <a:latin typeface="Adobe Clean"/>
-                <a:cs typeface="Adobe Clean"/>
-              </a:rPr>
-              <a:t>s</a:t>
-            </a:r>
-            <a:endParaRPr sz="1200" dirty="0">
-              <a:latin typeface="Adobe Clean"/>
-              <a:cs typeface="Adobe Clean"/>
-            </a:endParaRPr>
           </a:p>
         </p:txBody>
       </p:sp>
@@ -9493,7 +8226,7 @@
         <p:spPr>
           <a:xfrm>
             <a:off x="5356260" y="3033091"/>
-            <a:ext cx="2231236" cy="782265"/>
+            <a:ext cx="2051550" cy="1090042"/>
           </a:xfrm>
           <a:prstGeom prst="rect">
             <a:avLst/>
@@ -9514,13 +8247,13 @@
               </a:spcBef>
             </a:pPr>
             <a:r>
-              <a:rPr lang="en-US" sz="1000" dirty="0">
+              <a:rPr lang="de-DE" sz="1000" dirty="0">
                 <a:latin typeface="Adobe Clean Light" panose="020B0303020404020204" pitchFamily="34" charset="0"/>
               </a:rPr>
-              <a:t>Regularly scheduled reviews of open support requests, ensuring customer alignment on case description, business impact, status, priority and agreement on next steps required to ensure a timely resolution</a:t>
+              <a:t>Fortlaufende planmäßige Prüfung offener Support-Anfragen, um sicherzustellen, dass Kunden über Fallbeschreibung, geschäftliche Auswirkungen, Status, Priorität und die nächsten Schritte für eine zeitnahe Lösung auf dem Laufenden sind</a:t>
             </a:r>
             <a:r>
-              <a:rPr lang="en-US" sz="1000" dirty="0">
+              <a:rPr lang="de-DE" sz="1000" dirty="0">
                 <a:solidFill>
                   <a:srgbClr val="4B4B4B"/>
                 </a:solidFill>
@@ -9528,10 +8261,6 @@
               </a:rPr>
               <a:t>.</a:t>
             </a:r>
-            <a:endParaRPr sz="1000" dirty="0">
-              <a:latin typeface="Adobe Clean Light" panose="020B0303020404020204" pitchFamily="34" charset="0"/>
-              <a:cs typeface="AdobeClean-Light"/>
-            </a:endParaRPr>
           </a:p>
         </p:txBody>
       </p:sp>
@@ -9677,7 +8406,7 @@
         <p:spPr>
           <a:xfrm>
             <a:off x="449714" y="6221752"/>
-            <a:ext cx="1957022" cy="45719"/>
+            <a:ext cx="2606040" cy="45719"/>
           </a:xfrm>
           <a:custGeom>
             <a:avLst/>
@@ -9746,19 +8475,15 @@
               </a:spcBef>
             </a:pPr>
             <a:r>
-              <a:rPr lang="en-US" sz="1400" b="1" spc="-10" dirty="0">
+              <a:rPr lang="de-DE" sz="1400" b="1">
                 <a:solidFill>
                   <a:srgbClr val="020302"/>
                 </a:solidFill>
                 <a:latin typeface="Adobe Clean"/>
                 <a:cs typeface="Adobe Clean"/>
               </a:rPr>
-              <a:t>Standard Support Features</a:t>
+              <a:t>Standardfunktionen des Supports</a:t>
             </a:r>
-            <a:endParaRPr lang="en-US" sz="1400" dirty="0">
-              <a:latin typeface="Adobe Clean"/>
-              <a:cs typeface="Adobe Clean"/>
-            </a:endParaRPr>
           </a:p>
         </p:txBody>
       </p:sp>
@@ -9811,7 +8536,7 @@
         </p:nvSpPr>
         <p:spPr>
           <a:xfrm rot="5400000" flipH="1">
-            <a:off x="3826797" y="-427438"/>
+            <a:off x="3826797" y="-351238"/>
             <a:ext cx="45719" cy="5577840"/>
           </a:xfrm>
           <a:custGeom>
@@ -9866,7 +8591,7 @@
         </p:nvSpPr>
         <p:spPr>
           <a:xfrm rot="5400000" flipH="1">
-            <a:off x="3874957" y="1206183"/>
+            <a:off x="3874957" y="1434783"/>
             <a:ext cx="45719" cy="5577840"/>
           </a:xfrm>
           <a:custGeom>
@@ -9921,8 +8646,8 @@
         </p:nvSpPr>
         <p:spPr>
           <a:xfrm>
-            <a:off x="4475200" y="4313460"/>
-            <a:ext cx="1827285" cy="197490"/>
+            <a:off x="4599025" y="4465860"/>
+            <a:ext cx="2687600" cy="182101"/>
           </a:xfrm>
           <a:prstGeom prst="rect">
             <a:avLst/>
@@ -9943,18 +8668,15 @@
               </a:spcBef>
             </a:pPr>
             <a:r>
-              <a:rPr lang="en-US" sz="1200" b="1" spc="-20">
+              <a:rPr lang="de-DE" sz="1100" b="1" dirty="0">
                 <a:solidFill>
                   <a:srgbClr val="020302"/>
                 </a:solidFill>
                 <a:latin typeface="Adobe Clean"/>
                 <a:cs typeface="Adobe Clean"/>
               </a:rPr>
-              <a:t>In-Region Support Option</a:t>
+              <a:t>Option zum Support innerhalb der Region</a:t>
             </a:r>
-            <a:endParaRPr lang="en-US" sz="1200">
-              <a:latin typeface="Adobe Clean"/>
-            </a:endParaRPr>
           </a:p>
         </p:txBody>
       </p:sp>
@@ -9972,8 +8694,8 @@
         </p:nvSpPr>
         <p:spPr>
           <a:xfrm>
-            <a:off x="4083049" y="4621777"/>
-            <a:ext cx="2151796" cy="628377"/>
+            <a:off x="4206873" y="4774177"/>
+            <a:ext cx="3079752" cy="474489"/>
           </a:xfrm>
           <a:prstGeom prst="rect">
             <a:avLst/>
@@ -9994,10 +8716,32 @@
               </a:spcBef>
             </a:pPr>
             <a:r>
-              <a:rPr lang="en-US" sz="1000" dirty="0">
+              <a:rPr lang="de-DE" sz="1000" dirty="0">
                 <a:latin typeface="Adobe Clean Light" panose="020B0303020404020204" pitchFamily="34" charset="0"/>
               </a:rPr>
-              <a:t>Receive support from members of our Adobe Support Team located within your global region. This may include in-country and/or in-language support. </a:t>
+              <a:t>Unterstützung von Mitgliedern des Adobe-Supportteams, </a:t>
+            </a:r>
+            <a:br>
+              <a:rPr lang="de-DE" sz="1000" dirty="0">
+                <a:latin typeface="Adobe Clean Light" panose="020B0303020404020204" pitchFamily="34" charset="0"/>
+              </a:rPr>
+            </a:br>
+            <a:r>
+              <a:rPr lang="de-DE" sz="1000" dirty="0">
+                <a:latin typeface="Adobe Clean Light" panose="020B0303020404020204" pitchFamily="34" charset="0"/>
+              </a:rPr>
+              <a:t>die in Ihrer Region ansässig sind. Dies kann Unterstützung </a:t>
+            </a:r>
+            <a:br>
+              <a:rPr lang="de-DE" sz="1000" dirty="0">
+                <a:latin typeface="Adobe Clean Light" panose="020B0303020404020204" pitchFamily="34" charset="0"/>
+              </a:rPr>
+            </a:br>
+            <a:r>
+              <a:rPr lang="de-DE" sz="1000" dirty="0">
+                <a:latin typeface="Adobe Clean Light" panose="020B0303020404020204" pitchFamily="34" charset="0"/>
+              </a:rPr>
+              <a:t>im Land und/oder in der Landessprache beinhalten. </a:t>
             </a:r>
           </a:p>
         </p:txBody>
@@ -10016,7 +8760,7 @@
         </p:nvSpPr>
         <p:spPr>
           <a:xfrm rot="5400000" flipH="1">
-            <a:off x="3826796" y="5392496"/>
+            <a:off x="3826796" y="5278196"/>
             <a:ext cx="45719" cy="5577840"/>
           </a:xfrm>
           <a:custGeom>
@@ -10073,8 +8817,8 @@
         </p:nvSpPr>
         <p:spPr>
           <a:xfrm>
-            <a:off x="832813" y="6847686"/>
-            <a:ext cx="1326203" cy="184666"/>
+            <a:off x="832813" y="6542886"/>
+            <a:ext cx="1326203" cy="169277"/>
           </a:xfrm>
           <a:prstGeom prst="rect">
             <a:avLst/>
@@ -10095,12 +8839,12 @@
               </a:spcAft>
             </a:pPr>
             <a:r>
-              <a:rPr lang="en-US" sz="1200" b="1" dirty="0">
+              <a:rPr lang="de-DE" sz="1100" b="1" dirty="0">
                 <a:latin typeface="Adobe Clean" panose="020B0503020404020204" pitchFamily="34" charset="0"/>
                 <a:ea typeface="Open Sans" pitchFamily="34" charset="0"/>
                 <a:cs typeface="Open Sans" pitchFamily="34" charset="0"/>
               </a:rPr>
-              <a:t>Community Forums</a:t>
+              <a:t>Community-Foren</a:t>
             </a:r>
           </a:p>
         </p:txBody>
@@ -10119,8 +8863,8 @@
         </p:nvSpPr>
         <p:spPr>
           <a:xfrm>
-            <a:off x="405282" y="7089855"/>
-            <a:ext cx="2148840" cy="959237"/>
+            <a:off x="405282" y="6785055"/>
+            <a:ext cx="2243492" cy="959237"/>
           </a:xfrm>
           <a:prstGeom prst="rect">
             <a:avLst/>
@@ -10133,13 +8877,30 @@
           <a:lstStyle/>
           <a:p>
             <a:r>
-              <a:rPr lang="en-US" sz="1000" dirty="0">
+              <a:rPr lang="de-DE" sz="1000" dirty="0">
                 <a:solidFill>
                   <a:srgbClr val="000000"/>
                 </a:solidFill>
                 <a:latin typeface="Adobe Clean Light" panose="020B0303020404020204" pitchFamily="34" charset="0"/>
               </a:rPr>
-              <a:t>Continuous online access to a growing database of technical solutions, product documentation, FAQs and more. Connect with other customers on Adobe Community to share best practices and lessons learned..</a:t>
+              <a:t>Kontinuierlicher Online-Zugriff auf eine wachsende Datenbank technischer Lösungen, Produktdokumentationen, FAQs und mehr. Tauschen Sie sich mit anderen Kunden in der Adobe-Community über </a:t>
+            </a:r>
+            <a:br>
+              <a:rPr lang="de-DE" sz="1000" dirty="0">
+                <a:solidFill>
+                  <a:srgbClr val="000000"/>
+                </a:solidFill>
+                <a:latin typeface="Adobe Clean Light" panose="020B0303020404020204" pitchFamily="34" charset="0"/>
+              </a:rPr>
+            </a:br>
+            <a:r>
+              <a:rPr lang="de-DE" sz="1000" dirty="0">
+                <a:solidFill>
+                  <a:srgbClr val="000000"/>
+                </a:solidFill>
+                <a:latin typeface="Adobe Clean Light" panose="020B0303020404020204" pitchFamily="34" charset="0"/>
+              </a:rPr>
+              <a:t>Best Practices und Erfahrungen aus.</a:t>
             </a:r>
           </a:p>
         </p:txBody>
@@ -10160,8 +8921,8 @@
         </p:nvSpPr>
         <p:spPr>
           <a:xfrm>
-            <a:off x="3339528" y="6846032"/>
-            <a:ext cx="1013098" cy="184666"/>
+            <a:off x="3339528" y="6541232"/>
+            <a:ext cx="1056379" cy="169277"/>
           </a:xfrm>
           <a:prstGeom prst="rect">
             <a:avLst/>
@@ -10182,12 +8943,12 @@
               </a:spcAft>
             </a:pPr>
             <a:r>
-              <a:rPr lang="en-US" sz="1200" b="1" dirty="0">
+              <a:rPr lang="de-DE" sz="1100" b="1">
                 <a:latin typeface="Adobe Clean" panose="020B0503020404020204" pitchFamily="34" charset="0"/>
                 <a:ea typeface="Open Sans" pitchFamily="34" charset="0"/>
                 <a:cs typeface="Open Sans" pitchFamily="34" charset="0"/>
               </a:rPr>
-              <a:t>Self-Help Portal</a:t>
+              <a:t>Selbsthilfe-Portal</a:t>
             </a:r>
           </a:p>
         </p:txBody>
@@ -10206,8 +8967,8 @@
         </p:nvSpPr>
         <p:spPr>
           <a:xfrm>
-            <a:off x="2894025" y="7079726"/>
-            <a:ext cx="2148840" cy="805349"/>
+            <a:off x="2894025" y="6774926"/>
+            <a:ext cx="2236774" cy="959237"/>
           </a:xfrm>
           <a:prstGeom prst="rect">
             <a:avLst/>
@@ -10220,13 +8981,13 @@
           <a:lstStyle/>
           <a:p>
             <a:r>
-              <a:rPr lang="en-US" sz="1000" dirty="0">
+              <a:rPr lang="de-DE" sz="1000" dirty="0">
                 <a:solidFill>
                   <a:srgbClr val="000000"/>
                 </a:solidFill>
                 <a:latin typeface="Adobe Clean Light" panose="020B0303020404020204" pitchFamily="34" charset="0"/>
               </a:rPr>
-              <a:t>On-demand access to the online Self-help Support Portal review case status, and browse other resources, like our  news and alerts, knowledge base, featured tips, and more.</a:t>
+              <a:t>On-Demand-Zugriff auf das Online-Selbsthilfe-Support-Portal, um den Fallstatus zu überprüfen und andere Ressourcen zu durchsuchen, z. B. unsere Neuigkeiten und Hinweise, Wissensdatenbank, spezielle Tipps und mehr.</a:t>
             </a:r>
           </a:p>
         </p:txBody>
@@ -10245,8 +9006,8 @@
         </p:nvSpPr>
         <p:spPr>
           <a:xfrm>
-            <a:off x="5382768" y="7055179"/>
-            <a:ext cx="2148840" cy="641201"/>
+            <a:off x="5382768" y="6750379"/>
+            <a:ext cx="2236774" cy="948978"/>
           </a:xfrm>
           <a:prstGeom prst="rect">
             <a:avLst/>
@@ -10270,104 +9031,14 @@
               </a:tabLst>
             </a:pPr>
             <a:r>
-              <a:rPr lang="en-US" sz="1000" spc="-20" dirty="0">
+              <a:rPr lang="de-DE" sz="1000" dirty="0">
                 <a:solidFill>
                   <a:srgbClr val="020302"/>
                 </a:solidFill>
                 <a:latin typeface="AdobeClean-Light"/>
                 <a:cs typeface="AdobeClean-Light"/>
               </a:rPr>
-              <a:t>Authorized Users (Admins) can start a chat session with Adobe Support </a:t>
-            </a:r>
-            <a:r>
-              <a:rPr lang="en-US" sz="1000" spc="-5" dirty="0">
-                <a:solidFill>
-                  <a:srgbClr val="020302"/>
-                </a:solidFill>
-                <a:latin typeface="AdobeClean-Light"/>
-                <a:cs typeface="AdobeClean-Light"/>
-              </a:rPr>
-              <a:t>to </a:t>
-            </a:r>
-            <a:r>
-              <a:rPr lang="en-US" sz="1000" spc="-10" dirty="0">
-                <a:solidFill>
-                  <a:srgbClr val="020302"/>
-                </a:solidFill>
-                <a:latin typeface="AdobeClean-Light"/>
-                <a:cs typeface="AdobeClean-Light"/>
-              </a:rPr>
-              <a:t>get </a:t>
-            </a:r>
-            <a:r>
-              <a:rPr lang="en-US" sz="1000" spc="-20" dirty="0">
-                <a:solidFill>
-                  <a:srgbClr val="020302"/>
-                </a:solidFill>
-                <a:latin typeface="AdobeClean-Light"/>
-                <a:cs typeface="AdobeClean-Light"/>
-              </a:rPr>
-              <a:t>answers</a:t>
-            </a:r>
-            <a:r>
-              <a:rPr lang="en-US" sz="1000" spc="-45" dirty="0">
-                <a:solidFill>
-                  <a:srgbClr val="020302"/>
-                </a:solidFill>
-                <a:latin typeface="AdobeClean-Light"/>
-                <a:cs typeface="AdobeClean-Light"/>
-              </a:rPr>
-              <a:t> and </a:t>
-            </a:r>
-            <a:r>
-              <a:rPr lang="en-US" sz="1000" spc="-15" dirty="0">
-                <a:solidFill>
-                  <a:srgbClr val="020302"/>
-                </a:solidFill>
-                <a:latin typeface="AdobeClean-Light"/>
-                <a:cs typeface="AdobeClean-Light"/>
-              </a:rPr>
-              <a:t>help </a:t>
-            </a:r>
-            <a:r>
-              <a:rPr lang="en-US" sz="1000" spc="-10" dirty="0">
-                <a:solidFill>
-                  <a:srgbClr val="020302"/>
-                </a:solidFill>
-                <a:latin typeface="AdobeClean-Light"/>
-                <a:cs typeface="AdobeClean-Light"/>
-              </a:rPr>
-              <a:t>with</a:t>
-            </a:r>
-            <a:r>
-              <a:rPr lang="en-US" sz="1000" spc="85" dirty="0">
-                <a:solidFill>
-                  <a:srgbClr val="020302"/>
-                </a:solidFill>
-                <a:latin typeface="AdobeClean-Light"/>
-                <a:cs typeface="AdobeClean-Light"/>
-              </a:rPr>
-              <a:t> </a:t>
-            </a:r>
-            <a:r>
-              <a:rPr lang="en-US" sz="1000" spc="-10" dirty="0">
-                <a:solidFill>
-                  <a:srgbClr val="020302"/>
-                </a:solidFill>
-                <a:latin typeface="AdobeClean-Light"/>
-                <a:cs typeface="AdobeClean-Light"/>
-              </a:rPr>
-              <a:t>case </a:t>
-            </a:r>
-            <a:r>
-              <a:rPr lang="en-US" sz="1000" spc="-20" dirty="0">
-                <a:solidFill>
-                  <a:srgbClr val="020302"/>
-                </a:solidFill>
-                <a:latin typeface="AdobeClean-Light"/>
-                <a:cs typeface="AdobeClean-Light"/>
-              </a:rPr>
-              <a:t>submission.</a:t>
+              <a:t>Autorisierte Benutzer (Administratoren) können eine Chat-Sitzung mit dem Adobe-Support beginnen, um Antworten und Hilfe bei der Einreichung von Fällen zu erhalten.</a:t>
             </a:r>
           </a:p>
           <a:p>
@@ -10383,19 +9054,15 @@
               </a:tabLst>
             </a:pPr>
             <a:r>
-              <a:rPr lang="en-US" sz="1000" i="1" spc="-10" dirty="0">
+              <a:rPr lang="de-DE" sz="1000" i="1" dirty="0">
                 <a:solidFill>
                   <a:srgbClr val="7A7A7A"/>
                 </a:solidFill>
                 <a:latin typeface="AdobeClean-LightIt"/>
                 <a:cs typeface="AdobeClean-LightIt"/>
               </a:rPr>
-              <a:t>Subject to local hours</a:t>
+              <a:t>Je nach lokalen Öffnungszeiten</a:t>
             </a:r>
-            <a:endParaRPr lang="en-US" sz="1000" dirty="0">
-              <a:latin typeface="AdobeClean-Light"/>
-              <a:cs typeface="AdobeClean-Light"/>
-            </a:endParaRPr>
           </a:p>
         </p:txBody>
       </p:sp>
@@ -10415,8 +9082,8 @@
         </p:nvSpPr>
         <p:spPr>
           <a:xfrm>
-            <a:off x="5897720" y="6833800"/>
-            <a:ext cx="841577" cy="184666"/>
+            <a:off x="5897720" y="6529000"/>
+            <a:ext cx="822341" cy="169277"/>
           </a:xfrm>
           <a:prstGeom prst="rect">
             <a:avLst/>
@@ -10437,12 +9104,12 @@
               </a:spcAft>
             </a:pPr>
             <a:r>
-              <a:rPr lang="en-US" sz="1200" b="1" dirty="0">
+              <a:rPr lang="de-DE" sz="1100" b="1">
                 <a:latin typeface="Adobe Clean" panose="020B0503020404020204" pitchFamily="34" charset="0"/>
                 <a:ea typeface="Open Sans" pitchFamily="34" charset="0"/>
                 <a:cs typeface="Open Sans" pitchFamily="34" charset="0"/>
               </a:rPr>
-              <a:t>Chat Support</a:t>
+              <a:t>Chat-Support</a:t>
             </a:r>
           </a:p>
         </p:txBody>
@@ -10463,8 +9130,8 @@
         </p:nvSpPr>
         <p:spPr>
           <a:xfrm>
-            <a:off x="2217123" y="8586959"/>
-            <a:ext cx="963405" cy="184666"/>
+            <a:off x="2179023" y="8459959"/>
+            <a:ext cx="1346522" cy="169277"/>
           </a:xfrm>
           <a:prstGeom prst="rect">
             <a:avLst/>
@@ -10485,12 +9152,12 @@
               </a:spcAft>
             </a:pPr>
             <a:r>
-              <a:rPr lang="en-US" sz="1200" b="1" dirty="0">
+              <a:rPr lang="de-DE" sz="1100" b="1" dirty="0">
                 <a:latin typeface="Adobe Clean" panose="020B0503020404020204" pitchFamily="34" charset="0"/>
                 <a:ea typeface="Open Sans" pitchFamily="34" charset="0"/>
                 <a:cs typeface="Open Sans" pitchFamily="34" charset="0"/>
               </a:rPr>
-              <a:t>Phone Support</a:t>
+              <a:t>Telefonischer Support</a:t>
             </a:r>
           </a:p>
         </p:txBody>
@@ -10509,8 +9176,8 @@
         </p:nvSpPr>
         <p:spPr>
           <a:xfrm>
-            <a:off x="1899187" y="8834114"/>
-            <a:ext cx="2023834" cy="651460"/>
+            <a:off x="1830184" y="8707114"/>
+            <a:ext cx="2092837" cy="805349"/>
           </a:xfrm>
           <a:prstGeom prst="rect">
             <a:avLst/>
@@ -10523,116 +9190,42 @@
           <a:lstStyle/>
           <a:p>
             <a:r>
-              <a:rPr lang="en-US" sz="1000" dirty="0">
+              <a:rPr lang="de-DE" sz="1000" dirty="0">
                 <a:solidFill>
                   <a:srgbClr val="020302"/>
                 </a:solidFill>
                 <a:latin typeface="AdobeClean-Light"/>
               </a:rPr>
-              <a:t>Authorized Users (Admins) </a:t>
+              <a:t>Autorisierte Benutzer (Administratoren) </a:t>
             </a:r>
             <a:r>
-              <a:rPr lang="en-US" sz="1000" dirty="0">
+              <a:rPr lang="de-DE" sz="1000" dirty="0">
                 <a:latin typeface="Adobe Clean Light"/>
               </a:rPr>
-              <a:t>can call Adobe Support via phone </a:t>
+              <a:t>können den Adobe-Support telefonisch kontaktieren, </a:t>
             </a:r>
             <a:r>
-              <a:rPr lang="en-US" sz="1000" spc="-5" dirty="0">
+              <a:rPr lang="de-DE" sz="1000" dirty="0">
                 <a:solidFill>
                   <a:srgbClr val="020302"/>
                 </a:solidFill>
                 <a:latin typeface="AdobeClean-Light"/>
                 <a:cs typeface="AdobeClean-Light"/>
               </a:rPr>
-              <a:t>to </a:t>
-            </a:r>
-            <a:r>
-              <a:rPr lang="en-US" sz="1000" spc="-10" dirty="0">
-                <a:solidFill>
-                  <a:srgbClr val="020302"/>
-                </a:solidFill>
-                <a:latin typeface="AdobeClean-Light"/>
-                <a:cs typeface="AdobeClean-Light"/>
-              </a:rPr>
-              <a:t>get </a:t>
-            </a:r>
-            <a:r>
-              <a:rPr lang="en-US" sz="1000" spc="-20" dirty="0">
-                <a:solidFill>
-                  <a:srgbClr val="020302"/>
-                </a:solidFill>
-                <a:latin typeface="AdobeClean-Light"/>
-                <a:cs typeface="AdobeClean-Light"/>
-              </a:rPr>
-              <a:t>answers</a:t>
-            </a:r>
-            <a:r>
-              <a:rPr lang="en-US" sz="1000" spc="-45" dirty="0">
-                <a:solidFill>
-                  <a:srgbClr val="020302"/>
-                </a:solidFill>
-                <a:latin typeface="AdobeClean-Light"/>
-                <a:cs typeface="AdobeClean-Light"/>
-              </a:rPr>
-              <a:t> and</a:t>
-            </a:r>
-            <a:r>
-              <a:rPr lang="en-US" sz="1000" dirty="0">
-                <a:solidFill>
-                  <a:srgbClr val="020302"/>
-                </a:solidFill>
-                <a:latin typeface="AdobeClean-Light"/>
-                <a:cs typeface="AdobeClean-Light"/>
-              </a:rPr>
-              <a:t> </a:t>
-            </a:r>
-            <a:r>
-              <a:rPr lang="en-US" sz="1000" spc="-15" dirty="0">
-                <a:solidFill>
-                  <a:srgbClr val="020302"/>
-                </a:solidFill>
-                <a:latin typeface="AdobeClean-Light"/>
-                <a:cs typeface="AdobeClean-Light"/>
-              </a:rPr>
-              <a:t>help </a:t>
-            </a:r>
-            <a:r>
-              <a:rPr lang="en-US" sz="1000" spc="-10" dirty="0">
-                <a:solidFill>
-                  <a:srgbClr val="020302"/>
-                </a:solidFill>
-                <a:latin typeface="AdobeClean-Light"/>
-                <a:cs typeface="AdobeClean-Light"/>
-              </a:rPr>
-              <a:t>with case </a:t>
-            </a:r>
-            <a:r>
-              <a:rPr lang="en-US" sz="1000" spc="-20" dirty="0">
-                <a:solidFill>
-                  <a:srgbClr val="020302"/>
-                </a:solidFill>
-                <a:latin typeface="AdobeClean-Light"/>
-                <a:cs typeface="AdobeClean-Light"/>
-              </a:rPr>
-              <a:t>submission.</a:t>
+              <a:t>um Antworten und Hilfe bei der Einreichung von Fällen zu erhalten.</a:t>
             </a:r>
           </a:p>
           <a:p>
             <a:r>
-              <a:rPr lang="en-US" sz="1000" i="1" spc="-10" dirty="0">
+              <a:rPr lang="de-DE" sz="1000" i="1" dirty="0">
                 <a:solidFill>
                   <a:srgbClr val="7A7A7A"/>
                 </a:solidFill>
                 <a:latin typeface="Adobe Clean Light" panose="020B0303020404020204" pitchFamily="34" charset="0"/>
                 <a:cs typeface="AdobeClean-LightIt"/>
               </a:rPr>
-              <a:t>Subject to local hours</a:t>
+              <a:t>Je nach lokalen Öffnungszeiten</a:t>
             </a:r>
-            <a:endParaRPr lang="en-US" sz="1000" i="1" dirty="0">
-              <a:latin typeface="Adobe Clean Light" panose="020B0303020404020204" pitchFamily="34" charset="0"/>
-              <a:cs typeface="AdobeClean-Light"/>
-            </a:endParaRPr>
           </a:p>
         </p:txBody>
       </p:sp>
@@ -10652,8 +9245,8 @@
         </p:nvSpPr>
         <p:spPr>
           <a:xfrm>
-            <a:off x="4681454" y="8581869"/>
-            <a:ext cx="1402628" cy="184666"/>
+            <a:off x="4681454" y="8454869"/>
+            <a:ext cx="1894749" cy="169277"/>
           </a:xfrm>
           <a:prstGeom prst="rect">
             <a:avLst/>
@@ -10674,12 +9267,12 @@
               </a:spcAft>
             </a:pPr>
             <a:r>
-              <a:rPr lang="en-US" sz="1200" b="1" dirty="0">
+              <a:rPr lang="de-DE" sz="1100" b="1">
                 <a:latin typeface="Adobe Clean" panose="020B0503020404020204" pitchFamily="34" charset="0"/>
                 <a:ea typeface="Open Sans" pitchFamily="34" charset="0"/>
                 <a:cs typeface="Open Sans" pitchFamily="34" charset="0"/>
               </a:rPr>
-              <a:t>Web Case Submission</a:t>
+              <a:t>Fallübermittlung über das Web</a:t>
             </a:r>
           </a:p>
         </p:txBody>
@@ -10698,8 +9291,8 @@
         </p:nvSpPr>
         <p:spPr>
           <a:xfrm>
-            <a:off x="4170025" y="8834114"/>
-            <a:ext cx="2148840" cy="707886"/>
+            <a:off x="4170024" y="8707114"/>
+            <a:ext cx="2468552" cy="707886"/>
           </a:xfrm>
           <a:prstGeom prst="rect">
             <a:avLst/>
@@ -10712,26 +9305,20 @@
           <a:lstStyle/>
           <a:p>
             <a:r>
-              <a:rPr lang="en-US" sz="1000" dirty="0">
+              <a:rPr lang="de-DE" sz="1000" dirty="0">
                 <a:solidFill>
                   <a:srgbClr val="020302"/>
                 </a:solidFill>
                 <a:latin typeface="AdobeClean-Light"/>
               </a:rPr>
-              <a:t>Authorized Users (Admins) </a:t>
+              <a:t>Autorisierte Benutzer (Administratoren) </a:t>
             </a:r>
             <a:r>
-              <a:rPr lang="en-US" sz="1000" dirty="0">
+              <a:rPr lang="de-DE" sz="1000" dirty="0">
                 <a:latin typeface="Adobe Clean Light"/>
               </a:rPr>
-              <a:t>can submit unlimited web cases at any time for support issues for review by our technical support team.</a:t>
+              <a:t>können jederzeit eine unbegrenzte Anzahl von Web-Fällen zur Überprüfung durch unser technisches Support-Team einreichen.</a:t>
             </a:r>
-            <a:endParaRPr lang="en-US" sz="1000" dirty="0">
-              <a:solidFill>
-                <a:srgbClr val="000000"/>
-              </a:solidFill>
-              <a:latin typeface="Adobe Clean Light"/>
-            </a:endParaRPr>
           </a:p>
         </p:txBody>
       </p:sp>
@@ -10766,7 +9353,7 @@
         </p:blipFill>
         <p:spPr>
           <a:xfrm>
-            <a:off x="4224178" y="8528378"/>
+            <a:off x="4224178" y="8401378"/>
             <a:ext cx="365760" cy="365760"/>
           </a:xfrm>
           <a:prstGeom prst="rect">
@@ -10805,7 +9392,7 @@
         </p:blipFill>
         <p:spPr>
           <a:xfrm>
-            <a:off x="1830184" y="8464859"/>
+            <a:off x="1792084" y="8337859"/>
             <a:ext cx="365760" cy="365760"/>
           </a:xfrm>
           <a:prstGeom prst="rect">
@@ -10844,7 +9431,7 @@
         </p:blipFill>
         <p:spPr>
           <a:xfrm>
-            <a:off x="5452988" y="6683894"/>
+            <a:off x="5452988" y="6379094"/>
             <a:ext cx="365760" cy="365760"/>
           </a:xfrm>
           <a:prstGeom prst="rect">
@@ -10883,7 +9470,7 @@
         </p:blipFill>
         <p:spPr>
           <a:xfrm>
-            <a:off x="401994" y="6739863"/>
+            <a:off x="401994" y="6435063"/>
             <a:ext cx="365760" cy="365760"/>
           </a:xfrm>
           <a:prstGeom prst="rect">
@@ -10922,7 +9509,7 @@
         </p:blipFill>
         <p:spPr>
           <a:xfrm>
-            <a:off x="2889755" y="6739863"/>
+            <a:off x="2889755" y="6435063"/>
             <a:ext cx="365760" cy="365760"/>
           </a:xfrm>
           <a:prstGeom prst="rect">
@@ -10964,10 +9551,10 @@
               <a:defRPr/>
             </a:pPr>
             <a:r>
-              <a:rPr lang="en-US" sz="1000" dirty="0">
+              <a:rPr lang="de-DE" sz="1000" dirty="0">
                 <a:latin typeface="Adobe Clean Light" panose="020B0303020404020204" pitchFamily="34" charset="0"/>
               </a:rPr>
-              <a:t>A designated Support Engineer who becomes familiar with your solution environment and business goals. The NSE is an experienced support engineer that helps coordinate your Enterprise Support experience.</a:t>
+              <a:t>Ein spezifischer Support-Mitarbeiter, der sich mit Ihrer Lösungsumgebung und Ihren Unternehmenszielen vertraut macht. Der spezifische Support-Mitarbeiter ist ein erfahrener Support-Engineer, der Sie bei der Koordination Ihres Enterprise Support-Erlebnisses unterstützt.</a:t>
             </a:r>
           </a:p>
         </p:txBody>
@@ -10988,8 +9575,8 @@
         </p:nvSpPr>
         <p:spPr>
           <a:xfrm>
-            <a:off x="872390" y="1010962"/>
-            <a:ext cx="1726164" cy="184666"/>
+            <a:off x="872389" y="1010962"/>
+            <a:ext cx="1776385" cy="169277"/>
           </a:xfrm>
           <a:prstGeom prst="rect">
             <a:avLst/>
@@ -11010,13 +9597,13 @@
               </a:spcAft>
             </a:pPr>
             <a:r>
-              <a:rPr lang="en-US" sz="1200" b="1" spc="-10" dirty="0">
+              <a:rPr lang="de-DE" sz="1100" b="1" dirty="0">
                 <a:solidFill>
                   <a:srgbClr val="020302"/>
                 </a:solidFill>
                 <a:latin typeface="Adobe Clean" panose="020B0503020404020204" pitchFamily="34" charset="0"/>
               </a:rPr>
-              <a:t>Named Support Engineer</a:t>
+              <a:t>Ernannter Support-Techniker</a:t>
             </a:r>
           </a:p>
         </p:txBody>
@@ -11035,8 +9622,8 @@
         </p:nvSpPr>
         <p:spPr>
           <a:xfrm>
-            <a:off x="2803357" y="1285201"/>
-            <a:ext cx="2148840" cy="497572"/>
+            <a:off x="2930356" y="1336001"/>
+            <a:ext cx="2200443" cy="651460"/>
           </a:xfrm>
           <a:prstGeom prst="rect">
             <a:avLst/>
@@ -11054,11 +9641,11 @@
               </a:spcBef>
             </a:pPr>
             <a:r>
-              <a:rPr lang="en-US" sz="1000" dirty="0">
+              <a:rPr lang="de-DE" sz="1000" dirty="0">
                 <a:latin typeface="Adobe Clean Light" panose="020B0303020404020204" pitchFamily="34" charset="0"/>
                 <a:cs typeface="AdobeClean-Light"/>
               </a:rPr>
-              <a:t>Receive prioritized routing to ensure faster connection to more senior support resources on submitted cases. </a:t>
+              <a:t>Umfasst die vorrangige Weiterleitung von Support-Fällen, damit sie von erfahreneren Support-Mitarbeitern schneller bearbeitet werden. </a:t>
             </a:r>
           </a:p>
         </p:txBody>
@@ -11079,8 +9666,104 @@
         </p:nvSpPr>
         <p:spPr>
           <a:xfrm>
-            <a:off x="3228208" y="1011671"/>
-            <a:ext cx="1976242" cy="184666"/>
+            <a:off x="3355208" y="1011671"/>
+            <a:ext cx="1976242" cy="338554"/>
+          </a:xfrm>
+          <a:prstGeom prst="rect">
+            <a:avLst/>
+          </a:prstGeom>
+        </p:spPr>
+        <p:txBody>
+          <a:bodyPr wrap="square" lIns="0" tIns="0" rIns="0" bIns="0">
+            <a:spAutoFit/>
+          </a:bodyPr>
+          <a:lstStyle/>
+          <a:p>
+            <a:r>
+              <a:rPr lang="de-DE" sz="1100" b="1" dirty="0">
+                <a:solidFill>
+                  <a:srgbClr val="020302"/>
+                </a:solidFill>
+                <a:latin typeface="Adobe Clean" panose="020B0503020404020204" pitchFamily="34" charset="0"/>
+              </a:rPr>
+              <a:t>Vorrangige Weiterleitung </a:t>
+            </a:r>
+          </a:p>
+          <a:p>
+            <a:r>
+              <a:rPr lang="de-DE" sz="1100" b="1" dirty="0">
+                <a:solidFill>
+                  <a:srgbClr val="020302"/>
+                </a:solidFill>
+                <a:latin typeface="Adobe Clean" panose="020B0503020404020204" pitchFamily="34" charset="0"/>
+              </a:rPr>
+              <a:t>von Fällen</a:t>
+            </a:r>
+          </a:p>
+        </p:txBody>
+      </p:sp>
+      <p:sp>
+        <p:nvSpPr>
+          <p:cNvPr id="96" name="object 39">
+            <a:extLst>
+              <a:ext uri="{FF2B5EF4-FFF2-40B4-BE49-F238E27FC236}">
+                <a16:creationId xmlns:a16="http://schemas.microsoft.com/office/drawing/2014/main" id="{360AF423-8467-9A48-B2FE-24BAB9D2B6FC}"/>
+              </a:ext>
+            </a:extLst>
+          </p:cNvPr>
+          <p:cNvSpPr txBox="1"/>
+          <p:nvPr/>
+        </p:nvSpPr>
+        <p:spPr>
+          <a:xfrm>
+            <a:off x="5356260" y="1287481"/>
+            <a:ext cx="2051550" cy="959237"/>
+          </a:xfrm>
+          <a:prstGeom prst="rect">
+            <a:avLst/>
+          </a:prstGeom>
+        </p:spPr>
+        <p:txBody>
+          <a:bodyPr vert="horz" wrap="square" lIns="0" tIns="35560" rIns="0" bIns="0" rtlCol="0">
+            <a:spAutoFit/>
+          </a:bodyPr>
+          <a:lstStyle/>
+          <a:p>
+            <a:pPr marL="12700">
+              <a:lnSpc>
+                <a:spcPct val="100000"/>
+              </a:lnSpc>
+              <a:spcBef>
+                <a:spcPts val="60"/>
+              </a:spcBef>
+            </a:pPr>
+            <a:r>
+              <a:rPr lang="de-DE" sz="1000" dirty="0">
+                <a:latin typeface="Adobe Clean Light" panose="020B0303020404020204" pitchFamily="34" charset="0"/>
+              </a:rPr>
+              <a:t>Ein spezifischer Ansprechpartner innerhalb von Adobe, der Unterstützung bei Eskalation und regelmäßigen Updates bietet und sicherstellt, dass die wichtigsten offenen Support-Anfragen priorisiert werden.</a:t>
+            </a:r>
+          </a:p>
+        </p:txBody>
+      </p:sp>
+      <p:sp>
+        <p:nvSpPr>
+          <p:cNvPr id="97" name="Rectangle 96">
+            <a:extLst>
+              <a:ext uri="{FF2B5EF4-FFF2-40B4-BE49-F238E27FC236}">
+                <a16:creationId xmlns:a16="http://schemas.microsoft.com/office/drawing/2014/main" id="{E35AF9DC-007A-F941-BE71-BD5269722F58}"/>
+              </a:ext>
+            </a:extLst>
+          </p:cNvPr>
+          <p:cNvSpPr>
+            <a:spLocks/>
+          </p:cNvSpPr>
+          <p:nvPr/>
+        </p:nvSpPr>
+        <p:spPr>
+          <a:xfrm>
+            <a:off x="5818748" y="1006325"/>
+            <a:ext cx="1608472" cy="169277"/>
           </a:xfrm>
           <a:prstGeom prst="rect">
             <a:avLst/>
@@ -11101,110 +9784,13 @@
               </a:spcAft>
             </a:pPr>
             <a:r>
-              <a:rPr lang="en-US" sz="1200" b="1" spc="-10" dirty="0">
+              <a:rPr lang="de-DE" sz="1100" b="1">
                 <a:solidFill>
                   <a:srgbClr val="020302"/>
                 </a:solidFill>
                 <a:latin typeface="Adobe Clean" panose="020B0503020404020204" pitchFamily="34" charset="0"/>
               </a:rPr>
-              <a:t>Priority Case Routing</a:t>
-            </a:r>
-          </a:p>
-        </p:txBody>
-      </p:sp>
-      <p:sp>
-        <p:nvSpPr>
-          <p:cNvPr id="96" name="object 39">
-            <a:extLst>
-              <a:ext uri="{FF2B5EF4-FFF2-40B4-BE49-F238E27FC236}">
-                <a16:creationId xmlns:a16="http://schemas.microsoft.com/office/drawing/2014/main" id="{360AF423-8467-9A48-B2FE-24BAB9D2B6FC}"/>
-              </a:ext>
-            </a:extLst>
-          </p:cNvPr>
-          <p:cNvSpPr txBox="1"/>
-          <p:nvPr/>
-        </p:nvSpPr>
-        <p:spPr>
-          <a:xfrm>
-            <a:off x="5356260" y="1287481"/>
-            <a:ext cx="2148840" cy="651460"/>
-          </a:xfrm>
-          <a:prstGeom prst="rect">
-            <a:avLst/>
-          </a:prstGeom>
-        </p:spPr>
-        <p:txBody>
-          <a:bodyPr vert="horz" wrap="square" lIns="0" tIns="35560" rIns="0" bIns="0" rtlCol="0">
-            <a:spAutoFit/>
-          </a:bodyPr>
-          <a:lstStyle/>
-          <a:p>
-            <a:pPr marL="12700">
-              <a:lnSpc>
-                <a:spcPct val="100000"/>
-              </a:lnSpc>
-              <a:spcBef>
-                <a:spcPts val="60"/>
-              </a:spcBef>
-            </a:pPr>
-            <a:r>
-              <a:rPr lang="en-US" sz="1000" dirty="0">
-                <a:latin typeface="Adobe Clean Light" panose="020B0303020404020204" pitchFamily="34" charset="0"/>
-              </a:rPr>
-              <a:t>A designated point of contact within Adobe who can provide escalation assistance, regular updates and ensure priority is given to your most critical open support requests.</a:t>
-            </a:r>
-            <a:endParaRPr lang="en-US" sz="1000" dirty="0">
-              <a:latin typeface="Adobe Clean Light" panose="020B0303020404020204" pitchFamily="34" charset="0"/>
-              <a:cs typeface="AdobeClean-Light"/>
-            </a:endParaRPr>
-          </a:p>
-        </p:txBody>
-      </p:sp>
-      <p:sp>
-        <p:nvSpPr>
-          <p:cNvPr id="97" name="Rectangle 96">
-            <a:extLst>
-              <a:ext uri="{FF2B5EF4-FFF2-40B4-BE49-F238E27FC236}">
-                <a16:creationId xmlns:a16="http://schemas.microsoft.com/office/drawing/2014/main" id="{E35AF9DC-007A-F941-BE71-BD5269722F58}"/>
-              </a:ext>
-            </a:extLst>
-          </p:cNvPr>
-          <p:cNvSpPr>
-            <a:spLocks/>
-          </p:cNvSpPr>
-          <p:nvPr/>
-        </p:nvSpPr>
-        <p:spPr>
-          <a:xfrm>
-            <a:off x="5818748" y="1006325"/>
-            <a:ext cx="1608472" cy="184666"/>
-          </a:xfrm>
-          <a:prstGeom prst="rect">
-            <a:avLst/>
-          </a:prstGeom>
-        </p:spPr>
-        <p:txBody>
-          <a:bodyPr wrap="square" lIns="0" tIns="0" rIns="0" bIns="0">
-            <a:spAutoFit/>
-          </a:bodyPr>
-          <a:lstStyle/>
-          <a:p>
-            <a:pPr>
-              <a:spcBef>
-                <a:spcPts val="600"/>
-              </a:spcBef>
-              <a:spcAft>
-                <a:spcPts val="600"/>
-              </a:spcAft>
-            </a:pPr>
-            <a:r>
-              <a:rPr lang="en-US" sz="1200" b="1" spc="-10" dirty="0">
-                <a:solidFill>
-                  <a:srgbClr val="020302"/>
-                </a:solidFill>
-                <a:latin typeface="Adobe Clean" panose="020B0503020404020204" pitchFamily="34" charset="0"/>
-              </a:rPr>
-              <a:t>Escalation Management</a:t>
+              <a:t>Eskalations-Management</a:t>
             </a:r>
           </a:p>
         </p:txBody>
@@ -11296,7 +9882,7 @@
         </p:blipFill>
         <p:spPr>
           <a:xfrm>
-            <a:off x="2800585" y="905313"/>
+            <a:off x="2927585" y="905313"/>
             <a:ext cx="365760" cy="365760"/>
           </a:xfrm>
           <a:prstGeom prst="rect">
@@ -11355,7 +9941,7 @@
         <p:spPr>
           <a:xfrm>
             <a:off x="816240" y="2576177"/>
-            <a:ext cx="2148841" cy="461665"/>
+            <a:ext cx="2148841" cy="430887"/>
           </a:xfrm>
           <a:prstGeom prst="rect">
             <a:avLst/>
@@ -11369,10 +9955,21 @@
           <a:lstStyle/>
           <a:p>
             <a:r>
-              <a:rPr lang="en-US" sz="1200" b="1" dirty="0">
+              <a:rPr lang="de-DE" sz="1100" b="1" dirty="0">
                 <a:latin typeface="Adobe Clean" panose="020B0503020404020204" pitchFamily="34" charset="0"/>
               </a:rPr>
-              <a:t>Accelerated Issue Prioritization</a:t>
+              <a:t>Beschleunigte Priorisierung </a:t>
+            </a:r>
+            <a:br>
+              <a:rPr lang="de-DE" sz="1100" b="1" dirty="0">
+                <a:latin typeface="Adobe Clean" panose="020B0503020404020204" pitchFamily="34" charset="0"/>
+              </a:rPr>
+            </a:br>
+            <a:r>
+              <a:rPr lang="de-DE" sz="1100" b="1" dirty="0">
+                <a:latin typeface="Adobe Clean" panose="020B0503020404020204" pitchFamily="34" charset="0"/>
+              </a:rPr>
+              <a:t>von Problemen</a:t>
             </a:r>
           </a:p>
         </p:txBody>
@@ -11411,11 +10008,11 @@
               <a:defRPr/>
             </a:pPr>
             <a:r>
-              <a:rPr lang="en-US" sz="1000" dirty="0">
+              <a:rPr lang="de-DE" sz="1000" dirty="0">
                 <a:latin typeface="Adobe Clean Light" panose="020B0303020404020204" pitchFamily="34" charset="0"/>
                 <a:cs typeface="Adobe Clean Light"/>
               </a:rPr>
-              <a:t>Receive higher prioritization on support case work through facilitated engagement with Engineering.</a:t>
+              <a:t>Höhere Priorisierung von Support-Fällen durch einfachere Kontaktaufnahme mit dem Engineering-Team.</a:t>
             </a:r>
           </a:p>
         </p:txBody>
@@ -11539,7 +10136,7 @@
         </p:blipFill>
         <p:spPr>
           <a:xfrm>
-            <a:off x="1714742" y="4216922"/>
+            <a:off x="606667" y="4369322"/>
             <a:ext cx="365760" cy="365760"/>
           </a:xfrm>
           <a:prstGeom prst="rect">
@@ -11578,7 +10175,7 @@
         </p:blipFill>
         <p:spPr>
           <a:xfrm>
-            <a:off x="4044715" y="4230343"/>
+            <a:off x="4168540" y="4382743"/>
             <a:ext cx="365760" cy="365760"/>
           </a:xfrm>
           <a:prstGeom prst="rect">
@@ -11601,7 +10198,7 @@
         <p:spPr>
           <a:xfrm>
             <a:off x="430064" y="745300"/>
-            <a:ext cx="2011680" cy="0"/>
+            <a:ext cx="2423160" cy="0"/>
           </a:xfrm>
           <a:custGeom>
             <a:avLst/>
@@ -11648,8 +10245,8 @@
         </p:nvSpPr>
         <p:spPr>
           <a:xfrm>
-            <a:off x="3095604" y="2650593"/>
-            <a:ext cx="2148841" cy="276999"/>
+            <a:off x="3222604" y="2650593"/>
+            <a:ext cx="2148841" cy="430887"/>
           </a:xfrm>
           <a:prstGeom prst="rect">
             <a:avLst/>
@@ -11663,10 +10260,21 @@
           <a:lstStyle/>
           <a:p>
             <a:r>
-              <a:rPr lang="en-US" sz="1200" b="1" dirty="0">
+              <a:rPr lang="de-DE" sz="1100" b="1" dirty="0">
                 <a:latin typeface="Adobe Clean" panose="020B0503020404020204" pitchFamily="34" charset="0"/>
               </a:rPr>
-              <a:t>Proactive Case Monitoring</a:t>
+              <a:t>Proaktive Überwachung </a:t>
+            </a:r>
+            <a:br>
+              <a:rPr lang="de-DE" sz="1100" b="1" dirty="0">
+                <a:latin typeface="Adobe Clean" panose="020B0503020404020204" pitchFamily="34" charset="0"/>
+              </a:rPr>
+            </a:br>
+            <a:r>
+              <a:rPr lang="de-DE" sz="1100" b="1" dirty="0">
+                <a:latin typeface="Adobe Clean" panose="020B0503020404020204" pitchFamily="34" charset="0"/>
+              </a:rPr>
+              <a:t>von Fällen</a:t>
             </a:r>
           </a:p>
         </p:txBody>
@@ -11685,7 +10293,7 @@
         </p:nvSpPr>
         <p:spPr>
           <a:xfrm>
-            <a:off x="2761827" y="3033782"/>
+            <a:off x="2888827" y="3033782"/>
             <a:ext cx="2051550" cy="651460"/>
           </a:xfrm>
           <a:prstGeom prst="rect">
@@ -11705,15 +10313,11 @@
               <a:defRPr/>
             </a:pPr>
             <a:r>
-              <a:rPr lang="en-US" sz="1000" dirty="0">
+              <a:rPr lang="de-DE" sz="1000" dirty="0">
                 <a:latin typeface="Adobe Clean Light" panose="020B0303020404020204" pitchFamily="34" charset="0"/>
               </a:rPr>
-              <a:t>A designated point of contact within Adobe will actively monitor open cases and take proactive and preventive actions to ensure timely resolution.</a:t>
+              <a:t>Ein ernannter Ansprechpartner bei Adobe überwacht aktiv die offenen Fälle und ergreift proaktive und präventive Maßnahmen, um eine zeitnahe Lösung zu gewährleisten.</a:t>
             </a:r>
-            <a:endParaRPr lang="en-US" sz="1000" dirty="0">
-              <a:latin typeface="Adobe Clean Light" panose="020B0303020404020204" pitchFamily="34" charset="0"/>
-              <a:cs typeface="Adobe Clean Light"/>
-            </a:endParaRPr>
           </a:p>
         </p:txBody>
       </p:sp>
@@ -11742,7 +10346,7 @@
         </p:blipFill>
         <p:spPr>
           <a:xfrm>
-            <a:off x="2761211" y="2626679"/>
+            <a:off x="2888211" y="2626679"/>
             <a:ext cx="365760" cy="365760"/>
           </a:xfrm>
           <a:prstGeom prst="rect">
@@ -11769,7 +10373,7 @@
         <p:spPr>
           <a:xfrm>
             <a:off x="121146" y="9839613"/>
-            <a:ext cx="2245360" cy="133370"/>
+            <a:ext cx="2377440" cy="133370"/>
           </a:xfrm>
           <a:prstGeom prst="rect">
             <a:avLst/>
@@ -11790,40 +10394,8 @@
               </a:spcBef>
             </a:pPr>
             <a:r>
-              <a:rPr spc="-10" dirty="0"/>
-              <a:t>©202</a:t>
-            </a:r>
-            <a:r>
-              <a:rPr lang="en-US" spc="-10" dirty="0"/>
-              <a:t>2 </a:t>
-            </a:r>
-            <a:r>
-              <a:rPr spc="-5" dirty="0"/>
-              <a:t>Adobe. All</a:t>
-            </a:r>
-            <a:r>
-              <a:rPr spc="-10" dirty="0"/>
-              <a:t> Rights</a:t>
-            </a:r>
-            <a:r>
-              <a:rPr spc="-5" dirty="0"/>
-              <a:t> </a:t>
-            </a:r>
-            <a:r>
-              <a:rPr spc="-10" dirty="0"/>
-              <a:t>Reserved.</a:t>
-            </a:r>
-            <a:r>
-              <a:rPr spc="-5" dirty="0"/>
-              <a:t> Adobe</a:t>
-            </a:r>
-            <a:r>
-              <a:rPr spc="60" dirty="0"/>
-              <a:t> </a:t>
-            </a:r>
-            <a:r>
-              <a:rPr spc="-10" dirty="0"/>
-              <a:t>Confidential.</a:t>
+              <a:rPr lang="de-DE" dirty="0"/>
+              <a:t>©2022 Adobe. All Rights Reserved. Adobe Confidential.</a:t>
             </a:r>
           </a:p>
         </p:txBody>
@@ -11885,49 +10457,15 @@
               </a:lnSpc>
             </a:pPr>
             <a:r>
-              <a:rPr sz="500" spc="-5">
+              <a:rPr lang="de-DE" sz="500">
                 <a:solidFill>
                   <a:srgbClr val="6C6C6C"/>
                 </a:solidFill>
                 <a:latin typeface="Adobe Clean"/>
                 <a:cs typeface="Adobe Clean"/>
               </a:rPr>
-              <a:t>©2020 Adobe. All Rights Reserved. </a:t>
+              <a:t>©2020 Adobe. All Rights Reserved. Adobe Confidential.</a:t>
             </a:r>
-            <a:r>
-              <a:rPr sz="500">
-                <a:solidFill>
-                  <a:srgbClr val="6C6C6C"/>
-                </a:solidFill>
-                <a:latin typeface="Adobe Clean"/>
-                <a:cs typeface="Adobe Clean"/>
-              </a:rPr>
-              <a:t>Adobe</a:t>
-            </a:r>
-            <a:r>
-              <a:rPr sz="500" spc="5">
-                <a:solidFill>
-                  <a:srgbClr val="6C6C6C"/>
-                </a:solidFill>
-                <a:latin typeface="Adobe Clean"/>
-                <a:cs typeface="Adobe Clean"/>
-              </a:rPr>
-              <a:t> </a:t>
-            </a:r>
-            <a:r>
-              <a:rPr sz="500" spc="-5">
-                <a:solidFill>
-                  <a:srgbClr val="6C6C6C"/>
-                </a:solidFill>
-                <a:latin typeface="Adobe Clean"/>
-                <a:cs typeface="Adobe Clean"/>
-              </a:rPr>
-              <a:t>Confidential.</a:t>
-            </a:r>
-            <a:endParaRPr sz="500">
-              <a:latin typeface="Adobe Clean"/>
-              <a:cs typeface="Adobe Clean"/>
-            </a:endParaRPr>
           </a:p>
           <a:p>
             <a:pPr>
@@ -11953,39 +10491,15 @@
               </a:spcBef>
             </a:pPr>
             <a:r>
-              <a:rPr sz="800" spc="-5">
+              <a:rPr lang="de-DE" sz="800">
                 <a:solidFill>
                   <a:srgbClr val="6D6D6D"/>
                 </a:solidFill>
                 <a:latin typeface="Adobe Clean"/>
                 <a:cs typeface="Adobe Clean"/>
               </a:rPr>
-              <a:t>©2020 Adobe. All Rights Reserved. Adobe</a:t>
+              <a:t>©2020 Adobe. All Rights Reserved. Adobe Confidential.</a:t>
             </a:r>
-            <a:r>
-              <a:rPr sz="800" spc="75">
-                <a:solidFill>
-                  <a:srgbClr val="6D6D6D"/>
-                </a:solidFill>
-                <a:latin typeface="Adobe Clean"/>
-                <a:cs typeface="Adobe Clean"/>
-              </a:rPr>
-              <a:t> </a:t>
-            </a:r>
-            <a:r>
-              <a:rPr sz="800" spc="-5">
-                <a:solidFill>
-                  <a:srgbClr val="6D6D6D"/>
-                </a:solidFill>
-                <a:latin typeface="Adobe Clean"/>
-                <a:cs typeface="Adobe Clean"/>
-              </a:rPr>
-              <a:t>Confidential.</a:t>
-            </a:r>
-            <a:endParaRPr sz="800">
-              <a:latin typeface="Adobe Clean"/>
-              <a:cs typeface="Adobe Clean"/>
-            </a:endParaRPr>
           </a:p>
         </p:txBody>
       </p:sp>
@@ -12069,19 +10583,15 @@
               </a:spcBef>
             </a:pPr>
             <a:r>
-              <a:rPr lang="en-US" sz="1400" b="1" spc="-15">
+              <a:rPr lang="de-DE" sz="1400" b="1">
                 <a:solidFill>
                   <a:srgbClr val="020302"/>
                 </a:solidFill>
                 <a:latin typeface="Adobe Clean"/>
                 <a:cs typeface="Adobe Clean"/>
               </a:rPr>
-              <a:t>Resources</a:t>
+              <a:t>Ressourcen</a:t>
             </a:r>
-            <a:endParaRPr sz="1400">
-              <a:latin typeface="Adobe Clean"/>
-              <a:cs typeface="Adobe Clean"/>
-            </a:endParaRPr>
           </a:p>
         </p:txBody>
       </p:sp>
@@ -12115,7 +10625,7 @@
               </a:spcBef>
             </a:pPr>
             <a:r>
-              <a:rPr sz="800" spc="-15">
+              <a:rPr lang="de-DE" sz="800">
                 <a:solidFill>
                   <a:srgbClr val="777879"/>
                 </a:solidFill>
@@ -12124,10 +10634,6 @@
               </a:rPr>
               <a:t>Adobe</a:t>
             </a:r>
-            <a:endParaRPr sz="800">
-              <a:latin typeface="Adobe Clean"/>
-              <a:cs typeface="Adobe Clean"/>
-            </a:endParaRPr>
           </a:p>
           <a:p>
             <a:pPr marL="12700">
@@ -12136,39 +10642,15 @@
               </a:lnSpc>
             </a:pPr>
             <a:r>
-              <a:rPr sz="800" spc="-15">
+              <a:rPr lang="de-DE" sz="800">
                 <a:solidFill>
                   <a:srgbClr val="777879"/>
                 </a:solidFill>
                 <a:latin typeface="Adobe Clean"/>
                 <a:cs typeface="Adobe Clean"/>
               </a:rPr>
-              <a:t>345 Park</a:t>
+              <a:t>345 Park Avenue</a:t>
             </a:r>
-            <a:r>
-              <a:rPr sz="800" spc="-100">
-                <a:solidFill>
-                  <a:srgbClr val="777879"/>
-                </a:solidFill>
-                <a:latin typeface="Adobe Clean"/>
-                <a:cs typeface="Adobe Clean"/>
-              </a:rPr>
-              <a:t> </a:t>
-            </a:r>
-            <a:r>
-              <a:rPr sz="800" spc="-15">
-                <a:solidFill>
-                  <a:srgbClr val="777879"/>
-                </a:solidFill>
-                <a:latin typeface="Adobe Clean"/>
-                <a:cs typeface="Adobe Clean"/>
-              </a:rPr>
-              <a:t>Avenue</a:t>
-            </a:r>
-            <a:endParaRPr sz="800">
-              <a:latin typeface="Adobe Clean"/>
-              <a:cs typeface="Adobe Clean"/>
-            </a:endParaRPr>
           </a:p>
           <a:p>
             <a:pPr marL="12700">
@@ -12177,49 +10659,15 @@
               </a:lnSpc>
             </a:pPr>
             <a:r>
-              <a:rPr sz="800" spc="-10">
+              <a:rPr lang="de-DE" sz="800">
                 <a:solidFill>
                   <a:srgbClr val="777879"/>
                 </a:solidFill>
                 <a:latin typeface="Adobe Clean"/>
                 <a:cs typeface="Adobe Clean"/>
               </a:rPr>
-              <a:t>San </a:t>
+              <a:t>San Jose, CA95110-2704</a:t>
             </a:r>
-            <a:r>
-              <a:rPr sz="800" spc="-15">
-                <a:solidFill>
-                  <a:srgbClr val="777879"/>
-                </a:solidFill>
-                <a:latin typeface="Adobe Clean"/>
-                <a:cs typeface="Adobe Clean"/>
-              </a:rPr>
-              <a:t>Jose,</a:t>
-            </a:r>
-            <a:r>
-              <a:rPr sz="800" spc="-140">
-                <a:solidFill>
-                  <a:srgbClr val="777879"/>
-                </a:solidFill>
-                <a:latin typeface="Adobe Clean"/>
-                <a:cs typeface="Adobe Clean"/>
-              </a:rPr>
-              <a:t> </a:t>
-            </a:r>
-            <a:r>
-              <a:rPr sz="800" spc="-20">
-                <a:solidFill>
-                  <a:srgbClr val="777879"/>
-                </a:solidFill>
-                <a:latin typeface="Adobe Clean"/>
-                <a:cs typeface="Adobe Clean"/>
-              </a:rPr>
-              <a:t>CA95110-2704</a:t>
-            </a:r>
-            <a:endParaRPr sz="800">
-              <a:latin typeface="Adobe Clean"/>
-              <a:cs typeface="Adobe Clean"/>
-            </a:endParaRPr>
           </a:p>
           <a:p>
             <a:pPr marL="12700">
@@ -12231,7 +10679,7 @@
               </a:spcBef>
             </a:pPr>
             <a:r>
-              <a:rPr sz="800" spc="-10">
+              <a:rPr lang="de-DE" sz="800">
                 <a:solidFill>
                   <a:srgbClr val="777879"/>
                 </a:solidFill>
@@ -12240,10 +10688,6 @@
               </a:rPr>
               <a:t>USA</a:t>
             </a:r>
-            <a:endParaRPr sz="800">
-              <a:latin typeface="Adobe Clean"/>
-              <a:cs typeface="Adobe Clean"/>
-            </a:endParaRPr>
           </a:p>
           <a:p>
             <a:pPr marL="12700">
@@ -12255,7 +10699,7 @@
               </a:spcBef>
             </a:pPr>
             <a:r>
-              <a:rPr sz="800" u="sng" spc="-25">
+              <a:rPr lang="de-DE" sz="800" u="sng">
                 <a:solidFill>
                   <a:srgbClr val="5F5F5F"/>
                 </a:solidFill>
@@ -12266,14 +10710,10 @@
                 </a:uFill>
                 <a:latin typeface="Adobe Clean"/>
                 <a:cs typeface="Adobe Clean"/>
-                <a:hlinkClick r:id="rId4"/>
+                <a:hlinkClick r:id="rId3"/>
               </a:rPr>
               <a:t>www.adobe.com</a:t>
             </a:r>
-            <a:endParaRPr sz="800">
-              <a:latin typeface="Adobe Clean"/>
-              <a:cs typeface="Adobe Clean"/>
-            </a:endParaRPr>
           </a:p>
         </p:txBody>
       </p:sp>
@@ -12292,7 +10732,7 @@
             <a:avLst/>
           </a:prstGeom>
           <a:blipFill>
-            <a:blip r:embed="rId5" cstate="print"/>
+            <a:blip r:embed="rId4" cstate="print"/>
             <a:stretch>
               <a:fillRect/>
             </a:stretch>
@@ -12404,7 +10844,7 @@
             <a:avLst/>
           </a:prstGeom>
           <a:blipFill>
-            <a:blip r:embed="rId6" cstate="print"/>
+            <a:blip r:embed="rId5" cstate="print"/>
             <a:stretch>
               <a:fillRect/>
             </a:stretch>
@@ -12426,7 +10866,7 @@
         </p:nvSpPr>
         <p:spPr>
           <a:xfrm>
-            <a:off x="75947" y="9437110"/>
+            <a:off x="88647" y="9272010"/>
             <a:ext cx="5466715" cy="570865"/>
           </a:xfrm>
           <a:prstGeom prst="rect">
@@ -12448,439 +10888,15 @@
               </a:spcBef>
             </a:pPr>
             <a:r>
-              <a:rPr sz="1100" i="1" spc="-10" dirty="0">
+              <a:rPr lang="de-DE" sz="1100" i="1" dirty="0">
                 <a:solidFill>
                   <a:srgbClr val="777879"/>
                 </a:solidFill>
                 <a:latin typeface="AdobeClean-LightIt"/>
                 <a:cs typeface="AdobeClean-LightIt"/>
               </a:rPr>
-              <a:t>To</a:t>
+              <a:t>Weitere Informationen zum Support-Angebot von Adobe sowie zum für Ihre Bedürfnisse geeigneten Support-Level erhalten Sie bei Ihrem spezifischen Account-Manager (NAM) oder Ihrem Customer Success Manager (CSM).</a:t>
             </a:r>
-            <a:r>
-              <a:rPr sz="1100" i="1" spc="-50" dirty="0">
-                <a:solidFill>
-                  <a:srgbClr val="777879"/>
-                </a:solidFill>
-                <a:latin typeface="AdobeClean-LightIt"/>
-                <a:cs typeface="AdobeClean-LightIt"/>
-              </a:rPr>
-              <a:t> </a:t>
-            </a:r>
-            <a:r>
-              <a:rPr sz="1100" i="1" spc="-15" dirty="0">
-                <a:solidFill>
-                  <a:srgbClr val="777879"/>
-                </a:solidFill>
-                <a:latin typeface="AdobeClean-LightIt"/>
-                <a:cs typeface="AdobeClean-LightIt"/>
-              </a:rPr>
-              <a:t>learn</a:t>
-            </a:r>
-            <a:r>
-              <a:rPr sz="1100" i="1" spc="-40" dirty="0">
-                <a:solidFill>
-                  <a:srgbClr val="777879"/>
-                </a:solidFill>
-                <a:latin typeface="AdobeClean-LightIt"/>
-                <a:cs typeface="AdobeClean-LightIt"/>
-              </a:rPr>
-              <a:t> </a:t>
-            </a:r>
-            <a:r>
-              <a:rPr sz="1100" i="1" spc="-15" dirty="0">
-                <a:solidFill>
-                  <a:srgbClr val="777879"/>
-                </a:solidFill>
-                <a:latin typeface="AdobeClean-LightIt"/>
-                <a:cs typeface="AdobeClean-LightIt"/>
-              </a:rPr>
-              <a:t>more</a:t>
-            </a:r>
-            <a:r>
-              <a:rPr sz="1100" i="1" spc="-45" dirty="0">
-                <a:solidFill>
-                  <a:srgbClr val="777879"/>
-                </a:solidFill>
-                <a:latin typeface="AdobeClean-LightIt"/>
-                <a:cs typeface="AdobeClean-LightIt"/>
-              </a:rPr>
-              <a:t> </a:t>
-            </a:r>
-            <a:r>
-              <a:rPr sz="1100" i="1" spc="-15" dirty="0">
-                <a:solidFill>
-                  <a:srgbClr val="777879"/>
-                </a:solidFill>
-                <a:latin typeface="AdobeClean-LightIt"/>
-                <a:cs typeface="AdobeClean-LightIt"/>
-              </a:rPr>
-              <a:t>about</a:t>
-            </a:r>
-            <a:r>
-              <a:rPr sz="1100" i="1" spc="-45" dirty="0">
-                <a:solidFill>
-                  <a:srgbClr val="777879"/>
-                </a:solidFill>
-                <a:latin typeface="AdobeClean-LightIt"/>
-                <a:cs typeface="AdobeClean-LightIt"/>
-              </a:rPr>
-              <a:t> </a:t>
-            </a:r>
-            <a:r>
-              <a:rPr sz="1100" i="1" spc="-15" dirty="0">
-                <a:solidFill>
-                  <a:srgbClr val="777879"/>
-                </a:solidFill>
-                <a:latin typeface="AdobeClean-LightIt"/>
-                <a:cs typeface="AdobeClean-LightIt"/>
-              </a:rPr>
-              <a:t>Adobe</a:t>
-            </a:r>
-            <a:r>
-              <a:rPr sz="1100" i="1" spc="-50" dirty="0">
-                <a:solidFill>
-                  <a:srgbClr val="777879"/>
-                </a:solidFill>
-                <a:latin typeface="AdobeClean-LightIt"/>
-                <a:cs typeface="AdobeClean-LightIt"/>
-              </a:rPr>
-              <a:t> </a:t>
-            </a:r>
-            <a:r>
-              <a:rPr sz="1100" i="1" spc="-15" dirty="0">
-                <a:solidFill>
-                  <a:srgbClr val="777879"/>
-                </a:solidFill>
-                <a:latin typeface="AdobeClean-LightIt"/>
-                <a:cs typeface="AdobeClean-LightIt"/>
-              </a:rPr>
-              <a:t>Support</a:t>
-            </a:r>
-            <a:r>
-              <a:rPr lang="en-US" sz="1100" i="1" spc="-15" dirty="0">
-                <a:solidFill>
-                  <a:srgbClr val="777879"/>
-                </a:solidFill>
-                <a:latin typeface="AdobeClean-LightIt"/>
-                <a:cs typeface="AdobeClean-LightIt"/>
-              </a:rPr>
-              <a:t> Offerings</a:t>
-            </a:r>
-            <a:r>
-              <a:rPr sz="1100" i="1" spc="-75" dirty="0">
-                <a:solidFill>
-                  <a:srgbClr val="777879"/>
-                </a:solidFill>
-                <a:latin typeface="AdobeClean-LightIt"/>
-                <a:cs typeface="AdobeClean-LightIt"/>
-              </a:rPr>
-              <a:t> </a:t>
-            </a:r>
-            <a:r>
-              <a:rPr sz="1100" i="1" spc="-15" dirty="0">
-                <a:solidFill>
-                  <a:srgbClr val="777879"/>
-                </a:solidFill>
-                <a:latin typeface="AdobeClean-LightIt"/>
-                <a:cs typeface="AdobeClean-LightIt"/>
-              </a:rPr>
-              <a:t>and</a:t>
-            </a:r>
-            <a:r>
-              <a:rPr sz="1100" i="1" spc="-50" dirty="0">
-                <a:solidFill>
-                  <a:srgbClr val="777879"/>
-                </a:solidFill>
-                <a:latin typeface="AdobeClean-LightIt"/>
-                <a:cs typeface="AdobeClean-LightIt"/>
-              </a:rPr>
-              <a:t> </a:t>
-            </a:r>
-            <a:r>
-              <a:rPr sz="1100" i="1" spc="-15" dirty="0">
-                <a:solidFill>
-                  <a:srgbClr val="777879"/>
-                </a:solidFill>
-                <a:latin typeface="AdobeClean-LightIt"/>
-                <a:cs typeface="AdobeClean-LightIt"/>
-              </a:rPr>
-              <a:t>the</a:t>
-            </a:r>
-            <a:r>
-              <a:rPr sz="1100" i="1" spc="-55" dirty="0">
-                <a:solidFill>
-                  <a:srgbClr val="777879"/>
-                </a:solidFill>
-                <a:latin typeface="AdobeClean-LightIt"/>
-                <a:cs typeface="AdobeClean-LightIt"/>
-              </a:rPr>
-              <a:t> </a:t>
-            </a:r>
-            <a:r>
-              <a:rPr sz="1100" i="1" spc="-15" dirty="0">
-                <a:solidFill>
-                  <a:srgbClr val="777879"/>
-                </a:solidFill>
-                <a:latin typeface="AdobeClean-LightIt"/>
-                <a:cs typeface="AdobeClean-LightIt"/>
-              </a:rPr>
-              <a:t>right</a:t>
-            </a:r>
-            <a:r>
-              <a:rPr sz="1100" i="1" spc="-95" dirty="0">
-                <a:solidFill>
-                  <a:srgbClr val="777879"/>
-                </a:solidFill>
-                <a:latin typeface="AdobeClean-LightIt"/>
-                <a:cs typeface="AdobeClean-LightIt"/>
-              </a:rPr>
-              <a:t> </a:t>
-            </a:r>
-            <a:r>
-              <a:rPr sz="1100" i="1" spc="-15" dirty="0">
-                <a:solidFill>
-                  <a:srgbClr val="777879"/>
-                </a:solidFill>
-                <a:latin typeface="AdobeClean-LightIt"/>
-                <a:cs typeface="AdobeClean-LightIt"/>
-              </a:rPr>
-              <a:t>level</a:t>
-            </a:r>
-            <a:r>
-              <a:rPr sz="1100" i="1" spc="-55" dirty="0">
-                <a:solidFill>
-                  <a:srgbClr val="777879"/>
-                </a:solidFill>
-                <a:latin typeface="AdobeClean-LightIt"/>
-                <a:cs typeface="AdobeClean-LightIt"/>
-              </a:rPr>
-              <a:t> </a:t>
-            </a:r>
-            <a:r>
-              <a:rPr sz="1100" i="1" spc="-15" dirty="0">
-                <a:solidFill>
-                  <a:srgbClr val="777879"/>
-                </a:solidFill>
-                <a:latin typeface="AdobeClean-LightIt"/>
-                <a:cs typeface="AdobeClean-LightIt"/>
-              </a:rPr>
-              <a:t>for</a:t>
-            </a:r>
-            <a:r>
-              <a:rPr sz="1100" i="1" spc="-85" dirty="0">
-                <a:solidFill>
-                  <a:srgbClr val="777879"/>
-                </a:solidFill>
-                <a:latin typeface="AdobeClean-LightIt"/>
-                <a:cs typeface="AdobeClean-LightIt"/>
-              </a:rPr>
-              <a:t> </a:t>
-            </a:r>
-            <a:r>
-              <a:rPr sz="1100" i="1" spc="-15" dirty="0">
-                <a:solidFill>
-                  <a:srgbClr val="777879"/>
-                </a:solidFill>
-                <a:latin typeface="AdobeClean-LightIt"/>
-                <a:cs typeface="AdobeClean-LightIt"/>
-              </a:rPr>
-              <a:t>you,</a:t>
-            </a:r>
-            <a:r>
-              <a:rPr sz="1100" i="1" spc="-65" dirty="0">
-                <a:solidFill>
-                  <a:srgbClr val="777879"/>
-                </a:solidFill>
-                <a:latin typeface="AdobeClean-LightIt"/>
-                <a:cs typeface="AdobeClean-LightIt"/>
-              </a:rPr>
-              <a:t> </a:t>
-            </a:r>
-            <a:r>
-              <a:rPr sz="1100" i="1" spc="-15" dirty="0">
-                <a:solidFill>
-                  <a:srgbClr val="777879"/>
-                </a:solidFill>
-                <a:latin typeface="AdobeClean-LightIt"/>
-                <a:cs typeface="AdobeClean-LightIt"/>
-              </a:rPr>
-              <a:t>contact</a:t>
-            </a:r>
-            <a:r>
-              <a:rPr sz="1100" i="1" spc="-85" dirty="0">
-                <a:solidFill>
-                  <a:srgbClr val="777879"/>
-                </a:solidFill>
-                <a:latin typeface="AdobeClean-LightIt"/>
-                <a:cs typeface="AdobeClean-LightIt"/>
-              </a:rPr>
-              <a:t> </a:t>
-            </a:r>
-            <a:r>
-              <a:rPr sz="1100" i="1" spc="-15" dirty="0">
-                <a:solidFill>
-                  <a:srgbClr val="777879"/>
-                </a:solidFill>
-                <a:latin typeface="AdobeClean-LightIt"/>
-                <a:cs typeface="AdobeClean-LightIt"/>
-              </a:rPr>
-              <a:t>your</a:t>
-            </a:r>
-            <a:r>
-              <a:rPr sz="1100" i="1" spc="-70" dirty="0">
-                <a:solidFill>
-                  <a:srgbClr val="777879"/>
-                </a:solidFill>
-                <a:latin typeface="AdobeClean-LightIt"/>
-                <a:cs typeface="AdobeClean-LightIt"/>
-              </a:rPr>
-              <a:t> </a:t>
-            </a:r>
-            <a:r>
-              <a:rPr sz="1100" i="1" spc="-15" dirty="0">
-                <a:solidFill>
-                  <a:srgbClr val="777879"/>
-                </a:solidFill>
-                <a:latin typeface="AdobeClean-LightIt"/>
-                <a:cs typeface="AdobeClean-LightIt"/>
-              </a:rPr>
-              <a:t>Named</a:t>
-            </a:r>
-            <a:r>
-              <a:rPr sz="1100" i="1" spc="-55" dirty="0">
-                <a:solidFill>
-                  <a:srgbClr val="777879"/>
-                </a:solidFill>
-                <a:latin typeface="AdobeClean-LightIt"/>
-                <a:cs typeface="AdobeClean-LightIt"/>
-              </a:rPr>
-              <a:t> </a:t>
-            </a:r>
-            <a:r>
-              <a:rPr sz="1100" i="1" spc="-25" dirty="0">
-                <a:solidFill>
-                  <a:srgbClr val="777879"/>
-                </a:solidFill>
-                <a:latin typeface="AdobeClean-LightIt"/>
-                <a:cs typeface="AdobeClean-LightIt"/>
-              </a:rPr>
-              <a:t>Account</a:t>
-            </a:r>
-            <a:r>
-              <a:rPr sz="1100" i="1" spc="-120" dirty="0">
-                <a:solidFill>
-                  <a:srgbClr val="777879"/>
-                </a:solidFill>
-                <a:latin typeface="AdobeClean-LightIt"/>
-                <a:cs typeface="AdobeClean-LightIt"/>
-              </a:rPr>
-              <a:t> </a:t>
-            </a:r>
-            <a:r>
-              <a:rPr sz="1100" i="1" spc="-20" dirty="0">
-                <a:solidFill>
-                  <a:srgbClr val="777879"/>
-                </a:solidFill>
-                <a:latin typeface="AdobeClean-LightIt"/>
-                <a:cs typeface="AdobeClean-LightIt"/>
-              </a:rPr>
-              <a:t>Manager </a:t>
-            </a:r>
-            <a:r>
-              <a:rPr sz="1100" i="1" spc="-15" dirty="0">
-                <a:solidFill>
-                  <a:srgbClr val="777879"/>
-                </a:solidFill>
-                <a:latin typeface="AdobeClean-LightIt"/>
-                <a:cs typeface="AdobeClean-LightIt"/>
-              </a:rPr>
-              <a:t>(NAM) </a:t>
-            </a:r>
-            <a:r>
-              <a:rPr sz="1100" i="1" spc="-10" dirty="0">
-                <a:solidFill>
-                  <a:srgbClr val="777879"/>
-                </a:solidFill>
-                <a:latin typeface="AdobeClean-LightIt"/>
-                <a:cs typeface="AdobeClean-LightIt"/>
-              </a:rPr>
-              <a:t>or </a:t>
-            </a:r>
-            <a:r>
-              <a:rPr sz="1100" i="1" spc="-15" dirty="0">
-                <a:solidFill>
-                  <a:srgbClr val="777879"/>
-                </a:solidFill>
-                <a:latin typeface="AdobeClean-LightIt"/>
-                <a:cs typeface="AdobeClean-LightIt"/>
-              </a:rPr>
-              <a:t>Customer </a:t>
-            </a:r>
-            <a:r>
-              <a:rPr sz="1100" i="1" spc="-20" dirty="0">
-                <a:solidFill>
-                  <a:srgbClr val="777879"/>
-                </a:solidFill>
-                <a:latin typeface="AdobeClean-LightIt"/>
-                <a:cs typeface="AdobeClean-LightIt"/>
-              </a:rPr>
-              <a:t>Success</a:t>
-            </a:r>
-            <a:r>
-              <a:rPr sz="1100" i="1" spc="-180" dirty="0">
-                <a:solidFill>
-                  <a:srgbClr val="777879"/>
-                </a:solidFill>
-                <a:latin typeface="AdobeClean-LightIt"/>
-                <a:cs typeface="AdobeClean-LightIt"/>
-              </a:rPr>
-              <a:t> </a:t>
-            </a:r>
-            <a:r>
-              <a:rPr sz="1100" i="1" spc="-15" dirty="0">
-                <a:solidFill>
-                  <a:srgbClr val="777879"/>
-                </a:solidFill>
-                <a:latin typeface="AdobeClean-LightIt"/>
-                <a:cs typeface="AdobeClean-LightIt"/>
-              </a:rPr>
-              <a:t>Manager</a:t>
-            </a:r>
-            <a:r>
-              <a:rPr lang="en-US" sz="1100" i="1" spc="-15" dirty="0">
-                <a:solidFill>
-                  <a:srgbClr val="777879"/>
-                </a:solidFill>
-                <a:latin typeface="AdobeClean-LightIt"/>
-                <a:cs typeface="AdobeClean-LightIt"/>
-              </a:rPr>
-              <a:t> </a:t>
-            </a:r>
-            <a:r>
-              <a:rPr sz="1100" i="1" spc="-15" dirty="0">
-                <a:solidFill>
-                  <a:srgbClr val="777879"/>
-                </a:solidFill>
-                <a:latin typeface="AdobeClean-LightIt"/>
-                <a:cs typeface="AdobeClean-LightIt"/>
-              </a:rPr>
-              <a:t>(CSM)</a:t>
-            </a:r>
-            <a:r>
-              <a:rPr lang="en-US" sz="1100" i="1" spc="-15" dirty="0">
-                <a:solidFill>
-                  <a:srgbClr val="777879"/>
-                </a:solidFill>
-                <a:latin typeface="AdobeClean-LightIt"/>
-                <a:cs typeface="AdobeClean-LightIt"/>
-              </a:rPr>
-              <a:t>.</a:t>
-            </a:r>
-            <a:endParaRPr sz="1100" dirty="0">
-              <a:latin typeface="AdobeClean-LightIt"/>
-              <a:cs typeface="AdobeClean-LightIt"/>
-            </a:endParaRPr>
           </a:p>
           <a:p>
             <a:pPr marL="34290">
@@ -12892,59 +10908,15 @@
               </a:spcBef>
             </a:pPr>
             <a:r>
-              <a:rPr sz="800" spc="-5" dirty="0">
+              <a:rPr lang="de-DE" sz="800" dirty="0">
                 <a:solidFill>
                   <a:srgbClr val="6D6D6D"/>
                 </a:solidFill>
                 <a:latin typeface="Adobe Clean"/>
                 <a:cs typeface="Adobe Clean"/>
               </a:rPr>
-              <a:t>©202</a:t>
+              <a:t>©2022 Adobe. All Rights Reserved. Adobe Confidential.</a:t>
             </a:r>
-            <a:r>
-              <a:rPr lang="en-US" sz="800" spc="-5" dirty="0">
-                <a:solidFill>
-                  <a:srgbClr val="6D6D6D"/>
-                </a:solidFill>
-                <a:latin typeface="Adobe Clean"/>
-                <a:cs typeface="Adobe Clean"/>
-              </a:rPr>
-              <a:t>2</a:t>
-            </a:r>
-            <a:r>
-              <a:rPr sz="800" spc="-5" dirty="0">
-                <a:solidFill>
-                  <a:srgbClr val="6D6D6D"/>
-                </a:solidFill>
-                <a:latin typeface="Adobe Clean"/>
-                <a:cs typeface="Adobe Clean"/>
-              </a:rPr>
-              <a:t> Adobe. All Rights Reserved. Adobe</a:t>
-            </a:r>
-            <a:r>
-              <a:rPr sz="800" spc="75" dirty="0">
-                <a:solidFill>
-                  <a:srgbClr val="6D6D6D"/>
-                </a:solidFill>
-                <a:latin typeface="Adobe Clean"/>
-                <a:cs typeface="Adobe Clean"/>
-              </a:rPr>
-              <a:t> </a:t>
-            </a:r>
-            <a:r>
-              <a:rPr sz="800" spc="-5" dirty="0">
-                <a:solidFill>
-                  <a:srgbClr val="6D6D6D"/>
-                </a:solidFill>
-                <a:latin typeface="Adobe Clean"/>
-                <a:cs typeface="Adobe Clean"/>
-              </a:rPr>
-              <a:t>Confidential.</a:t>
-            </a:r>
-            <a:endParaRPr sz="800" dirty="0">
-              <a:latin typeface="Adobe Clean"/>
-              <a:cs typeface="Adobe Clean"/>
-            </a:endParaRPr>
           </a:p>
         </p:txBody>
       </p:sp>
@@ -12962,8 +10934,8 @@
         </p:nvSpPr>
         <p:spPr>
           <a:xfrm>
-            <a:off x="190707" y="4913781"/>
-            <a:ext cx="6476646" cy="602088"/>
+            <a:off x="190706" y="4913781"/>
+            <a:ext cx="7368291" cy="602088"/>
           </a:xfrm>
           <a:prstGeom prst="rect">
             <a:avLst/>
@@ -12981,19 +10953,15 @@
               </a:spcBef>
             </a:pPr>
             <a:r>
-              <a:rPr lang="en-US" sz="1400" b="1" spc="-15" dirty="0">
+              <a:rPr lang="de-DE" sz="1400" b="1" dirty="0">
                 <a:solidFill>
                   <a:srgbClr val="020302"/>
                 </a:solidFill>
                 <a:latin typeface="Adobe Clean"/>
                 <a:cs typeface="Adobe Clean"/>
               </a:rPr>
-              <a:t>Regional scope of Adobe Support, Local Hours Of Operation And Language Support</a:t>
+              <a:t>Regionales Support-Angebot von Adobe, örtliche Geschäftszeiten und unterstützte Sprachen</a:t>
             </a:r>
-            <a:endParaRPr lang="en-US" sz="1400" spc="-15" dirty="0">
-              <a:ea typeface="+mn-lt"/>
-              <a:cs typeface="+mn-lt"/>
-            </a:endParaRPr>
           </a:p>
           <a:p>
             <a:pPr lvl="0">
@@ -13002,13 +10970,13 @@
               </a:spcBef>
             </a:pPr>
             <a:r>
-              <a:rPr lang="en-US" sz="1000" spc="-15" dirty="0">
+              <a:rPr lang="de-DE" sz="1000" dirty="0">
                 <a:solidFill>
                   <a:srgbClr val="1F1F1F"/>
                 </a:solidFill>
                 <a:latin typeface="AdobeClean-Light"/>
               </a:rPr>
-              <a:t>Adobe’s local business hours align to the customer’s billing region.</a:t>
+              <a:t>Die örtlichen Geschäftszeiten von Adobe richten sich nach der Region der Kundenabrechnung.</a:t>
             </a:r>
           </a:p>
         </p:txBody>
@@ -13081,16 +11049,16 @@
                     <a:p>
                       <a:pPr algn="ctr"/>
                       <a:r>
-                        <a:rPr lang="en-US" sz="1100" dirty="0">
+                        <a:rPr lang="de-DE" sz="1100">
                           <a:solidFill>
                             <a:schemeClr val="tx1"/>
                           </a:solidFill>
                           <a:latin typeface="Adobe Clean" panose="020B0503020404020204" pitchFamily="34" charset="0"/>
                         </a:rPr>
-                        <a:t>Americas </a:t>
+                        <a:t>Nord- und Südamerika </a:t>
                       </a:r>
                       <a:r>
-                        <a:rPr lang="en-US" sz="1100" baseline="30000" dirty="0">
+                        <a:rPr lang="de-DE" sz="1100" baseline="30000">
                           <a:solidFill>
                             <a:schemeClr val="tx1"/>
                           </a:solidFill>
@@ -13155,13 +11123,13 @@
                     <a:p>
                       <a:pPr algn="ctr"/>
                       <a:r>
-                        <a:rPr lang="en-US" sz="1100" dirty="0">
+                        <a:rPr lang="de-DE" sz="1100">
                           <a:solidFill>
                             <a:schemeClr val="tx1"/>
                           </a:solidFill>
                           <a:latin typeface="Adobe Clean" panose="020B0503020404020204" pitchFamily="34" charset="0"/>
                         </a:rPr>
-                        <a:t>Europe, Middle East &amp; Africa</a:t>
+                        <a:t>Europa, Naher Osten und Afrika</a:t>
                       </a:r>
                     </a:p>
                   </a:txBody>
@@ -13220,13 +11188,13 @@
                     <a:p>
                       <a:pPr algn="ctr"/>
                       <a:r>
-                        <a:rPr lang="en-US" sz="1100" dirty="0">
+                        <a:rPr lang="de-DE" sz="1100">
                           <a:solidFill>
                             <a:schemeClr val="tx1"/>
                           </a:solidFill>
                           <a:latin typeface="Adobe Clean" panose="020B0503020404020204" pitchFamily="34" charset="0"/>
                         </a:rPr>
-                        <a:t>Asia Pacific</a:t>
+                        <a:t>Asien-Pazifik</a:t>
                       </a:r>
                     </a:p>
                   </a:txBody>
@@ -13285,7 +11253,7 @@
                     <a:p>
                       <a:pPr algn="ctr"/>
                       <a:r>
-                        <a:rPr lang="en-US" sz="1100" dirty="0">
+                        <a:rPr lang="de-DE" sz="1100">
                           <a:solidFill>
                             <a:schemeClr val="tx1"/>
                           </a:solidFill>
@@ -13357,7 +11325,7 @@
                     <a:p>
                       <a:pPr algn="ctr"/>
                       <a:r>
-                        <a:rPr lang="en-US" sz="1100" dirty="0">
+                        <a:rPr lang="de-DE" sz="1100">
                           <a:solidFill>
                             <a:schemeClr val="tx1"/>
                           </a:solidFill>
@@ -13422,13 +11390,13 @@
                     <a:p>
                       <a:pPr algn="ctr"/>
                       <a:r>
-                        <a:rPr lang="en-US" sz="1100" dirty="0">
+                        <a:rPr lang="de-DE" sz="1100">
                           <a:solidFill>
                             <a:schemeClr val="tx1"/>
                           </a:solidFill>
                           <a:latin typeface="Adobe Clean" panose="020B0503020404020204" pitchFamily="34" charset="0"/>
                         </a:rPr>
-                        <a:t>9 am – 5 pm</a:t>
+                        <a:t>9:00–17:00 Uhr</a:t>
                       </a:r>
                     </a:p>
                   </a:txBody>
@@ -13487,13 +11455,13 @@
                     <a:p>
                       <a:pPr algn="ctr"/>
                       <a:r>
-                        <a:rPr lang="en-US" sz="1100" dirty="0">
+                        <a:rPr lang="de-DE" sz="1100">
                           <a:solidFill>
                             <a:schemeClr val="tx1"/>
                           </a:solidFill>
                           <a:latin typeface="Adobe Clean" panose="020B0503020404020204" pitchFamily="34" charset="0"/>
                         </a:rPr>
-                        <a:t>9 am – 5 pm</a:t>
+                        <a:t>9:00–17:00 Uhr</a:t>
                       </a:r>
                     </a:p>
                   </a:txBody>
@@ -13552,13 +11520,13 @@
                     <a:p>
                       <a:pPr algn="ctr"/>
                       <a:r>
-                        <a:rPr lang="en-US" sz="1100" dirty="0">
+                        <a:rPr lang="de-DE" sz="1100">
                           <a:solidFill>
                             <a:schemeClr val="tx1"/>
                           </a:solidFill>
                           <a:latin typeface="Adobe Clean" panose="020B0503020404020204" pitchFamily="34" charset="0"/>
                         </a:rPr>
-                        <a:t>9 am – 5:30 pm</a:t>
+                        <a:t>9:00–17:30 Uhr</a:t>
                       </a:r>
                     </a:p>
                   </a:txBody>
@@ -13622,7 +11590,7 @@
                     <a:bodyPr/>
                     <a:lstStyle/>
                     <a:p>
-                      <a:pPr marL="0" marR="0" lvl="0" indent="0" algn="ctr" defTabSz="914400" eaLnBrk="1" fontAlgn="auto" latinLnBrk="0" hangingPunct="1">
+                      <a:pPr marL="0" marR="0" lvl="0" indent="0" algn="l" defTabSz="914400" rtl="0" eaLnBrk="1" fontAlgn="auto" latinLnBrk="0" hangingPunct="1">
                         <a:lnSpc>
                           <a:spcPct val="100000"/>
                         </a:lnSpc>
@@ -13665,7 +11633,7 @@
                         <a:defRPr/>
                       </a:pPr>
                       <a:r>
-                        <a:rPr lang="en-US" sz="1100" baseline="30000" dirty="0">
+                        <a:rPr lang="de-DE" sz="1100" baseline="30000">
                           <a:solidFill>
                             <a:schemeClr val="tx1"/>
                           </a:solidFill>
@@ -13674,13 +11642,13 @@
                         <a:t>1</a:t>
                       </a:r>
                       <a:r>
-                        <a:rPr lang="en-US" sz="1100" dirty="0">
+                        <a:rPr lang="de-DE" sz="1100">
                           <a:solidFill>
                             <a:schemeClr val="tx1"/>
                           </a:solidFill>
                           <a:latin typeface="Adobe Clean" panose="020B0503020404020204" pitchFamily="34" charset="0"/>
                         </a:rPr>
-                        <a:t>Americas Language support available in English only.</a:t>
+                        <a:t>Für Nord- und Südamerika ist der Support nur auf Englisch verfügbar.</a:t>
                       </a:r>
                     </a:p>
                   </a:txBody>
@@ -13994,7 +11962,7 @@
           <p:nvPr/>
         </p:nvPicPr>
         <p:blipFill>
-          <a:blip r:embed="rId7" cstate="print"/>
+          <a:blip r:embed="rId6" cstate="print"/>
           <a:stretch>
             <a:fillRect/>
           </a:stretch>
@@ -14023,8 +11991,8 @@
         </p:nvSpPr>
         <p:spPr>
           <a:xfrm>
-            <a:off x="2840871" y="8528519"/>
-            <a:ext cx="810895" cy="385445"/>
+            <a:off x="2649857" y="8528519"/>
+            <a:ext cx="1172843" cy="382797"/>
           </a:xfrm>
           <a:prstGeom prst="rect">
             <a:avLst/>
@@ -14036,7 +12004,7 @@
           </a:bodyPr>
           <a:lstStyle/>
           <a:p>
-            <a:pPr marL="139065" marR="5080" indent="-139065">
+            <a:pPr marR="5080" algn="ctr">
               <a:lnSpc>
                 <a:spcPts val="1390"/>
               </a:lnSpc>
@@ -14045,129 +12013,15 @@
               </a:spcBef>
             </a:pPr>
             <a:r>
-              <a:rPr sz="1200" b="1" spc="-15">
+              <a:rPr lang="de-DE" sz="1200" b="1" dirty="0">
                 <a:solidFill>
                   <a:srgbClr val="FFFFFF"/>
                 </a:solidFill>
                 <a:latin typeface="Adobe Clean"/>
                 <a:cs typeface="Adobe Clean"/>
               </a:rPr>
-              <a:t>U</a:t>
+              <a:t>Unübertroffenes Know-how</a:t>
             </a:r>
-            <a:r>
-              <a:rPr sz="1200" b="1" spc="-20">
-                <a:solidFill>
-                  <a:srgbClr val="FFFFFF"/>
-                </a:solidFill>
-                <a:latin typeface="Adobe Clean"/>
-                <a:cs typeface="Adobe Clean"/>
-              </a:rPr>
-              <a:t>n</a:t>
-            </a:r>
-            <a:r>
-              <a:rPr sz="1200" b="1" spc="-25">
-                <a:solidFill>
-                  <a:srgbClr val="FFFFFF"/>
-                </a:solidFill>
-                <a:latin typeface="Adobe Clean"/>
-                <a:cs typeface="Adobe Clean"/>
-              </a:rPr>
-              <a:t>p</a:t>
-            </a:r>
-            <a:r>
-              <a:rPr sz="1200" b="1" spc="-15">
-                <a:solidFill>
-                  <a:srgbClr val="FFFFFF"/>
-                </a:solidFill>
-                <a:latin typeface="Adobe Clean"/>
-                <a:cs typeface="Adobe Clean"/>
-              </a:rPr>
-              <a:t>a</a:t>
-            </a:r>
-            <a:r>
-              <a:rPr sz="1200" b="1" spc="-25">
-                <a:solidFill>
-                  <a:srgbClr val="FFFFFF"/>
-                </a:solidFill>
-                <a:latin typeface="Adobe Clean"/>
-                <a:cs typeface="Adobe Clean"/>
-              </a:rPr>
-              <a:t>r</a:t>
-            </a:r>
-            <a:r>
-              <a:rPr sz="1200" b="1" spc="-15">
-                <a:solidFill>
-                  <a:srgbClr val="FFFFFF"/>
-                </a:solidFill>
-                <a:latin typeface="Adobe Clean"/>
-                <a:cs typeface="Adobe Clean"/>
-              </a:rPr>
-              <a:t>a</a:t>
-            </a:r>
-            <a:r>
-              <a:rPr sz="1200" b="1" spc="-30">
-                <a:solidFill>
-                  <a:srgbClr val="FFFFFF"/>
-                </a:solidFill>
-                <a:latin typeface="Adobe Clean"/>
-                <a:cs typeface="Adobe Clean"/>
-              </a:rPr>
-              <a:t>ll</a:t>
-            </a:r>
-            <a:r>
-              <a:rPr sz="1200" b="1" spc="-25">
-                <a:solidFill>
-                  <a:srgbClr val="FFFFFF"/>
-                </a:solidFill>
-                <a:latin typeface="Adobe Clean"/>
-                <a:cs typeface="Adobe Clean"/>
-              </a:rPr>
-              <a:t>e</a:t>
-            </a:r>
-            <a:r>
-              <a:rPr sz="1200" b="1" spc="-30">
-                <a:solidFill>
-                  <a:srgbClr val="FFFFFF"/>
-                </a:solidFill>
-                <a:latin typeface="Adobe Clean"/>
-                <a:cs typeface="Adobe Clean"/>
-              </a:rPr>
-              <a:t>l</a:t>
-            </a:r>
-            <a:r>
-              <a:rPr sz="1200" b="1" spc="-25">
-                <a:solidFill>
-                  <a:srgbClr val="FFFFFF"/>
-                </a:solidFill>
-                <a:latin typeface="Adobe Clean"/>
-                <a:cs typeface="Adobe Clean"/>
-              </a:rPr>
-              <a:t>e</a:t>
-            </a:r>
-            <a:r>
-              <a:rPr sz="1200" b="1">
-                <a:solidFill>
-                  <a:srgbClr val="FFFFFF"/>
-                </a:solidFill>
-                <a:latin typeface="Adobe Clean"/>
-                <a:cs typeface="Adobe Clean"/>
-              </a:rPr>
-              <a:t>d  </a:t>
-            </a:r>
-            <a:r>
-              <a:rPr sz="1200" b="1" spc="-25">
-                <a:solidFill>
-                  <a:srgbClr val="FFFFFF"/>
-                </a:solidFill>
-                <a:latin typeface="Adobe Clean"/>
-                <a:cs typeface="Adobe Clean"/>
-              </a:rPr>
-              <a:t>Expertise</a:t>
-            </a:r>
-            <a:endParaRPr sz="1200">
-              <a:latin typeface="Adobe Clean"/>
-              <a:cs typeface="Adobe Clean"/>
-            </a:endParaRPr>
           </a:p>
         </p:txBody>
       </p:sp>
@@ -14185,8 +12039,8 @@
         </p:nvSpPr>
         <p:spPr>
           <a:xfrm>
-            <a:off x="4732495" y="8541244"/>
-            <a:ext cx="810895" cy="382797"/>
+            <a:off x="4324350" y="8541244"/>
+            <a:ext cx="1361913" cy="203261"/>
           </a:xfrm>
           <a:prstGeom prst="rect">
             <a:avLst/>
@@ -14198,7 +12052,7 @@
           </a:bodyPr>
           <a:lstStyle/>
           <a:p>
-            <a:pPr marL="139065" marR="5080" indent="-139065">
+            <a:pPr marR="5080" algn="ctr">
               <a:lnSpc>
                 <a:spcPts val="1390"/>
               </a:lnSpc>
@@ -14207,19 +12061,15 @@
               </a:spcBef>
             </a:pPr>
             <a:r>
-              <a:rPr lang="en-US" sz="1200" b="1" spc="-15">
+              <a:rPr lang="de-DE" sz="1200" b="1" dirty="0">
                 <a:solidFill>
                   <a:srgbClr val="FFFFFF"/>
                 </a:solidFill>
                 <a:latin typeface="Adobe Clean"/>
                 <a:cs typeface="Adobe Clean"/>
               </a:rPr>
-              <a:t>Accelerated Support</a:t>
+              <a:t>Schneller Support</a:t>
             </a:r>
-            <a:endParaRPr sz="1200">
-              <a:latin typeface="Adobe Clean"/>
-              <a:cs typeface="Adobe Clean"/>
-            </a:endParaRPr>
           </a:p>
         </p:txBody>
       </p:sp>
@@ -14237,8 +12087,8 @@
         </p:nvSpPr>
         <p:spPr>
           <a:xfrm>
-            <a:off x="6624119" y="8543943"/>
-            <a:ext cx="510540" cy="385445"/>
+            <a:off x="6400800" y="8543943"/>
+            <a:ext cx="850900" cy="382797"/>
           </a:xfrm>
           <a:prstGeom prst="rect">
             <a:avLst/>
@@ -14250,7 +12100,7 @@
           </a:bodyPr>
           <a:lstStyle/>
           <a:p>
-            <a:pPr marL="50800" marR="5080" indent="-51435">
+            <a:pPr marL="50800" marR="5080" indent="-51435" algn="ctr">
               <a:lnSpc>
                 <a:spcPts val="1390"/>
               </a:lnSpc>
@@ -14259,109 +12109,15 @@
               </a:spcBef>
             </a:pPr>
             <a:r>
-              <a:rPr sz="1200" b="1" spc="-50">
+              <a:rPr lang="de-DE" sz="1200" b="1" dirty="0">
                 <a:solidFill>
                   <a:srgbClr val="FFFFFF"/>
                 </a:solidFill>
                 <a:latin typeface="Adobe Clean"/>
                 <a:cs typeface="Adobe Clean"/>
               </a:rPr>
-              <a:t>S</a:t>
+              <a:t>Strategische Beratung</a:t>
             </a:r>
-            <a:r>
-              <a:rPr sz="1200" b="1" spc="-20">
-                <a:solidFill>
-                  <a:srgbClr val="FFFFFF"/>
-                </a:solidFill>
-                <a:latin typeface="Adobe Clean"/>
-                <a:cs typeface="Adobe Clean"/>
-              </a:rPr>
-              <a:t>t</a:t>
-            </a:r>
-            <a:r>
-              <a:rPr sz="1200" b="1" spc="-75">
-                <a:solidFill>
-                  <a:srgbClr val="FFFFFF"/>
-                </a:solidFill>
-                <a:latin typeface="Adobe Clean"/>
-                <a:cs typeface="Adobe Clean"/>
-              </a:rPr>
-              <a:t>r</a:t>
-            </a:r>
-            <a:r>
-              <a:rPr sz="1200" b="1" spc="-90">
-                <a:solidFill>
-                  <a:srgbClr val="FFFFFF"/>
-                </a:solidFill>
-                <a:latin typeface="Adobe Clean"/>
-                <a:cs typeface="Adobe Clean"/>
-              </a:rPr>
-              <a:t>a</a:t>
-            </a:r>
-            <a:r>
-              <a:rPr sz="1200" b="1" spc="-55">
-                <a:solidFill>
-                  <a:srgbClr val="FFFFFF"/>
-                </a:solidFill>
-                <a:latin typeface="Adobe Clean"/>
-                <a:cs typeface="Adobe Clean"/>
-              </a:rPr>
-              <a:t>t</a:t>
-            </a:r>
-            <a:r>
-              <a:rPr sz="1200" b="1" spc="-100">
-                <a:solidFill>
-                  <a:srgbClr val="FFFFFF"/>
-                </a:solidFill>
-                <a:latin typeface="Adobe Clean"/>
-                <a:cs typeface="Adobe Clean"/>
-              </a:rPr>
-              <a:t>e</a:t>
-            </a:r>
-            <a:r>
-              <a:rPr sz="1200" b="1" spc="-80">
-                <a:solidFill>
-                  <a:srgbClr val="FFFFFF"/>
-                </a:solidFill>
-                <a:latin typeface="Adobe Clean"/>
-                <a:cs typeface="Adobe Clean"/>
-              </a:rPr>
-              <a:t>g</a:t>
-            </a:r>
-            <a:r>
-              <a:rPr sz="1200" b="1" spc="-35">
-                <a:solidFill>
-                  <a:srgbClr val="FFFFFF"/>
-                </a:solidFill>
-                <a:latin typeface="Adobe Clean"/>
-                <a:cs typeface="Adobe Clean"/>
-              </a:rPr>
-              <a:t>i</a:t>
-            </a:r>
-            <a:r>
-              <a:rPr sz="1200" b="1">
-                <a:solidFill>
-                  <a:srgbClr val="FFFFFF"/>
-                </a:solidFill>
-                <a:latin typeface="Adobe Clean"/>
-                <a:cs typeface="Adobe Clean"/>
-              </a:rPr>
-              <a:t>c  </a:t>
-            </a:r>
-            <a:r>
-              <a:rPr sz="1200" b="1" spc="-45">
-                <a:solidFill>
-                  <a:srgbClr val="FFFFFF"/>
-                </a:solidFill>
-                <a:latin typeface="Adobe Clean"/>
-                <a:cs typeface="Adobe Clean"/>
-              </a:rPr>
-              <a:t>Advice</a:t>
-            </a:r>
-            <a:endParaRPr sz="1200">
-              <a:latin typeface="Adobe Clean"/>
-              <a:cs typeface="Adobe Clean"/>
-            </a:endParaRPr>
           </a:p>
         </p:txBody>
       </p:sp>
@@ -14380,14 +12136,14 @@
           <p:nvPr>
             <p:extLst>
               <p:ext uri="{D42A27DB-BD31-4B8C-83A1-F6EECF244321}">
-                <p14:modId xmlns:p14="http://schemas.microsoft.com/office/powerpoint/2010/main" val="1302639971"/>
+                <p14:modId xmlns:p14="http://schemas.microsoft.com/office/powerpoint/2010/main" val="3579717800"/>
               </p:ext>
             </p:extLst>
           </p:nvPr>
         </p:nvGraphicFramePr>
         <p:xfrm>
           <a:off x="194237" y="1272353"/>
-          <a:ext cx="7368291" cy="2473960"/>
+          <a:ext cx="7368291" cy="2651760"/>
         </p:xfrm>
         <a:graphic>
           <a:graphicData uri="http://schemas.openxmlformats.org/drawingml/2006/table">
@@ -14396,14 +12152,14 @@
                 <a:tableStyleId>{5C22544A-7EE6-4342-B048-85BDC9FD1C3A}</a:tableStyleId>
               </a:tblPr>
               <a:tblGrid>
-                <a:gridCol w="3691964">
+                <a:gridCol w="3625288">
                   <a:extLst>
                     <a:ext uri="{9D8B030D-6E8A-4147-A177-3AD203B41FA5}">
                       <a16:colId xmlns:a16="http://schemas.microsoft.com/office/drawing/2014/main" val="2364693614"/>
                     </a:ext>
                   </a:extLst>
                 </a:gridCol>
-                <a:gridCol w="3676327">
+                <a:gridCol w="3743003">
                   <a:extLst>
                     <a:ext uri="{9D8B030D-6E8A-4147-A177-3AD203B41FA5}">
                       <a16:colId xmlns:a16="http://schemas.microsoft.com/office/drawing/2014/main" val="1545335406"/>
@@ -14421,18 +12177,17 @@
                         <a:buNone/>
                       </a:pPr>
                       <a:r>
-                        <a:rPr lang="en-US" sz="1200" b="0" strike="noStrike" dirty="0">
+                        <a:rPr lang="de-DE" sz="1200" b="0" strike="noStrike">
                           <a:solidFill>
                             <a:srgbClr val="5F5F5F"/>
                           </a:solidFill>
                           <a:latin typeface="Adobe Clean"/>
                           <a:ea typeface="+mn-ea"/>
                           <a:cs typeface="+mn-cs"/>
-                          <a:hlinkClick r:id="rId8"/>
+                          <a:hlinkClick r:id="rId7"/>
                         </a:rPr>
-                        <a:t>Enterprise Learn &amp; Support</a:t>
+                        <a:t>Enterprise: Lernen und Support</a:t>
                       </a:r>
-                      <a:endParaRPr lang="en-US"/>
                     </a:p>
                   </a:txBody>
                   <a:tcPr marL="47625" marR="47625" marT="0" marB="0" anchor="ctr">
@@ -14504,7 +12259,7 @@
                         <a:buNone/>
                       </a:pPr>
                       <a:r>
-                        <a:rPr lang="en-US" sz="1000" b="0" strike="noStrike" kern="1200" dirty="0">
+                        <a:rPr lang="de-DE" sz="1000" b="0" strike="noStrike">
                           <a:solidFill>
                             <a:schemeClr val="tx1"/>
                           </a:solidFill>
@@ -14512,7 +12267,7 @@
                           <a:ea typeface="+mn-ea"/>
                           <a:cs typeface="+mn-cs"/>
                         </a:rPr>
-                        <a:t>Enterprise Learn &amp; Support is a place where Adobe customers can find self-help tutorials, product documentation, instructor-led training, community and support for select Adobe Creative Cloud and Document products.</a:t>
+                        <a:t>Enterprise: Lernen und Support ist ein Ort, an dem Adobe-Kunden Selbsthilfe-Tutorials, Produktdokumentation, von Kursleitern geführte Schulungen sowie eine Community und Support für ausgewählte Adobe Creative Cloud- und Document-Produkte finden.</a:t>
                       </a:r>
                     </a:p>
                   </a:txBody>
@@ -14594,15 +12349,14 @@
                         <a:defRPr/>
                       </a:pPr>
                       <a:r>
-                        <a:rPr lang="en-US" sz="1200" strike="noStrike" dirty="0">
+                        <a:rPr lang="de-DE" sz="1200" strike="noStrike">
                           <a:solidFill>
                             <a:srgbClr val="5F5F5F"/>
                           </a:solidFill>
-                          <a:effectLst/>
                           <a:latin typeface="Adobe Clean" panose="020B0503020404020204" pitchFamily="34" charset="0"/>
                           <a:ea typeface="+mn-ea"/>
                           <a:cs typeface="+mn-cs"/>
-                          <a:hlinkClick r:id="rId9">
+                          <a:hlinkClick r:id="rId8">
                             <a:extLst>
                               <a:ext uri="{A12FA001-AC4F-418D-AE19-62706E023703}">
                                 <ahyp:hlinkClr xmlns:ahyp="http://schemas.microsoft.com/office/drawing/2018/hyperlinkcolor" val="tx"/>
@@ -14612,15 +12366,6 @@
                         </a:rPr>
                         <a:t>Adobe Support Community </a:t>
                       </a:r>
-                      <a:endParaRPr lang="en-US" sz="1200" strike="noStrike" dirty="0">
-                        <a:solidFill>
-                          <a:srgbClr val="5F5F5F"/>
-                        </a:solidFill>
-                        <a:effectLst/>
-                        <a:latin typeface="Adobe Clean" panose="020B0503020404020204" pitchFamily="34" charset="0"/>
-                        <a:ea typeface="+mn-ea"/>
-                        <a:cs typeface="+mn-cs"/>
-                      </a:endParaRPr>
                     </a:p>
                   </a:txBody>
                   <a:tcPr anchor="ctr">
@@ -14694,7 +12439,7 @@
                         <a:defRPr/>
                       </a:pPr>
                       <a:r>
-                        <a:rPr lang="en-US" sz="1000" strike="noStrike" kern="1200" dirty="0">
+                        <a:rPr lang="de-DE" sz="1000" strike="noStrike">
                           <a:solidFill>
                             <a:schemeClr val="tx1"/>
                           </a:solidFill>
@@ -14702,19 +12447,8 @@
                           <a:ea typeface="+mn-ea"/>
                           <a:cs typeface="+mn-cs"/>
                         </a:rPr>
-                        <a:t>The Adobe Support Community is the place to ask questions, find answers, learn from experts and share your knowledge.</a:t>
+                        <a:t>In der Adobe Support Community können Sie Fragen stellen, Antworten finden, von Experten lernen und Erfahrungen austauschen.</a:t>
                       </a:r>
-                      <a:endParaRPr lang="en-US" sz="1000" strike="noStrike" kern="1200" dirty="0">
-                        <a:solidFill>
-                          <a:schemeClr val="tx1"/>
-                        </a:solidFill>
-                        <a:highlight>
-                          <a:srgbClr val="FFFF00"/>
-                        </a:highlight>
-                        <a:latin typeface="Adobe Clean Light" panose="020B0303020404020204" pitchFamily="34" charset="0"/>
-                        <a:ea typeface="+mn-ea"/>
-                        <a:cs typeface="+mn-cs"/>
-                      </a:endParaRPr>
                     </a:p>
                   </a:txBody>
                   <a:tcPr anchor="ctr">
@@ -14795,15 +12529,14 @@
                         <a:defRPr/>
                       </a:pPr>
                       <a:r>
-                        <a:rPr lang="en-US" sz="1200" dirty="0">
+                        <a:rPr lang="de-DE" sz="1200">
                           <a:solidFill>
                             <a:srgbClr val="5F5F5F"/>
                           </a:solidFill>
-                          <a:effectLst/>
                           <a:latin typeface="Adobe Clean" panose="020B0503020404020204" pitchFamily="34" charset="0"/>
                           <a:ea typeface="+mn-ea"/>
                           <a:cs typeface="+mn-cs"/>
-                          <a:hlinkClick r:id="rId10">
+                          <a:hlinkClick r:id="rId9">
                             <a:extLst>
                               <a:ext uri="{A12FA001-AC4F-418D-AE19-62706E023703}">
                                 <ahyp:hlinkClr xmlns:ahyp="http://schemas.microsoft.com/office/drawing/2018/hyperlinkcolor" val="tx"/>
@@ -14811,17 +12544,8 @@
                             </a:extLst>
                           </a:hlinkClick>
                         </a:rPr>
-                        <a:t>Production Issues &amp; System Outages</a:t>
+                        <a:t>Produktionsprobleme und Systemausfälle</a:t>
                       </a:r>
-                      <a:endParaRPr lang="en-US" sz="1200" dirty="0">
-                        <a:solidFill>
-                          <a:srgbClr val="5F5F5F"/>
-                        </a:solidFill>
-                        <a:effectLst/>
-                        <a:latin typeface="Adobe Clean" panose="020B0503020404020204" pitchFamily="34" charset="0"/>
-                        <a:ea typeface="+mn-ea"/>
-                        <a:cs typeface="+mn-cs"/>
-                      </a:endParaRPr>
                     </a:p>
                   </a:txBody>
                   <a:tcPr anchor="ctr">
@@ -14895,7 +12619,7 @@
                         <a:defRPr/>
                       </a:pPr>
                       <a:r>
-                        <a:rPr lang="en-US" sz="1000" kern="1200" dirty="0">
+                        <a:rPr lang="de-DE" sz="1000">
                           <a:solidFill>
                             <a:schemeClr val="tx1"/>
                           </a:solidFill>
@@ -14903,7 +12627,7 @@
                           <a:ea typeface="+mn-ea"/>
                           <a:cs typeface="+mn-cs"/>
                         </a:rPr>
-                        <a:t>Status.adobe.com conveys the health information of all Adobe products and services that are deployed in multi-tenant environments. Customers can choose their subscription preferences to get email notifications whenever Adobe creates, updates or resolves a product event. This can include scheduled maintenance or service issues of varying levels of severity. </a:t>
+                        <a:t>Status.adobe.com übermittelt die Statusinformationen sämtlicher Adobe-Produkte und -Services, die in Umgebungen mit mehreren Mandanten implementiert sind. Kunden können Voreinstellungen für ihr Abonnement auswählen und E-Mail-Benachrichtigungen erhalten, wenn Adobe ein Produktereignis erstellt, aktualisiert oder löst. Dies kann geplante Wartungen oder Service-Probleme unterschiedlichen Schweregrads umfassen. </a:t>
                       </a:r>
                     </a:p>
                   </a:txBody>
@@ -14985,15 +12709,14 @@
                         <a:defRPr/>
                       </a:pPr>
                       <a:r>
-                        <a:rPr lang="en-US" sz="1200" dirty="0">
+                        <a:rPr lang="de-DE" sz="1200">
                           <a:solidFill>
                             <a:srgbClr val="5F5F5F"/>
                           </a:solidFill>
-                          <a:effectLst/>
                           <a:latin typeface="Adobe Clean" panose="020B0503020404020204" pitchFamily="34" charset="0"/>
                           <a:ea typeface="+mn-ea"/>
                           <a:cs typeface="+mn-cs"/>
-                          <a:hlinkClick r:id="rId11">
+                          <a:hlinkClick r:id="rId10">
                             <a:extLst>
                               <a:ext uri="{A12FA001-AC4F-418D-AE19-62706E023703}">
                                 <ahyp:hlinkClr xmlns:ahyp="http://schemas.microsoft.com/office/drawing/2018/hyperlinkcolor" val="tx"/>
@@ -15001,17 +12724,8 @@
                             </a:extLst>
                           </a:hlinkClick>
                         </a:rPr>
-                        <a:t>Terms and Conditions</a:t>
+                        <a:t>Geschäftsbedingungen</a:t>
                       </a:r>
-                      <a:endParaRPr lang="en-US" sz="1200" dirty="0">
-                        <a:solidFill>
-                          <a:srgbClr val="5F5F5F"/>
-                        </a:solidFill>
-                        <a:effectLst/>
-                        <a:latin typeface="Adobe Clean" panose="020B0503020404020204" pitchFamily="34" charset="0"/>
-                        <a:ea typeface="+mn-ea"/>
-                        <a:cs typeface="+mn-cs"/>
-                      </a:endParaRPr>
                     </a:p>
                   </a:txBody>
                   <a:tcPr anchor="ctr">
@@ -15068,7 +12782,7 @@
                     <a:lstStyle/>
                     <a:p>
                       <a:r>
-                        <a:rPr lang="en-US" sz="1000" kern="1200" dirty="0">
+                        <a:rPr lang="de-DE" sz="1000" dirty="0">
                           <a:solidFill>
                             <a:schemeClr val="tx1"/>
                           </a:solidFill>
@@ -15076,7 +12790,7 @@
                           <a:ea typeface="+mn-ea"/>
                           <a:cs typeface="+mn-cs"/>
                         </a:rPr>
-                        <a:t>Terms and conditions detailing Support Services offerings.</a:t>
+                        <a:t>Allgemeine Geschäftsbedingungen mit detaillierten Informationen zu den angebotenen Support-Services.</a:t>
                       </a:r>
                     </a:p>
                   </a:txBody>
@@ -15153,13 +12867,13 @@
           <p:nvPr/>
         </p:nvPicPr>
         <p:blipFill>
-          <a:blip r:embed="rId12">
+          <a:blip r:embed="rId11">
             <a:extLst>
               <a:ext uri="{28A0092B-C50C-407E-A947-70E740481C1C}">
                 <a14:useLocalDpi xmlns:a14="http://schemas.microsoft.com/office/drawing/2010/main" val="0"/>
               </a:ext>
               <a:ext uri="{96DAC541-7B7A-43D3-8B79-37D633B846F1}">
-                <asvg:svgBlip xmlns:asvg="http://schemas.microsoft.com/office/drawing/2016/SVG/main" r:embed="rId13"/>
+                <asvg:svgBlip xmlns:asvg="http://schemas.microsoft.com/office/drawing/2016/SVG/main" r:embed="rId12"/>
               </a:ext>
             </a:extLst>
           </a:blip>
@@ -15192,13 +12906,13 @@
           <p:nvPr/>
         </p:nvPicPr>
         <p:blipFill>
-          <a:blip r:embed="rId14">
+          <a:blip r:embed="rId13">
             <a:extLst>
               <a:ext uri="{28A0092B-C50C-407E-A947-70E740481C1C}">
                 <a14:useLocalDpi xmlns:a14="http://schemas.microsoft.com/office/drawing/2010/main" val="0"/>
               </a:ext>
               <a:ext uri="{96DAC541-7B7A-43D3-8B79-37D633B846F1}">
-                <asvg:svgBlip xmlns:asvg="http://schemas.microsoft.com/office/drawing/2016/SVG/main" r:embed="rId15"/>
+                <asvg:svgBlip xmlns:asvg="http://schemas.microsoft.com/office/drawing/2016/SVG/main" r:embed="rId14"/>
               </a:ext>
             </a:extLst>
           </a:blip>
@@ -15231,13 +12945,13 @@
           <p:nvPr/>
         </p:nvPicPr>
         <p:blipFill>
-          <a:blip r:embed="rId16">
+          <a:blip r:embed="rId15">
             <a:extLst>
               <a:ext uri="{28A0092B-C50C-407E-A947-70E740481C1C}">
                 <a14:useLocalDpi xmlns:a14="http://schemas.microsoft.com/office/drawing/2010/main" val="0"/>
               </a:ext>
               <a:ext uri="{96DAC541-7B7A-43D3-8B79-37D633B846F1}">
-                <asvg:svgBlip xmlns:asvg="http://schemas.microsoft.com/office/drawing/2016/SVG/main" r:embed="rId17"/>
+                <asvg:svgBlip xmlns:asvg="http://schemas.microsoft.com/office/drawing/2016/SVG/main" r:embed="rId16"/>
               </a:ext>
             </a:extLst>
           </a:blip>
@@ -15270,7 +12984,7 @@
         <p:spPr>
           <a:xfrm>
             <a:off x="177091" y="957075"/>
-            <a:ext cx="777240" cy="45719"/>
+            <a:ext cx="901082" cy="71666"/>
           </a:xfrm>
           <a:custGeom>
             <a:avLst/>
@@ -15313,11 +13027,6 @@
   <p:clrMapOvr>
     <a:masterClrMapping/>
   </p:clrMapOvr>
-  <p:extLst>
-    <p:ext uri="{6950BFC3-D8DA-4A85-94F7-54DA5524770B}">
-      <p188:commentRel xmlns:p188="http://schemas.microsoft.com/office/powerpoint/2018/8/main" r:id="rId3"/>
-    </p:ext>
-  </p:extLst>
 </p:sld>
 </file>
 
@@ -15900,21 +13609,6 @@
 </file>
 
 <file path=customXml/item1.xml><?xml version="1.0" encoding="utf-8"?>
-<?mso-contentType ?>
-<FormTemplates xmlns="http://schemas.microsoft.com/sharepoint/v3/contenttype/forms">
-  <Display>DocumentLibraryForm</Display>
-  <Edit>DocumentLibraryForm</Edit>
-  <New>DocumentLibraryForm</New>
-</FormTemplates>
-</file>
-
-<file path=customXml/item2.xml><?xml version="1.0" encoding="utf-8"?>
-<p:properties xmlns:p="http://schemas.microsoft.com/office/2006/metadata/properties" xmlns:xsi="http://www.w3.org/2001/XMLSchema-instance" xmlns:pc="http://schemas.microsoft.com/office/infopath/2007/PartnerControls">
-  <documentManagement/>
-</p:properties>
-</file>
-
-<file path=customXml/item3.xml><?xml version="1.0" encoding="utf-8"?>
 <ct:contentTypeSchema xmlns:ct="http://schemas.microsoft.com/office/2006/metadata/contentType" xmlns:ma="http://schemas.microsoft.com/office/2006/metadata/properties/metaAttributes" ct:_="" ma:_="" ma:contentTypeName="Document" ma:contentTypeID="0x0101009423269C2B3A1A408FE719AA0C68584E" ma:contentTypeVersion="12" ma:contentTypeDescription="Create a new document." ma:contentTypeScope="" ma:versionID="bb0e62b6784238cdabe687d3bb80e52e">
   <xsd:schema xmlns:xsd="http://www.w3.org/2001/XMLSchema" xmlns:xs="http://www.w3.org/2001/XMLSchema" xmlns:p="http://schemas.microsoft.com/office/2006/metadata/properties" xmlns:ns2="01e63850-2818-4a9f-a0cd-2d4201ad5cd5" xmlns:ns3="281057cd-4f7e-4aa3-94a7-05201549cd15" targetNamespace="http://schemas.microsoft.com/office/2006/metadata/properties" ma:root="true" ma:fieldsID="8056aed6c30138b1a2c5f47f967a193a" ns2:_="" ns3:_="">
     <xsd:import namespace="01e63850-2818-4a9f-a0cd-2d4201ad5cd5"/>
@@ -16131,32 +13825,22 @@
 </ct:contentTypeSchema>
 </file>
 
-<file path=customXml/itemProps1.xml><?xml version="1.0" encoding="utf-8"?>
-<ds:datastoreItem xmlns:ds="http://schemas.openxmlformats.org/officeDocument/2006/customXml" ds:itemID="{941989CE-20BB-4A6A-A33F-71A1AE469C3E}">
-  <ds:schemaRefs>
-    <ds:schemaRef ds:uri="http://schemas.microsoft.com/sharepoint/v3/contenttype/forms"/>
-  </ds:schemaRefs>
-</ds:datastoreItem>
+<file path=customXml/item2.xml><?xml version="1.0" encoding="utf-8"?>
+<?mso-contentType ?>
+<FormTemplates xmlns="http://schemas.microsoft.com/sharepoint/v3/contenttype/forms">
+  <Display>DocumentLibraryForm</Display>
+  <Edit>DocumentLibraryForm</Edit>
+  <New>DocumentLibraryForm</New>
+</FormTemplates>
 </file>
 
-<file path=customXml/itemProps2.xml><?xml version="1.0" encoding="utf-8"?>
-<ds:datastoreItem xmlns:ds="http://schemas.openxmlformats.org/officeDocument/2006/customXml" ds:itemID="{ED4099BE-EDEC-4FF1-8378-446617236015}">
-  <ds:schemaRefs>
-    <ds:schemaRef ds:uri="http://schemas.openxmlformats.org/package/2006/metadata/core-properties"/>
-    <ds:schemaRef ds:uri="01e63850-2818-4a9f-a0cd-2d4201ad5cd5"/>
-    <ds:schemaRef ds:uri="http://www.w3.org/XML/1998/namespace"/>
-    <ds:schemaRef ds:uri="http://purl.org/dc/elements/1.1/"/>
-    <ds:schemaRef ds:uri="http://schemas.microsoft.com/office/2006/metadata/properties"/>
-    <ds:schemaRef ds:uri="http://purl.org/dc/dcmitype/"/>
-    <ds:schemaRef ds:uri="http://schemas.microsoft.com/office/2006/documentManagement/types"/>
-    <ds:schemaRef ds:uri="http://schemas.microsoft.com/office/infopath/2007/PartnerControls"/>
-    <ds:schemaRef ds:uri="281057cd-4f7e-4aa3-94a7-05201549cd15"/>
-    <ds:schemaRef ds:uri="http://purl.org/dc/terms/"/>
-  </ds:schemaRefs>
-</ds:datastoreItem>
+<file path=customXml/item3.xml><?xml version="1.0" encoding="utf-8"?>
+<p:properties xmlns:p="http://schemas.microsoft.com/office/2006/metadata/properties" xmlns:xsi="http://www.w3.org/2001/XMLSchema-instance" xmlns:pc="http://schemas.microsoft.com/office/infopath/2007/PartnerControls">
+  <documentManagement/>
+</p:properties>
 </file>
 
-<file path=customXml/itemProps3.xml><?xml version="1.0" encoding="utf-8"?>
+<file path=customXml/itemProps1.xml><?xml version="1.0" encoding="utf-8"?>
 <ds:datastoreItem xmlns:ds="http://schemas.openxmlformats.org/officeDocument/2006/customXml" ds:itemID="{C688342C-4DFE-4E47-A40D-C772A567C924}">
   <ds:schemaRefs>
     <ds:schemaRef ds:uri="http://schemas.microsoft.com/office/2006/metadata/contentType"/>
@@ -16173,4 +13857,29 @@
     <ds:schemaRef ds:uri="http://schemas.microsoft.com/internal/obd"/>
   </ds:schemaRefs>
 </ds:datastoreItem>
+</file>
+
+<file path=customXml/itemProps2.xml><?xml version="1.0" encoding="utf-8"?>
+<ds:datastoreItem xmlns:ds="http://schemas.openxmlformats.org/officeDocument/2006/customXml" ds:itemID="{941989CE-20BB-4A6A-A33F-71A1AE469C3E}">
+  <ds:schemaRefs>
+    <ds:schemaRef ds:uri="http://schemas.microsoft.com/sharepoint/v3/contenttype/forms"/>
+  </ds:schemaRefs>
+</ds:datastoreItem>
+</file>
+
+<file path=customXml/itemProps3.xml><?xml version="1.0" encoding="utf-8"?>
+<ds:datastoreItem xmlns:ds="http://schemas.openxmlformats.org/officeDocument/2006/customXml" ds:itemID="{ED4099BE-EDEC-4FF1-8378-446617236015}">
+  <ds:schemaRefs>
+    <ds:schemaRef ds:uri="http://schemas.openxmlformats.org/package/2006/metadata/core-properties"/>
+    <ds:schemaRef ds:uri="01e63850-2818-4a9f-a0cd-2d4201ad5cd5"/>
+    <ds:schemaRef ds:uri="http://www.w3.org/XML/1998/namespace"/>
+    <ds:schemaRef ds:uri="http://purl.org/dc/elements/1.1/"/>
+    <ds:schemaRef ds:uri="http://schemas.microsoft.com/office/2006/metadata/properties"/>
+    <ds:schemaRef ds:uri="http://purl.org/dc/dcmitype/"/>
+    <ds:schemaRef ds:uri="http://schemas.microsoft.com/office/2006/documentManagement/types"/>
+    <ds:schemaRef ds:uri="http://schemas.microsoft.com/office/infopath/2007/PartnerControls"/>
+    <ds:schemaRef ds:uri="281057cd-4f7e-4aa3-94a7-05201549cd15"/>
+    <ds:schemaRef ds:uri="http://purl.org/dc/terms/"/>
+  </ds:schemaRefs>
+</ds:datastoreItem>
 </file>